--- a/Slides/19. Aplicações dos Laços de Repetição.pptx
+++ b/Slides/19. Aplicações dos Laços de Repetição.pptx
@@ -5,7 +5,7 @@
     <p:sldMasterId id="2147483660" r:id="rId1"/>
   </p:sldMasterIdLst>
   <p:notesMasterIdLst>
-    <p:notesMasterId r:id="rId26"/>
+    <p:notesMasterId r:id="rId27"/>
   </p:notesMasterIdLst>
   <p:sldIdLst>
     <p:sldId id="256" r:id="rId2"/>
@@ -30,8 +30,9 @@
     <p:sldId id="349" r:id="rId21"/>
     <p:sldId id="348" r:id="rId22"/>
     <p:sldId id="350" r:id="rId23"/>
-    <p:sldId id="351" r:id="rId24"/>
-    <p:sldId id="340" r:id="rId25"/>
+    <p:sldId id="355" r:id="rId24"/>
+    <p:sldId id="351" r:id="rId25"/>
+    <p:sldId id="340" r:id="rId26"/>
   </p:sldIdLst>
   <p:sldSz cx="12192000" cy="6858000"/>
   <p:notesSz cx="6858000" cy="9144000"/>
@@ -152,13 +153,381 @@
 <file path=ppt/revisionInfo.xml><?xml version="1.0" encoding="utf-8"?>
 <p1510:revInfo xmlns:a="http://schemas.openxmlformats.org/drawingml/2006/main" xmlns:r="http://schemas.openxmlformats.org/officeDocument/2006/relationships" xmlns:p1510="http://schemas.microsoft.com/office/powerpoint/2015/10/main">
   <p1510:revLst>
-    <p1510:client id="{2D6E3642-E2A8-4642-A99C-1B7FDA88900A}" v="3" dt="2019-11-28T22:43:12.573"/>
+    <p1510:client id="{A936D99A-5C3A-4859-BA0F-DF1932B41CC1}" v="6" dt="2021-05-06T22:36:01.257"/>
+    <p1510:client id="{FDA202F6-1578-4F98-A368-5E901D5061C7}" v="14" dt="2021-05-07T02:30:46.318"/>
   </p1510:revLst>
 </p1510:revInfo>
 </file>
 
 <file path=ppt/changesInfos/changesInfo1.xml><?xml version="1.0" encoding="utf-8"?>
 <pc:chgInfo xmlns:a="http://schemas.openxmlformats.org/drawingml/2006/main" xmlns:r="http://schemas.openxmlformats.org/officeDocument/2006/relationships" xmlns:ac="http://schemas.microsoft.com/office/drawing/2013/main/command" xmlns:pc="http://schemas.microsoft.com/office/powerpoint/2013/main/command">
+  <pc:docChgLst>
+    <pc:chgData name="Judson Santiago" userId="ebb108da2f256286" providerId="LiveId" clId="{FDA202F6-1578-4F98-A368-5E901D5061C7}"/>
+    <pc:docChg chg="undo custSel addSld modSld">
+      <pc:chgData name="Judson Santiago" userId="ebb108da2f256286" providerId="LiveId" clId="{FDA202F6-1578-4F98-A368-5E901D5061C7}" dt="2021-05-07T02:31:46.757" v="433" actId="20577"/>
+      <pc:docMkLst>
+        <pc:docMk/>
+      </pc:docMkLst>
+      <pc:sldChg chg="modNotesTx">
+        <pc:chgData name="Judson Santiago" userId="ebb108da2f256286" providerId="LiveId" clId="{FDA202F6-1578-4F98-A368-5E901D5061C7}" dt="2021-05-07T02:31:46.757" v="433" actId="20577"/>
+        <pc:sldMkLst>
+          <pc:docMk/>
+          <pc:sldMk cId="0" sldId="256"/>
+        </pc:sldMkLst>
+      </pc:sldChg>
+      <pc:sldChg chg="addSp modSp mod">
+        <pc:chgData name="Judson Santiago" userId="ebb108da2f256286" providerId="LiveId" clId="{FDA202F6-1578-4F98-A368-5E901D5061C7}" dt="2021-05-07T02:02:34.626" v="146" actId="20577"/>
+        <pc:sldMkLst>
+          <pc:docMk/>
+          <pc:sldMk cId="0" sldId="328"/>
+        </pc:sldMkLst>
+        <pc:spChg chg="add mod">
+          <ac:chgData name="Judson Santiago" userId="ebb108da2f256286" providerId="LiveId" clId="{FDA202F6-1578-4F98-A368-5E901D5061C7}" dt="2021-05-07T02:02:34.626" v="146" actId="20577"/>
+          <ac:spMkLst>
+            <pc:docMk/>
+            <pc:sldMk cId="0" sldId="328"/>
+            <ac:spMk id="5" creationId="{85D68CB0-4C4C-480A-B258-A394E517EFF5}"/>
+          </ac:spMkLst>
+        </pc:spChg>
+      </pc:sldChg>
+      <pc:sldChg chg="addSp modSp mod">
+        <pc:chgData name="Judson Santiago" userId="ebb108da2f256286" providerId="LiveId" clId="{FDA202F6-1578-4F98-A368-5E901D5061C7}" dt="2021-05-07T01:56:18.815" v="56" actId="20577"/>
+        <pc:sldMkLst>
+          <pc:docMk/>
+          <pc:sldMk cId="0" sldId="330"/>
+        </pc:sldMkLst>
+        <pc:spChg chg="add mod">
+          <ac:chgData name="Judson Santiago" userId="ebb108da2f256286" providerId="LiveId" clId="{FDA202F6-1578-4F98-A368-5E901D5061C7}" dt="2021-05-07T01:56:18.815" v="56" actId="20577"/>
+          <ac:spMkLst>
+            <pc:docMk/>
+            <pc:sldMk cId="0" sldId="330"/>
+            <ac:spMk id="5" creationId="{041B476C-6245-44E3-9688-1F6D8610FDDA}"/>
+          </ac:spMkLst>
+        </pc:spChg>
+      </pc:sldChg>
+      <pc:sldChg chg="addSp modSp mod">
+        <pc:chgData name="Judson Santiago" userId="ebb108da2f256286" providerId="LiveId" clId="{FDA202F6-1578-4F98-A368-5E901D5061C7}" dt="2021-05-07T01:56:47.400" v="67" actId="20577"/>
+        <pc:sldMkLst>
+          <pc:docMk/>
+          <pc:sldMk cId="0" sldId="337"/>
+        </pc:sldMkLst>
+        <pc:spChg chg="add mod">
+          <ac:chgData name="Judson Santiago" userId="ebb108da2f256286" providerId="LiveId" clId="{FDA202F6-1578-4F98-A368-5E901D5061C7}" dt="2021-05-07T01:56:47.400" v="67" actId="20577"/>
+          <ac:spMkLst>
+            <pc:docMk/>
+            <pc:sldMk cId="0" sldId="337"/>
+            <ac:spMk id="6" creationId="{6FBF1AB0-2C05-4BA3-AF45-879B2509C19B}"/>
+          </ac:spMkLst>
+        </pc:spChg>
+      </pc:sldChg>
+      <pc:sldChg chg="addSp modSp">
+        <pc:chgData name="Judson Santiago" userId="ebb108da2f256286" providerId="LiveId" clId="{FDA202F6-1578-4F98-A368-5E901D5061C7}" dt="2021-05-07T01:56:52.357" v="68"/>
+        <pc:sldMkLst>
+          <pc:docMk/>
+          <pc:sldMk cId="0" sldId="338"/>
+        </pc:sldMkLst>
+        <pc:spChg chg="add mod">
+          <ac:chgData name="Judson Santiago" userId="ebb108da2f256286" providerId="LiveId" clId="{FDA202F6-1578-4F98-A368-5E901D5061C7}" dt="2021-05-07T01:56:52.357" v="68"/>
+          <ac:spMkLst>
+            <pc:docMk/>
+            <pc:sldMk cId="0" sldId="338"/>
+            <ac:spMk id="5" creationId="{870B7C8E-6CD7-4080-B7D5-DC60DDEF11D7}"/>
+          </ac:spMkLst>
+        </pc:spChg>
+      </pc:sldChg>
+      <pc:sldChg chg="addSp modSp mod">
+        <pc:chgData name="Judson Santiago" userId="ebb108da2f256286" providerId="LiveId" clId="{FDA202F6-1578-4F98-A368-5E901D5061C7}" dt="2021-05-07T02:01:40.337" v="142" actId="6549"/>
+        <pc:sldMkLst>
+          <pc:docMk/>
+          <pc:sldMk cId="2818045906" sldId="348"/>
+        </pc:sldMkLst>
+        <pc:spChg chg="add mod">
+          <ac:chgData name="Judson Santiago" userId="ebb108da2f256286" providerId="LiveId" clId="{FDA202F6-1578-4F98-A368-5E901D5061C7}" dt="2021-05-07T02:01:40.337" v="142" actId="6549"/>
+          <ac:spMkLst>
+            <pc:docMk/>
+            <pc:sldMk cId="2818045906" sldId="348"/>
+            <ac:spMk id="5" creationId="{7D6E395E-6328-44ED-BEAA-91181C780419}"/>
+          </ac:spMkLst>
+        </pc:spChg>
+      </pc:sldChg>
+      <pc:sldChg chg="addSp delSp modSp mod">
+        <pc:chgData name="Judson Santiago" userId="ebb108da2f256286" providerId="LiveId" clId="{FDA202F6-1578-4F98-A368-5E901D5061C7}" dt="2021-05-07T02:24:59.644" v="404" actId="20577"/>
+        <pc:sldMkLst>
+          <pc:docMk/>
+          <pc:sldMk cId="1559971395" sldId="350"/>
+        </pc:sldMkLst>
+        <pc:spChg chg="add mod">
+          <ac:chgData name="Judson Santiago" userId="ebb108da2f256286" providerId="LiveId" clId="{FDA202F6-1578-4F98-A368-5E901D5061C7}" dt="2021-05-07T02:22:17.327" v="399" actId="207"/>
+          <ac:spMkLst>
+            <pc:docMk/>
+            <pc:sldMk cId="1559971395" sldId="350"/>
+            <ac:spMk id="7" creationId="{C9919A3A-5053-42BA-A2A3-1E4C91E97ED9}"/>
+          </ac:spMkLst>
+        </pc:spChg>
+        <pc:spChg chg="add mod ord">
+          <ac:chgData name="Judson Santiago" userId="ebb108da2f256286" providerId="LiveId" clId="{FDA202F6-1578-4F98-A368-5E901D5061C7}" dt="2021-05-07T02:18:47.130" v="368" actId="1076"/>
+          <ac:spMkLst>
+            <pc:docMk/>
+            <pc:sldMk cId="1559971395" sldId="350"/>
+            <ac:spMk id="10" creationId="{56862278-7CA6-46BD-B08B-9F6908F7DA7B}"/>
+          </ac:spMkLst>
+        </pc:spChg>
+        <pc:spChg chg="del">
+          <ac:chgData name="Judson Santiago" userId="ebb108da2f256286" providerId="LiveId" clId="{FDA202F6-1578-4F98-A368-5E901D5061C7}" dt="2021-05-07T02:05:41.688" v="149" actId="478"/>
+          <ac:spMkLst>
+            <pc:docMk/>
+            <pc:sldMk cId="1559971395" sldId="350"/>
+            <ac:spMk id="14" creationId="{00000000-0000-0000-0000-000000000000}"/>
+          </ac:spMkLst>
+        </pc:spChg>
+        <pc:spChg chg="mod">
+          <ac:chgData name="Judson Santiago" userId="ebb108da2f256286" providerId="LiveId" clId="{FDA202F6-1578-4F98-A368-5E901D5061C7}" dt="2021-05-07T02:18:58.506" v="372" actId="1036"/>
+          <ac:spMkLst>
+            <pc:docMk/>
+            <pc:sldMk cId="1559971395" sldId="350"/>
+            <ac:spMk id="46" creationId="{00000000-0000-0000-0000-000000000000}"/>
+          </ac:spMkLst>
+        </pc:spChg>
+        <pc:spChg chg="add mod">
+          <ac:chgData name="Judson Santiago" userId="ebb108da2f256286" providerId="LiveId" clId="{FDA202F6-1578-4F98-A368-5E901D5061C7}" dt="2021-05-07T02:24:59.644" v="404" actId="20577"/>
+          <ac:spMkLst>
+            <pc:docMk/>
+            <pc:sldMk cId="1559971395" sldId="350"/>
+            <ac:spMk id="79" creationId="{637D1E0B-F1EA-426E-ABD5-349C7AC12896}"/>
+          </ac:spMkLst>
+        </pc:spChg>
+        <pc:spChg chg="add mod ord">
+          <ac:chgData name="Judson Santiago" userId="ebb108da2f256286" providerId="LiveId" clId="{FDA202F6-1578-4F98-A368-5E901D5061C7}" dt="2021-05-07T02:18:47.130" v="368" actId="1076"/>
+          <ac:spMkLst>
+            <pc:docMk/>
+            <pc:sldMk cId="1559971395" sldId="350"/>
+            <ac:spMk id="84" creationId="{EDF20FBF-F689-4445-A3E9-115399EE7C7A}"/>
+          </ac:spMkLst>
+        </pc:spChg>
+        <pc:spChg chg="add mod">
+          <ac:chgData name="Judson Santiago" userId="ebb108da2f256286" providerId="LiveId" clId="{FDA202F6-1578-4F98-A368-5E901D5061C7}" dt="2021-05-07T02:24:59.378" v="403" actId="20577"/>
+          <ac:spMkLst>
+            <pc:docMk/>
+            <pc:sldMk cId="1559971395" sldId="350"/>
+            <ac:spMk id="85" creationId="{FA0F80CD-F567-4317-B6AF-E46E19AB0349}"/>
+          </ac:spMkLst>
+        </pc:spChg>
+        <pc:spChg chg="add mod ord">
+          <ac:chgData name="Judson Santiago" userId="ebb108da2f256286" providerId="LiveId" clId="{FDA202F6-1578-4F98-A368-5E901D5061C7}" dt="2021-05-07T02:18:47.130" v="368" actId="1076"/>
+          <ac:spMkLst>
+            <pc:docMk/>
+            <pc:sldMk cId="1559971395" sldId="350"/>
+            <ac:spMk id="87" creationId="{149E3FE7-E090-427F-99D9-4D4FA9BBB963}"/>
+          </ac:spMkLst>
+        </pc:spChg>
+        <pc:spChg chg="mod">
+          <ac:chgData name="Judson Santiago" userId="ebb108da2f256286" providerId="LiveId" clId="{FDA202F6-1578-4F98-A368-5E901D5061C7}" dt="2021-05-07T02:06:03.891" v="154" actId="207"/>
+          <ac:spMkLst>
+            <pc:docMk/>
+            <pc:sldMk cId="1559971395" sldId="350"/>
+            <ac:spMk id="88" creationId="{00000000-0000-0000-0000-000000000000}"/>
+          </ac:spMkLst>
+        </pc:spChg>
+        <pc:spChg chg="mod">
+          <ac:chgData name="Judson Santiago" userId="ebb108da2f256286" providerId="LiveId" clId="{FDA202F6-1578-4F98-A368-5E901D5061C7}" dt="2021-05-07T02:06:03.891" v="154" actId="207"/>
+          <ac:spMkLst>
+            <pc:docMk/>
+            <pc:sldMk cId="1559971395" sldId="350"/>
+            <ac:spMk id="89" creationId="{00000000-0000-0000-0000-000000000000}"/>
+          </ac:spMkLst>
+        </pc:spChg>
+        <pc:spChg chg="mod">
+          <ac:chgData name="Judson Santiago" userId="ebb108da2f256286" providerId="LiveId" clId="{FDA202F6-1578-4F98-A368-5E901D5061C7}" dt="2021-05-07T02:06:03.891" v="154" actId="207"/>
+          <ac:spMkLst>
+            <pc:docMk/>
+            <pc:sldMk cId="1559971395" sldId="350"/>
+            <ac:spMk id="90" creationId="{00000000-0000-0000-0000-000000000000}"/>
+          </ac:spMkLst>
+        </pc:spChg>
+        <pc:spChg chg="mod">
+          <ac:chgData name="Judson Santiago" userId="ebb108da2f256286" providerId="LiveId" clId="{FDA202F6-1578-4F98-A368-5E901D5061C7}" dt="2021-05-07T02:06:03.891" v="154" actId="207"/>
+          <ac:spMkLst>
+            <pc:docMk/>
+            <pc:sldMk cId="1559971395" sldId="350"/>
+            <ac:spMk id="91" creationId="{00000000-0000-0000-0000-000000000000}"/>
+          </ac:spMkLst>
+        </pc:spChg>
+        <pc:spChg chg="del">
+          <ac:chgData name="Judson Santiago" userId="ebb108da2f256286" providerId="LiveId" clId="{FDA202F6-1578-4F98-A368-5E901D5061C7}" dt="2021-05-07T02:05:47.468" v="150" actId="478"/>
+          <ac:spMkLst>
+            <pc:docMk/>
+            <pc:sldMk cId="1559971395" sldId="350"/>
+            <ac:spMk id="92" creationId="{00000000-0000-0000-0000-000000000000}"/>
+          </ac:spMkLst>
+        </pc:spChg>
+        <pc:spChg chg="add mod ord">
+          <ac:chgData name="Judson Santiago" userId="ebb108da2f256286" providerId="LiveId" clId="{FDA202F6-1578-4F98-A368-5E901D5061C7}" dt="2021-05-07T02:18:47.130" v="368" actId="1076"/>
+          <ac:spMkLst>
+            <pc:docMk/>
+            <pc:sldMk cId="1559971395" sldId="350"/>
+            <ac:spMk id="97" creationId="{E32B0C7A-ED08-465C-A212-4137E5711455}"/>
+          </ac:spMkLst>
+        </pc:spChg>
+        <pc:spChg chg="add mod">
+          <ac:chgData name="Judson Santiago" userId="ebb108da2f256286" providerId="LiveId" clId="{FDA202F6-1578-4F98-A368-5E901D5061C7}" dt="2021-05-07T02:22:20.449" v="400" actId="207"/>
+          <ac:spMkLst>
+            <pc:docMk/>
+            <pc:sldMk cId="1559971395" sldId="350"/>
+            <ac:spMk id="98" creationId="{CC9CEC4F-D605-4661-A7BA-17D74F17E448}"/>
+          </ac:spMkLst>
+        </pc:spChg>
+        <pc:spChg chg="mod">
+          <ac:chgData name="Judson Santiago" userId="ebb108da2f256286" providerId="LiveId" clId="{FDA202F6-1578-4F98-A368-5E901D5061C7}" dt="2021-05-07T02:06:03.891" v="154" actId="207"/>
+          <ac:spMkLst>
+            <pc:docMk/>
+            <pc:sldMk cId="1559971395" sldId="350"/>
+            <ac:spMk id="126" creationId="{00000000-0000-0000-0000-000000000000}"/>
+          </ac:spMkLst>
+        </pc:spChg>
+        <pc:spChg chg="del">
+          <ac:chgData name="Judson Santiago" userId="ebb108da2f256286" providerId="LiveId" clId="{FDA202F6-1578-4F98-A368-5E901D5061C7}" dt="2021-05-07T02:05:38.297" v="148" actId="478"/>
+          <ac:spMkLst>
+            <pc:docMk/>
+            <pc:sldMk cId="1559971395" sldId="350"/>
+            <ac:spMk id="131" creationId="{00000000-0000-0000-0000-000000000000}"/>
+          </ac:spMkLst>
+        </pc:spChg>
+        <pc:spChg chg="del">
+          <ac:chgData name="Judson Santiago" userId="ebb108da2f256286" providerId="LiveId" clId="{FDA202F6-1578-4F98-A368-5E901D5061C7}" dt="2021-05-07T02:05:38.297" v="148" actId="478"/>
+          <ac:spMkLst>
+            <pc:docMk/>
+            <pc:sldMk cId="1559971395" sldId="350"/>
+            <ac:spMk id="132" creationId="{00000000-0000-0000-0000-000000000000}"/>
+          </ac:spMkLst>
+        </pc:spChg>
+        <pc:spChg chg="mod">
+          <ac:chgData name="Judson Santiago" userId="ebb108da2f256286" providerId="LiveId" clId="{FDA202F6-1578-4F98-A368-5E901D5061C7}" dt="2021-05-07T02:05:51.334" v="152" actId="6549"/>
+          <ac:spMkLst>
+            <pc:docMk/>
+            <pc:sldMk cId="1559971395" sldId="350"/>
+            <ac:spMk id="143" creationId="{00000000-0000-0000-0000-000000000000}"/>
+          </ac:spMkLst>
+        </pc:spChg>
+        <pc:spChg chg="mod">
+          <ac:chgData name="Judson Santiago" userId="ebb108da2f256286" providerId="LiveId" clId="{FDA202F6-1578-4F98-A368-5E901D5061C7}" dt="2021-05-07T02:06:03.891" v="154" actId="207"/>
+          <ac:spMkLst>
+            <pc:docMk/>
+            <pc:sldMk cId="1559971395" sldId="350"/>
+            <ac:spMk id="147" creationId="{00000000-0000-0000-0000-000000000000}"/>
+          </ac:spMkLst>
+        </pc:spChg>
+        <pc:spChg chg="mod">
+          <ac:chgData name="Judson Santiago" userId="ebb108da2f256286" providerId="LiveId" clId="{FDA202F6-1578-4F98-A368-5E901D5061C7}" dt="2021-05-07T02:06:03.891" v="154" actId="207"/>
+          <ac:spMkLst>
+            <pc:docMk/>
+            <pc:sldMk cId="1559971395" sldId="350"/>
+            <ac:spMk id="148" creationId="{00000000-0000-0000-0000-000000000000}"/>
+          </ac:spMkLst>
+        </pc:spChg>
+        <pc:spChg chg="mod">
+          <ac:chgData name="Judson Santiago" userId="ebb108da2f256286" providerId="LiveId" clId="{FDA202F6-1578-4F98-A368-5E901D5061C7}" dt="2021-05-07T02:06:03.891" v="154" actId="207"/>
+          <ac:spMkLst>
+            <pc:docMk/>
+            <pc:sldMk cId="1559971395" sldId="350"/>
+            <ac:spMk id="149" creationId="{00000000-0000-0000-0000-000000000000}"/>
+          </ac:spMkLst>
+        </pc:spChg>
+        <pc:spChg chg="mod">
+          <ac:chgData name="Judson Santiago" userId="ebb108da2f256286" providerId="LiveId" clId="{FDA202F6-1578-4F98-A368-5E901D5061C7}" dt="2021-05-07T02:06:03.891" v="154" actId="207"/>
+          <ac:spMkLst>
+            <pc:docMk/>
+            <pc:sldMk cId="1559971395" sldId="350"/>
+            <ac:spMk id="150" creationId="{00000000-0000-0000-0000-000000000000}"/>
+          </ac:spMkLst>
+        </pc:spChg>
+        <pc:spChg chg="mod">
+          <ac:chgData name="Judson Santiago" userId="ebb108da2f256286" providerId="LiveId" clId="{FDA202F6-1578-4F98-A368-5E901D5061C7}" dt="2021-05-07T02:06:03.891" v="154" actId="207"/>
+          <ac:spMkLst>
+            <pc:docMk/>
+            <pc:sldMk cId="1559971395" sldId="350"/>
+            <ac:spMk id="151" creationId="{00000000-0000-0000-0000-000000000000}"/>
+          </ac:spMkLst>
+        </pc:spChg>
+        <pc:spChg chg="mod">
+          <ac:chgData name="Judson Santiago" userId="ebb108da2f256286" providerId="LiveId" clId="{FDA202F6-1578-4F98-A368-5E901D5061C7}" dt="2021-05-07T02:05:52.631" v="153" actId="6549"/>
+          <ac:spMkLst>
+            <pc:docMk/>
+            <pc:sldMk cId="1559971395" sldId="350"/>
+            <ac:spMk id="156" creationId="{00000000-0000-0000-0000-000000000000}"/>
+          </ac:spMkLst>
+        </pc:spChg>
+        <pc:grpChg chg="mod">
+          <ac:chgData name="Judson Santiago" userId="ebb108da2f256286" providerId="LiveId" clId="{FDA202F6-1578-4F98-A368-5E901D5061C7}" dt="2021-05-07T02:19:03.511" v="377" actId="1035"/>
+          <ac:grpSpMkLst>
+            <pc:docMk/>
+            <pc:sldMk cId="1559971395" sldId="350"/>
+            <ac:grpSpMk id="4" creationId="{AAE46541-60A4-4E24-A3C2-01D271706C98}"/>
+          </ac:grpSpMkLst>
+        </pc:grpChg>
+        <pc:grpChg chg="del">
+          <ac:chgData name="Judson Santiago" userId="ebb108da2f256286" providerId="LiveId" clId="{FDA202F6-1578-4F98-A368-5E901D5061C7}" dt="2021-05-07T02:05:38.297" v="148" actId="478"/>
+          <ac:grpSpMkLst>
+            <pc:docMk/>
+            <pc:sldMk cId="1559971395" sldId="350"/>
+            <ac:grpSpMk id="5" creationId="{A5EDBED3-B520-4FC8-9DC0-0ADA135F262A}"/>
+          </ac:grpSpMkLst>
+        </pc:grpChg>
+        <pc:cxnChg chg="add mod">
+          <ac:chgData name="Judson Santiago" userId="ebb108da2f256286" providerId="LiveId" clId="{FDA202F6-1578-4F98-A368-5E901D5061C7}" dt="2021-05-07T02:18:47.130" v="368" actId="1076"/>
+          <ac:cxnSpMkLst>
+            <pc:docMk/>
+            <pc:sldMk cId="1559971395" sldId="350"/>
+            <ac:cxnSpMk id="9" creationId="{90D79E66-2A36-4F1D-8750-37BDB8534EA2}"/>
+          </ac:cxnSpMkLst>
+        </pc:cxnChg>
+        <pc:cxnChg chg="add mod">
+          <ac:chgData name="Judson Santiago" userId="ebb108da2f256286" providerId="LiveId" clId="{FDA202F6-1578-4F98-A368-5E901D5061C7}" dt="2021-05-07T02:18:47.130" v="368" actId="1076"/>
+          <ac:cxnSpMkLst>
+            <pc:docMk/>
+            <pc:sldMk cId="1559971395" sldId="350"/>
+            <ac:cxnSpMk id="99" creationId="{5AD7E6B3-2ACD-47A6-8EAB-92FF996A74C7}"/>
+          </ac:cxnSpMkLst>
+        </pc:cxnChg>
+      </pc:sldChg>
+      <pc:sldChg chg="addSp modSp mod">
+        <pc:chgData name="Judson Santiago" userId="ebb108da2f256286" providerId="LiveId" clId="{FDA202F6-1578-4F98-A368-5E901D5061C7}" dt="2021-05-07T02:01:48.108" v="145" actId="6549"/>
+        <pc:sldMkLst>
+          <pc:docMk/>
+          <pc:sldMk cId="3180041610" sldId="351"/>
+        </pc:sldMkLst>
+        <pc:spChg chg="add mod">
+          <ac:chgData name="Judson Santiago" userId="ebb108da2f256286" providerId="LiveId" clId="{FDA202F6-1578-4F98-A368-5E901D5061C7}" dt="2021-05-07T02:01:48.108" v="145" actId="6549"/>
+          <ac:spMkLst>
+            <pc:docMk/>
+            <pc:sldMk cId="3180041610" sldId="351"/>
+            <ac:spMk id="7" creationId="{1EF03072-9230-4EEE-A5FD-C8D57B6D4BB2}"/>
+          </ac:spMkLst>
+        </pc:spChg>
+      </pc:sldChg>
+      <pc:sldChg chg="addSp modSp mod">
+        <pc:chgData name="Judson Santiago" userId="ebb108da2f256286" providerId="LiveId" clId="{FDA202F6-1578-4F98-A368-5E901D5061C7}" dt="2021-05-07T01:56:33.093" v="59" actId="20577"/>
+        <pc:sldMkLst>
+          <pc:docMk/>
+          <pc:sldMk cId="648431256" sldId="352"/>
+        </pc:sldMkLst>
+        <pc:spChg chg="add mod">
+          <ac:chgData name="Judson Santiago" userId="ebb108da2f256286" providerId="LiveId" clId="{FDA202F6-1578-4F98-A368-5E901D5061C7}" dt="2021-05-07T01:56:33.093" v="59" actId="20577"/>
+          <ac:spMkLst>
+            <pc:docMk/>
+            <pc:sldMk cId="648431256" sldId="352"/>
+            <ac:spMk id="5" creationId="{DAF4E85D-F095-4F6C-A090-815EFDCCDE35}"/>
+          </ac:spMkLst>
+        </pc:spChg>
+      </pc:sldChg>
+      <pc:sldChg chg="add">
+        <pc:chgData name="Judson Santiago" userId="ebb108da2f256286" providerId="LiveId" clId="{FDA202F6-1578-4F98-A368-5E901D5061C7}" dt="2021-05-07T02:04:58.716" v="147" actId="2890"/>
+        <pc:sldMkLst>
+          <pc:docMk/>
+          <pc:sldMk cId="4152736563" sldId="355"/>
+        </pc:sldMkLst>
+      </pc:sldChg>
+    </pc:docChg>
+  </pc:docChgLst>
   <pc:docChgLst>
     <pc:chgData name="Judson Santiago" userId="ebb108da2f256286" providerId="LiveId" clId="{5DB304C0-4EDE-4A70-AC2D-61B0F23789DD}"/>
     <pc:docChg chg="undo custSel modSld">
@@ -765,9 +1134,6 @@
     </pc:docChg>
   </pc:docChgLst>
   <pc:docChgLst>
-    <pc:chgData name="Judson Santiago" userId="ebb108da2f256286" providerId="LiveId" clId="{25B41304-E165-4866-BC87-35B349B78E6B}"/>
-  </pc:docChgLst>
-  <pc:docChgLst>
     <pc:chgData name="Judson Santiago" userId="ebb108da2f256286" providerId="LiveId" clId="{B2616224-441E-4548-8C0E-AC8433529740}"/>
     <pc:docChg chg="undo modSld">
       <pc:chgData name="Judson Santiago" userId="ebb108da2f256286" providerId="LiveId" clId="{B2616224-441E-4548-8C0E-AC8433529740}" dt="2019-09-13T17:36:42.745" v="112" actId="20577"/>
@@ -1043,6 +1409,431 @@
       </pc:sldChg>
     </pc:docChg>
   </pc:docChgLst>
+  <pc:docChgLst>
+    <pc:chgData name="Judson Santiago" userId="ebb108da2f256286" providerId="LiveId" clId="{A936D99A-5C3A-4859-BA0F-DF1932B41CC1}"/>
+    <pc:docChg chg="undo custSel modSld modMainMaster">
+      <pc:chgData name="Judson Santiago" userId="ebb108da2f256286" providerId="LiveId" clId="{A936D99A-5C3A-4859-BA0F-DF1932B41CC1}" dt="2021-05-06T22:57:24.598" v="161" actId="1035"/>
+      <pc:docMkLst>
+        <pc:docMk/>
+      </pc:docMkLst>
+      <pc:sldChg chg="modNotesTx">
+        <pc:chgData name="Judson Santiago" userId="ebb108da2f256286" providerId="LiveId" clId="{A936D99A-5C3A-4859-BA0F-DF1932B41CC1}" dt="2021-05-06T21:41:21.795" v="9" actId="6549"/>
+        <pc:sldMkLst>
+          <pc:docMk/>
+          <pc:sldMk cId="0" sldId="256"/>
+        </pc:sldMkLst>
+      </pc:sldChg>
+      <pc:sldChg chg="modSp mod">
+        <pc:chgData name="Judson Santiago" userId="ebb108da2f256286" providerId="LiveId" clId="{A936D99A-5C3A-4859-BA0F-DF1932B41CC1}" dt="2021-05-06T21:59:56.076" v="114" actId="20577"/>
+        <pc:sldMkLst>
+          <pc:docMk/>
+          <pc:sldMk cId="0" sldId="327"/>
+        </pc:sldMkLst>
+        <pc:spChg chg="mod">
+          <ac:chgData name="Judson Santiago" userId="ebb108da2f256286" providerId="LiveId" clId="{A936D99A-5C3A-4859-BA0F-DF1932B41CC1}" dt="2021-05-06T21:59:56.076" v="114" actId="20577"/>
+          <ac:spMkLst>
+            <pc:docMk/>
+            <pc:sldMk cId="0" sldId="327"/>
+            <ac:spMk id="4" creationId="{00000000-0000-0000-0000-000000000000}"/>
+          </ac:spMkLst>
+        </pc:spChg>
+      </pc:sldChg>
+      <pc:sldChg chg="modSp mod">
+        <pc:chgData name="Judson Santiago" userId="ebb108da2f256286" providerId="LiveId" clId="{A936D99A-5C3A-4859-BA0F-DF1932B41CC1}" dt="2021-05-06T22:05:21.974" v="147" actId="1076"/>
+        <pc:sldMkLst>
+          <pc:docMk/>
+          <pc:sldMk cId="0" sldId="329"/>
+        </pc:sldMkLst>
+        <pc:spChg chg="mod">
+          <ac:chgData name="Judson Santiago" userId="ebb108da2f256286" providerId="LiveId" clId="{A936D99A-5C3A-4859-BA0F-DF1932B41CC1}" dt="2021-05-06T22:05:08.551" v="146" actId="20577"/>
+          <ac:spMkLst>
+            <pc:docMk/>
+            <pc:sldMk cId="0" sldId="329"/>
+            <ac:spMk id="3" creationId="{00000000-0000-0000-0000-000000000000}"/>
+          </ac:spMkLst>
+        </pc:spChg>
+        <pc:spChg chg="mod">
+          <ac:chgData name="Judson Santiago" userId="ebb108da2f256286" providerId="LiveId" clId="{A936D99A-5C3A-4859-BA0F-DF1932B41CC1}" dt="2021-05-06T22:05:21.974" v="147" actId="1076"/>
+          <ac:spMkLst>
+            <pc:docMk/>
+            <pc:sldMk cId="0" sldId="329"/>
+            <ac:spMk id="4" creationId="{00000000-0000-0000-0000-000000000000}"/>
+          </ac:spMkLst>
+        </pc:spChg>
+      </pc:sldChg>
+      <pc:sldChg chg="addSp modSp mod">
+        <pc:chgData name="Judson Santiago" userId="ebb108da2f256286" providerId="LiveId" clId="{A936D99A-5C3A-4859-BA0F-DF1932B41CC1}" dt="2021-05-06T22:36:06.572" v="157" actId="1035"/>
+        <pc:sldMkLst>
+          <pc:docMk/>
+          <pc:sldMk cId="0" sldId="335"/>
+        </pc:sldMkLst>
+        <pc:spChg chg="mod">
+          <ac:chgData name="Judson Santiago" userId="ebb108da2f256286" providerId="LiveId" clId="{A936D99A-5C3A-4859-BA0F-DF1932B41CC1}" dt="2021-05-06T22:36:01.257" v="150" actId="164"/>
+          <ac:spMkLst>
+            <pc:docMk/>
+            <pc:sldMk cId="0" sldId="335"/>
+            <ac:spMk id="4" creationId="{00000000-0000-0000-0000-000000000000}"/>
+          </ac:spMkLst>
+        </pc:spChg>
+        <pc:spChg chg="mod">
+          <ac:chgData name="Judson Santiago" userId="ebb108da2f256286" providerId="LiveId" clId="{A936D99A-5C3A-4859-BA0F-DF1932B41CC1}" dt="2021-05-06T22:36:01.257" v="150" actId="164"/>
+          <ac:spMkLst>
+            <pc:docMk/>
+            <pc:sldMk cId="0" sldId="335"/>
+            <ac:spMk id="7" creationId="{00000000-0000-0000-0000-000000000000}"/>
+          </ac:spMkLst>
+        </pc:spChg>
+        <pc:spChg chg="mod">
+          <ac:chgData name="Judson Santiago" userId="ebb108da2f256286" providerId="LiveId" clId="{A936D99A-5C3A-4859-BA0F-DF1932B41CC1}" dt="2021-05-06T22:36:01.257" v="150" actId="164"/>
+          <ac:spMkLst>
+            <pc:docMk/>
+            <pc:sldMk cId="0" sldId="335"/>
+            <ac:spMk id="28" creationId="{00000000-0000-0000-0000-000000000000}"/>
+          </ac:spMkLst>
+        </pc:spChg>
+        <pc:spChg chg="mod">
+          <ac:chgData name="Judson Santiago" userId="ebb108da2f256286" providerId="LiveId" clId="{A936D99A-5C3A-4859-BA0F-DF1932B41CC1}" dt="2021-05-06T22:36:01.257" v="150" actId="164"/>
+          <ac:spMkLst>
+            <pc:docMk/>
+            <pc:sldMk cId="0" sldId="335"/>
+            <ac:spMk id="29" creationId="{00000000-0000-0000-0000-000000000000}"/>
+          </ac:spMkLst>
+        </pc:spChg>
+        <pc:spChg chg="mod">
+          <ac:chgData name="Judson Santiago" userId="ebb108da2f256286" providerId="LiveId" clId="{A936D99A-5C3A-4859-BA0F-DF1932B41CC1}" dt="2021-05-06T22:36:01.257" v="150" actId="164"/>
+          <ac:spMkLst>
+            <pc:docMk/>
+            <pc:sldMk cId="0" sldId="335"/>
+            <ac:spMk id="30" creationId="{00000000-0000-0000-0000-000000000000}"/>
+          </ac:spMkLst>
+        </pc:spChg>
+        <pc:spChg chg="mod">
+          <ac:chgData name="Judson Santiago" userId="ebb108da2f256286" providerId="LiveId" clId="{A936D99A-5C3A-4859-BA0F-DF1932B41CC1}" dt="2021-05-06T22:36:01.257" v="150" actId="164"/>
+          <ac:spMkLst>
+            <pc:docMk/>
+            <pc:sldMk cId="0" sldId="335"/>
+            <ac:spMk id="31" creationId="{00000000-0000-0000-0000-000000000000}"/>
+          </ac:spMkLst>
+        </pc:spChg>
+        <pc:spChg chg="mod">
+          <ac:chgData name="Judson Santiago" userId="ebb108da2f256286" providerId="LiveId" clId="{A936D99A-5C3A-4859-BA0F-DF1932B41CC1}" dt="2021-05-06T22:36:01.257" v="150" actId="164"/>
+          <ac:spMkLst>
+            <pc:docMk/>
+            <pc:sldMk cId="0" sldId="335"/>
+            <ac:spMk id="32" creationId="{00000000-0000-0000-0000-000000000000}"/>
+          </ac:spMkLst>
+        </pc:spChg>
+        <pc:spChg chg="mod">
+          <ac:chgData name="Judson Santiago" userId="ebb108da2f256286" providerId="LiveId" clId="{A936D99A-5C3A-4859-BA0F-DF1932B41CC1}" dt="2021-05-06T22:36:01.257" v="150" actId="164"/>
+          <ac:spMkLst>
+            <pc:docMk/>
+            <pc:sldMk cId="0" sldId="335"/>
+            <ac:spMk id="33" creationId="{00000000-0000-0000-0000-000000000000}"/>
+          </ac:spMkLst>
+        </pc:spChg>
+        <pc:spChg chg="mod">
+          <ac:chgData name="Judson Santiago" userId="ebb108da2f256286" providerId="LiveId" clId="{A936D99A-5C3A-4859-BA0F-DF1932B41CC1}" dt="2021-05-06T22:36:01.257" v="150" actId="164"/>
+          <ac:spMkLst>
+            <pc:docMk/>
+            <pc:sldMk cId="0" sldId="335"/>
+            <ac:spMk id="34" creationId="{00000000-0000-0000-0000-000000000000}"/>
+          </ac:spMkLst>
+        </pc:spChg>
+        <pc:spChg chg="mod">
+          <ac:chgData name="Judson Santiago" userId="ebb108da2f256286" providerId="LiveId" clId="{A936D99A-5C3A-4859-BA0F-DF1932B41CC1}" dt="2021-05-06T22:36:01.257" v="150" actId="164"/>
+          <ac:spMkLst>
+            <pc:docMk/>
+            <pc:sldMk cId="0" sldId="335"/>
+            <ac:spMk id="35" creationId="{00000000-0000-0000-0000-000000000000}"/>
+          </ac:spMkLst>
+        </pc:spChg>
+        <pc:spChg chg="mod">
+          <ac:chgData name="Judson Santiago" userId="ebb108da2f256286" providerId="LiveId" clId="{A936D99A-5C3A-4859-BA0F-DF1932B41CC1}" dt="2021-05-06T22:36:01.257" v="150" actId="164"/>
+          <ac:spMkLst>
+            <pc:docMk/>
+            <pc:sldMk cId="0" sldId="335"/>
+            <ac:spMk id="36" creationId="{00000000-0000-0000-0000-000000000000}"/>
+          </ac:spMkLst>
+        </pc:spChg>
+        <pc:spChg chg="mod">
+          <ac:chgData name="Judson Santiago" userId="ebb108da2f256286" providerId="LiveId" clId="{A936D99A-5C3A-4859-BA0F-DF1932B41CC1}" dt="2021-05-06T22:36:01.257" v="150" actId="164"/>
+          <ac:spMkLst>
+            <pc:docMk/>
+            <pc:sldMk cId="0" sldId="335"/>
+            <ac:spMk id="37" creationId="{00000000-0000-0000-0000-000000000000}"/>
+          </ac:spMkLst>
+        </pc:spChg>
+        <pc:spChg chg="mod">
+          <ac:chgData name="Judson Santiago" userId="ebb108da2f256286" providerId="LiveId" clId="{A936D99A-5C3A-4859-BA0F-DF1932B41CC1}" dt="2021-05-06T22:36:01.257" v="150" actId="164"/>
+          <ac:spMkLst>
+            <pc:docMk/>
+            <pc:sldMk cId="0" sldId="335"/>
+            <ac:spMk id="38" creationId="{00000000-0000-0000-0000-000000000000}"/>
+          </ac:spMkLst>
+        </pc:spChg>
+        <pc:spChg chg="mod">
+          <ac:chgData name="Judson Santiago" userId="ebb108da2f256286" providerId="LiveId" clId="{A936D99A-5C3A-4859-BA0F-DF1932B41CC1}" dt="2021-05-06T22:36:01.257" v="150" actId="164"/>
+          <ac:spMkLst>
+            <pc:docMk/>
+            <pc:sldMk cId="0" sldId="335"/>
+            <ac:spMk id="39" creationId="{00000000-0000-0000-0000-000000000000}"/>
+          </ac:spMkLst>
+        </pc:spChg>
+        <pc:spChg chg="mod">
+          <ac:chgData name="Judson Santiago" userId="ebb108da2f256286" providerId="LiveId" clId="{A936D99A-5C3A-4859-BA0F-DF1932B41CC1}" dt="2021-05-06T22:36:01.257" v="150" actId="164"/>
+          <ac:spMkLst>
+            <pc:docMk/>
+            <pc:sldMk cId="0" sldId="335"/>
+            <ac:spMk id="40" creationId="{00000000-0000-0000-0000-000000000000}"/>
+          </ac:spMkLst>
+        </pc:spChg>
+        <pc:spChg chg="mod">
+          <ac:chgData name="Judson Santiago" userId="ebb108da2f256286" providerId="LiveId" clId="{A936D99A-5C3A-4859-BA0F-DF1932B41CC1}" dt="2021-05-06T22:36:01.257" v="150" actId="164"/>
+          <ac:spMkLst>
+            <pc:docMk/>
+            <pc:sldMk cId="0" sldId="335"/>
+            <ac:spMk id="41" creationId="{00000000-0000-0000-0000-000000000000}"/>
+          </ac:spMkLst>
+        </pc:spChg>
+        <pc:spChg chg="mod">
+          <ac:chgData name="Judson Santiago" userId="ebb108da2f256286" providerId="LiveId" clId="{A936D99A-5C3A-4859-BA0F-DF1932B41CC1}" dt="2021-05-06T22:36:01.257" v="150" actId="164"/>
+          <ac:spMkLst>
+            <pc:docMk/>
+            <pc:sldMk cId="0" sldId="335"/>
+            <ac:spMk id="42" creationId="{00000000-0000-0000-0000-000000000000}"/>
+          </ac:spMkLst>
+        </pc:spChg>
+        <pc:spChg chg="mod">
+          <ac:chgData name="Judson Santiago" userId="ebb108da2f256286" providerId="LiveId" clId="{A936D99A-5C3A-4859-BA0F-DF1932B41CC1}" dt="2021-05-06T22:36:01.257" v="150" actId="164"/>
+          <ac:spMkLst>
+            <pc:docMk/>
+            <pc:sldMk cId="0" sldId="335"/>
+            <ac:spMk id="43" creationId="{00000000-0000-0000-0000-000000000000}"/>
+          </ac:spMkLst>
+        </pc:spChg>
+        <pc:spChg chg="mod">
+          <ac:chgData name="Judson Santiago" userId="ebb108da2f256286" providerId="LiveId" clId="{A936D99A-5C3A-4859-BA0F-DF1932B41CC1}" dt="2021-05-06T22:36:01.257" v="150" actId="164"/>
+          <ac:spMkLst>
+            <pc:docMk/>
+            <pc:sldMk cId="0" sldId="335"/>
+            <ac:spMk id="44" creationId="{00000000-0000-0000-0000-000000000000}"/>
+          </ac:spMkLst>
+        </pc:spChg>
+        <pc:spChg chg="mod">
+          <ac:chgData name="Judson Santiago" userId="ebb108da2f256286" providerId="LiveId" clId="{A936D99A-5C3A-4859-BA0F-DF1932B41CC1}" dt="2021-05-06T22:36:01.257" v="150" actId="164"/>
+          <ac:spMkLst>
+            <pc:docMk/>
+            <pc:sldMk cId="0" sldId="335"/>
+            <ac:spMk id="45" creationId="{00000000-0000-0000-0000-000000000000}"/>
+          </ac:spMkLst>
+        </pc:spChg>
+        <pc:spChg chg="mod">
+          <ac:chgData name="Judson Santiago" userId="ebb108da2f256286" providerId="LiveId" clId="{A936D99A-5C3A-4859-BA0F-DF1932B41CC1}" dt="2021-05-06T22:36:01.257" v="150" actId="164"/>
+          <ac:spMkLst>
+            <pc:docMk/>
+            <pc:sldMk cId="0" sldId="335"/>
+            <ac:spMk id="46" creationId="{00000000-0000-0000-0000-000000000000}"/>
+          </ac:spMkLst>
+        </pc:spChg>
+        <pc:spChg chg="mod">
+          <ac:chgData name="Judson Santiago" userId="ebb108da2f256286" providerId="LiveId" clId="{A936D99A-5C3A-4859-BA0F-DF1932B41CC1}" dt="2021-05-06T22:36:01.257" v="150" actId="164"/>
+          <ac:spMkLst>
+            <pc:docMk/>
+            <pc:sldMk cId="0" sldId="335"/>
+            <ac:spMk id="47" creationId="{00000000-0000-0000-0000-000000000000}"/>
+          </ac:spMkLst>
+        </pc:spChg>
+        <pc:spChg chg="mod">
+          <ac:chgData name="Judson Santiago" userId="ebb108da2f256286" providerId="LiveId" clId="{A936D99A-5C3A-4859-BA0F-DF1932B41CC1}" dt="2021-05-06T22:36:01.257" v="150" actId="164"/>
+          <ac:spMkLst>
+            <pc:docMk/>
+            <pc:sldMk cId="0" sldId="335"/>
+            <ac:spMk id="48" creationId="{00000000-0000-0000-0000-000000000000}"/>
+          </ac:spMkLst>
+        </pc:spChg>
+        <pc:spChg chg="mod">
+          <ac:chgData name="Judson Santiago" userId="ebb108da2f256286" providerId="LiveId" clId="{A936D99A-5C3A-4859-BA0F-DF1932B41CC1}" dt="2021-05-06T22:36:01.257" v="150" actId="164"/>
+          <ac:spMkLst>
+            <pc:docMk/>
+            <pc:sldMk cId="0" sldId="335"/>
+            <ac:spMk id="49" creationId="{00000000-0000-0000-0000-000000000000}"/>
+          </ac:spMkLst>
+        </pc:spChg>
+        <pc:spChg chg="mod">
+          <ac:chgData name="Judson Santiago" userId="ebb108da2f256286" providerId="LiveId" clId="{A936D99A-5C3A-4859-BA0F-DF1932B41CC1}" dt="2021-05-06T22:36:01.257" v="150" actId="164"/>
+          <ac:spMkLst>
+            <pc:docMk/>
+            <pc:sldMk cId="0" sldId="335"/>
+            <ac:spMk id="50" creationId="{00000000-0000-0000-0000-000000000000}"/>
+          </ac:spMkLst>
+        </pc:spChg>
+        <pc:spChg chg="mod">
+          <ac:chgData name="Judson Santiago" userId="ebb108da2f256286" providerId="LiveId" clId="{A936D99A-5C3A-4859-BA0F-DF1932B41CC1}" dt="2021-05-06T22:36:01.257" v="150" actId="164"/>
+          <ac:spMkLst>
+            <pc:docMk/>
+            <pc:sldMk cId="0" sldId="335"/>
+            <ac:spMk id="51" creationId="{00000000-0000-0000-0000-000000000000}"/>
+          </ac:spMkLst>
+        </pc:spChg>
+        <pc:spChg chg="mod">
+          <ac:chgData name="Judson Santiago" userId="ebb108da2f256286" providerId="LiveId" clId="{A936D99A-5C3A-4859-BA0F-DF1932B41CC1}" dt="2021-05-06T22:36:01.257" v="150" actId="164"/>
+          <ac:spMkLst>
+            <pc:docMk/>
+            <pc:sldMk cId="0" sldId="335"/>
+            <ac:spMk id="52" creationId="{00000000-0000-0000-0000-000000000000}"/>
+          </ac:spMkLst>
+        </pc:spChg>
+        <pc:spChg chg="mod">
+          <ac:chgData name="Judson Santiago" userId="ebb108da2f256286" providerId="LiveId" clId="{A936D99A-5C3A-4859-BA0F-DF1932B41CC1}" dt="2021-05-06T22:36:01.257" v="150" actId="164"/>
+          <ac:spMkLst>
+            <pc:docMk/>
+            <pc:sldMk cId="0" sldId="335"/>
+            <ac:spMk id="53" creationId="{00000000-0000-0000-0000-000000000000}"/>
+          </ac:spMkLst>
+        </pc:spChg>
+        <pc:spChg chg="mod">
+          <ac:chgData name="Judson Santiago" userId="ebb108da2f256286" providerId="LiveId" clId="{A936D99A-5C3A-4859-BA0F-DF1932B41CC1}" dt="2021-05-06T22:36:01.257" v="150" actId="164"/>
+          <ac:spMkLst>
+            <pc:docMk/>
+            <pc:sldMk cId="0" sldId="335"/>
+            <ac:spMk id="54" creationId="{00000000-0000-0000-0000-000000000000}"/>
+          </ac:spMkLst>
+        </pc:spChg>
+        <pc:spChg chg="mod">
+          <ac:chgData name="Judson Santiago" userId="ebb108da2f256286" providerId="LiveId" clId="{A936D99A-5C3A-4859-BA0F-DF1932B41CC1}" dt="2021-05-06T22:36:01.257" v="150" actId="164"/>
+          <ac:spMkLst>
+            <pc:docMk/>
+            <pc:sldMk cId="0" sldId="335"/>
+            <ac:spMk id="55" creationId="{00000000-0000-0000-0000-000000000000}"/>
+          </ac:spMkLst>
+        </pc:spChg>
+        <pc:spChg chg="mod">
+          <ac:chgData name="Judson Santiago" userId="ebb108da2f256286" providerId="LiveId" clId="{A936D99A-5C3A-4859-BA0F-DF1932B41CC1}" dt="2021-05-06T22:36:01.257" v="150" actId="164"/>
+          <ac:spMkLst>
+            <pc:docMk/>
+            <pc:sldMk cId="0" sldId="335"/>
+            <ac:spMk id="58" creationId="{00000000-0000-0000-0000-000000000000}"/>
+          </ac:spMkLst>
+        </pc:spChg>
+        <pc:grpChg chg="add mod">
+          <ac:chgData name="Judson Santiago" userId="ebb108da2f256286" providerId="LiveId" clId="{A936D99A-5C3A-4859-BA0F-DF1932B41CC1}" dt="2021-05-06T22:36:06.572" v="157" actId="1035"/>
+          <ac:grpSpMkLst>
+            <pc:docMk/>
+            <pc:sldMk cId="0" sldId="335"/>
+            <ac:grpSpMk id="5" creationId="{1665AF90-14E7-4DF1-93A8-9491A021728C}"/>
+          </ac:grpSpMkLst>
+        </pc:grpChg>
+        <pc:cxnChg chg="mod">
+          <ac:chgData name="Judson Santiago" userId="ebb108da2f256286" providerId="LiveId" clId="{A936D99A-5C3A-4859-BA0F-DF1932B41CC1}" dt="2021-05-06T22:36:01.257" v="150" actId="164"/>
+          <ac:cxnSpMkLst>
+            <pc:docMk/>
+            <pc:sldMk cId="0" sldId="335"/>
+            <ac:cxnSpMk id="6" creationId="{00000000-0000-0000-0000-000000000000}"/>
+          </ac:cxnSpMkLst>
+        </pc:cxnChg>
+        <pc:cxnChg chg="mod">
+          <ac:chgData name="Judson Santiago" userId="ebb108da2f256286" providerId="LiveId" clId="{A936D99A-5C3A-4859-BA0F-DF1932B41CC1}" dt="2021-05-06T22:36:01.257" v="150" actId="164"/>
+          <ac:cxnSpMkLst>
+            <pc:docMk/>
+            <pc:sldMk cId="0" sldId="335"/>
+            <ac:cxnSpMk id="57" creationId="{00000000-0000-0000-0000-000000000000}"/>
+          </ac:cxnSpMkLst>
+        </pc:cxnChg>
+      </pc:sldChg>
+      <pc:sldChg chg="modSp mod">
+        <pc:chgData name="Judson Santiago" userId="ebb108da2f256286" providerId="LiveId" clId="{A936D99A-5C3A-4859-BA0F-DF1932B41CC1}" dt="2021-05-06T22:57:24.598" v="161" actId="1035"/>
+        <pc:sldMkLst>
+          <pc:docMk/>
+          <pc:sldMk cId="0" sldId="339"/>
+        </pc:sldMkLst>
+        <pc:spChg chg="mod">
+          <ac:chgData name="Judson Santiago" userId="ebb108da2f256286" providerId="LiveId" clId="{A936D99A-5C3A-4859-BA0F-DF1932B41CC1}" dt="2021-05-06T22:57:18.700" v="159" actId="6549"/>
+          <ac:spMkLst>
+            <pc:docMk/>
+            <pc:sldMk cId="0" sldId="339"/>
+            <ac:spMk id="4" creationId="{00000000-0000-0000-0000-000000000000}"/>
+          </ac:spMkLst>
+        </pc:spChg>
+        <pc:spChg chg="mod">
+          <ac:chgData name="Judson Santiago" userId="ebb108da2f256286" providerId="LiveId" clId="{A936D99A-5C3A-4859-BA0F-DF1932B41CC1}" dt="2021-05-06T22:57:24.598" v="161" actId="1035"/>
+          <ac:spMkLst>
+            <pc:docMk/>
+            <pc:sldMk cId="0" sldId="339"/>
+            <ac:spMk id="6" creationId="{00000000-0000-0000-0000-000000000000}"/>
+          </ac:spMkLst>
+        </pc:spChg>
+      </pc:sldChg>
+      <pc:sldChg chg="modSp mod">
+        <pc:chgData name="Judson Santiago" userId="ebb108da2f256286" providerId="LiveId" clId="{A936D99A-5C3A-4859-BA0F-DF1932B41CC1}" dt="2021-05-06T21:48:13.670" v="63" actId="20577"/>
+        <pc:sldMkLst>
+          <pc:docMk/>
+          <pc:sldMk cId="2028369523" sldId="346"/>
+        </pc:sldMkLst>
+        <pc:spChg chg="mod">
+          <ac:chgData name="Judson Santiago" userId="ebb108da2f256286" providerId="LiveId" clId="{A936D99A-5C3A-4859-BA0F-DF1932B41CC1}" dt="2021-05-06T21:48:13.670" v="63" actId="20577"/>
+          <ac:spMkLst>
+            <pc:docMk/>
+            <pc:sldMk cId="2028369523" sldId="346"/>
+            <ac:spMk id="3" creationId="{00000000-0000-0000-0000-000000000000}"/>
+          </ac:spMkLst>
+        </pc:spChg>
+      </pc:sldChg>
+      <pc:sldChg chg="modSp mod">
+        <pc:chgData name="Judson Santiago" userId="ebb108da2f256286" providerId="LiveId" clId="{A936D99A-5C3A-4859-BA0F-DF1932B41CC1}" dt="2021-05-06T22:25:39.582" v="148" actId="20577"/>
+        <pc:sldMkLst>
+          <pc:docMk/>
+          <pc:sldMk cId="3822468625" sldId="353"/>
+        </pc:sldMkLst>
+        <pc:spChg chg="mod">
+          <ac:chgData name="Judson Santiago" userId="ebb108da2f256286" providerId="LiveId" clId="{A936D99A-5C3A-4859-BA0F-DF1932B41CC1}" dt="2021-05-06T22:25:39.582" v="148" actId="20577"/>
+          <ac:spMkLst>
+            <pc:docMk/>
+            <pc:sldMk cId="3822468625" sldId="353"/>
+            <ac:spMk id="4" creationId="{00000000-0000-0000-0000-000000000000}"/>
+          </ac:spMkLst>
+        </pc:spChg>
+      </pc:sldChg>
+      <pc:sldChg chg="modSp mod">
+        <pc:chgData name="Judson Santiago" userId="ebb108da2f256286" providerId="LiveId" clId="{A936D99A-5C3A-4859-BA0F-DF1932B41CC1}" dt="2021-05-06T21:52:13.189" v="112" actId="20577"/>
+        <pc:sldMkLst>
+          <pc:docMk/>
+          <pc:sldMk cId="510951713" sldId="354"/>
+        </pc:sldMkLst>
+        <pc:spChg chg="mod">
+          <ac:chgData name="Judson Santiago" userId="ebb108da2f256286" providerId="LiveId" clId="{A936D99A-5C3A-4859-BA0F-DF1932B41CC1}" dt="2021-05-06T21:52:13.189" v="112" actId="20577"/>
+          <ac:spMkLst>
+            <pc:docMk/>
+            <pc:sldMk cId="510951713" sldId="354"/>
+            <ac:spMk id="3" creationId="{9870C698-A9B5-42AD-BE67-23887CDD674D}"/>
+          </ac:spMkLst>
+        </pc:spChg>
+      </pc:sldChg>
+      <pc:sldMasterChg chg="setBg modSldLayout">
+        <pc:chgData name="Judson Santiago" userId="ebb108da2f256286" providerId="LiveId" clId="{A936D99A-5C3A-4859-BA0F-DF1932B41CC1}" dt="2021-05-06T21:43:37.466" v="14"/>
+        <pc:sldMasterMkLst>
+          <pc:docMk/>
+          <pc:sldMasterMk cId="0" sldId="2147483660"/>
+        </pc:sldMasterMkLst>
+        <pc:sldLayoutChg chg="addSp modSp mod">
+          <pc:chgData name="Judson Santiago" userId="ebb108da2f256286" providerId="LiveId" clId="{A936D99A-5C3A-4859-BA0F-DF1932B41CC1}" dt="2021-05-06T21:42:46.510" v="11" actId="167"/>
+          <pc:sldLayoutMkLst>
+            <pc:docMk/>
+            <pc:sldMasterMk cId="0" sldId="2147483660"/>
+            <pc:sldLayoutMk cId="0" sldId="2147483661"/>
+          </pc:sldLayoutMkLst>
+          <pc:picChg chg="add mod ord">
+            <ac:chgData name="Judson Santiago" userId="ebb108da2f256286" providerId="LiveId" clId="{A936D99A-5C3A-4859-BA0F-DF1932B41CC1}" dt="2021-05-06T21:42:46.510" v="11" actId="167"/>
+            <ac:picMkLst>
+              <pc:docMk/>
+              <pc:sldMasterMk cId="0" sldId="2147483660"/>
+              <pc:sldLayoutMk cId="0" sldId="2147483661"/>
+              <ac:picMk id="13" creationId="{7608BF1A-4B86-440B-A3A8-2C1E53FD890B}"/>
+            </ac:picMkLst>
+          </pc:picChg>
+        </pc:sldLayoutChg>
+      </pc:sldMasterChg>
+    </pc:docChg>
+  </pc:docChgLst>
 </pc:chgInfo>
 </file>
 
@@ -1129,7 +1920,7 @@
             <a:fld id="{28A4E469-1D52-4F9A-B782-CF632BA3CAE2}" type="datetimeFigureOut">
               <a:rPr lang="pt-BR" smtClean="0"/>
               <a:pPr/>
-              <a:t>28/11/2019</a:t>
+              <a:t>06/05/2021</a:t>
             </a:fld>
             <a:endParaRPr lang="pt-BR"/>
           </a:p>
@@ -1448,12 +2239,6 @@
           <a:bodyPr/>
           <a:lstStyle/>
           <a:p>
-            <a:r>
-              <a:rPr lang="pt-BR" dirty="0"/>
-              <a:t>Objetivo:</a:t>
-            </a:r>
-          </a:p>
-          <a:p>
             <a:pPr marL="171450" indent="-171450">
               <a:buFontTx/>
               <a:buChar char="-"/>
@@ -1511,7 +2296,7 @@
             </a:pPr>
             <a:r>
               <a:rPr lang="pt-BR" dirty="0"/>
-              <a:t>Matrizes estáticas e dinâmicas</a:t>
+              <a:t>Matrizes estáticas</a:t>
             </a:r>
           </a:p>
           <a:p>
@@ -1520,11 +2305,9 @@
               <a:buChar char="-"/>
             </a:pPr>
             <a:r>
-              <a:rPr lang="pt-BR" dirty="0"/>
-              <a:t>Funções com matrizes</a:t>
-            </a:r>
-          </a:p>
-          <a:p>
+              <a:rPr lang="pt-BR"/>
+              <a:t>Matrizes dinâmicas</a:t>
+            </a:r>
             <a:endParaRPr lang="pt-BR" dirty="0"/>
           </a:p>
         </p:txBody>
@@ -2503,6 +3286,37 @@
           <a:chExt cx="0" cy="0"/>
         </a:xfrm>
       </p:grpSpPr>
+      <p:pic>
+        <p:nvPicPr>
+          <p:cNvPr id="13" name="Picture 3" descr="Rede de tecnologia iluminada em uma tela de fundo escura">
+            <a:extLst>
+              <a:ext uri="{FF2B5EF4-FFF2-40B4-BE49-F238E27FC236}">
+                <a16:creationId xmlns:a16="http://schemas.microsoft.com/office/drawing/2014/main" id="{7608BF1A-4B86-440B-A3A8-2C1E53FD890B}"/>
+              </a:ext>
+            </a:extLst>
+          </p:cNvPr>
+          <p:cNvPicPr>
+            <a:picLocks noChangeAspect="1"/>
+          </p:cNvPicPr>
+          <p:nvPr userDrawn="1"/>
+        </p:nvPicPr>
+        <p:blipFill rotWithShape="1">
+          <a:blip r:embed="rId2">
+            <a:alphaModFix amt="30000"/>
+          </a:blip>
+          <a:srcRect t="22329"/>
+          <a:stretch/>
+        </p:blipFill>
+        <p:spPr>
+          <a:xfrm flipH="1" flipV="1">
+            <a:off x="487680" y="0"/>
+            <a:ext cx="11704320" cy="6858000"/>
+          </a:xfrm>
+          <a:prstGeom prst="rect">
+            <a:avLst/>
+          </a:prstGeom>
+        </p:spPr>
+      </p:pic>
       <p:sp>
         <p:nvSpPr>
           <p:cNvPr id="28" name="Espaço Reservado para Data 27"/>
@@ -2521,7 +3335,7 @@
             <a:fld id="{809BAF9C-B8D8-46D5-A346-6170F2D232B6}" type="datetimeFigureOut">
               <a:rPr lang="pt-BR" smtClean="0"/>
               <a:pPr/>
-              <a:t>28/11/2019</a:t>
+              <a:t>06/05/2021</a:t>
             </a:fld>
             <a:endParaRPr lang="pt-BR"/>
           </a:p>
@@ -3076,7 +3890,7 @@
             <a:fld id="{809BAF9C-B8D8-46D5-A346-6170F2D232B6}" type="datetimeFigureOut">
               <a:rPr lang="pt-BR" smtClean="0"/>
               <a:pPr/>
-              <a:t>28/11/2019</a:t>
+              <a:t>06/05/2021</a:t>
             </a:fld>
             <a:endParaRPr lang="pt-BR"/>
           </a:p>
@@ -3253,7 +4067,7 @@
             <a:fld id="{809BAF9C-B8D8-46D5-A346-6170F2D232B6}" type="datetimeFigureOut">
               <a:rPr lang="pt-BR" smtClean="0"/>
               <a:pPr/>
-              <a:t>28/11/2019</a:t>
+              <a:t>06/05/2021</a:t>
             </a:fld>
             <a:endParaRPr lang="pt-BR"/>
           </a:p>
@@ -3420,7 +4234,7 @@
             <a:fld id="{809BAF9C-B8D8-46D5-A346-6170F2D232B6}" type="datetimeFigureOut">
               <a:rPr lang="pt-BR" smtClean="0"/>
               <a:pPr/>
-              <a:t>28/11/2019</a:t>
+              <a:t>06/05/2021</a:t>
             </a:fld>
             <a:endParaRPr lang="pt-BR"/>
           </a:p>
@@ -4869,7 +5683,7 @@
             <a:fld id="{809BAF9C-B8D8-46D5-A346-6170F2D232B6}" type="datetimeFigureOut">
               <a:rPr lang="pt-BR" smtClean="0"/>
               <a:pPr/>
-              <a:t>28/11/2019</a:t>
+              <a:t>06/05/2021</a:t>
             </a:fld>
             <a:endParaRPr lang="pt-BR"/>
           </a:p>
@@ -5451,7 +6265,7 @@
             <a:fld id="{809BAF9C-B8D8-46D5-A346-6170F2D232B6}" type="datetimeFigureOut">
               <a:rPr lang="pt-BR" smtClean="0"/>
               <a:pPr/>
-              <a:t>28/11/2019</a:t>
+              <a:t>06/05/2021</a:t>
             </a:fld>
             <a:endParaRPr lang="pt-BR"/>
           </a:p>
@@ -5882,7 +6696,7 @@
             <a:fld id="{809BAF9C-B8D8-46D5-A346-6170F2D232B6}" type="datetimeFigureOut">
               <a:rPr lang="pt-BR" smtClean="0"/>
               <a:pPr/>
-              <a:t>28/11/2019</a:t>
+              <a:t>06/05/2021</a:t>
             </a:fld>
             <a:endParaRPr lang="pt-BR"/>
           </a:p>
@@ -6421,7 +7235,7 @@
             <a:fld id="{809BAF9C-B8D8-46D5-A346-6170F2D232B6}" type="datetimeFigureOut">
               <a:rPr lang="pt-BR" smtClean="0"/>
               <a:pPr/>
-              <a:t>28/11/2019</a:t>
+              <a:t>06/05/2021</a:t>
             </a:fld>
             <a:endParaRPr lang="pt-BR"/>
           </a:p>
@@ -6513,7 +7327,7 @@
             <a:fld id="{809BAF9C-B8D8-46D5-A346-6170F2D232B6}" type="datetimeFigureOut">
               <a:rPr lang="pt-BR" smtClean="0"/>
               <a:pPr/>
-              <a:t>28/11/2019</a:t>
+              <a:t>06/05/2021</a:t>
             </a:fld>
             <a:endParaRPr lang="pt-BR"/>
           </a:p>
@@ -6763,7 +7577,7 @@
             <a:fld id="{809BAF9C-B8D8-46D5-A346-6170F2D232B6}" type="datetimeFigureOut">
               <a:rPr lang="pt-BR" smtClean="0"/>
               <a:pPr/>
-              <a:t>28/11/2019</a:t>
+              <a:t>06/05/2021</a:t>
             </a:fld>
             <a:endParaRPr lang="pt-BR"/>
           </a:p>
@@ -7478,7 +8292,7 @@
             <a:fld id="{809BAF9C-B8D8-46D5-A346-6170F2D232B6}" type="datetimeFigureOut">
               <a:rPr lang="pt-BR" smtClean="0"/>
               <a:pPr/>
-              <a:t>28/11/2019</a:t>
+              <a:t>06/05/2021</a:t>
             </a:fld>
             <a:endParaRPr lang="pt-BR"/>
           </a:p>
@@ -7549,9 +8363,23 @@
 <p:sldMaster xmlns:a="http://schemas.openxmlformats.org/drawingml/2006/main" xmlns:r="http://schemas.openxmlformats.org/officeDocument/2006/relationships" xmlns:p="http://schemas.openxmlformats.org/presentationml/2006/main">
   <p:cSld>
     <p:bg>
-      <p:bgRef idx="1002">
-        <a:schemeClr val="bg2"/>
-      </p:bgRef>
+      <p:bgPr>
+        <a:gradFill rotWithShape="1">
+          <a:gsLst>
+            <a:gs pos="50000">
+              <a:schemeClr val="bg1">
+                <a:shade val="90000"/>
+                <a:satMod val="375000"/>
+              </a:schemeClr>
+            </a:gs>
+            <a:gs pos="100000">
+              <a:srgbClr val="28415E"/>
+            </a:gs>
+          </a:gsLst>
+          <a:lin ang="5400000" scaled="0"/>
+        </a:gradFill>
+        <a:effectLst/>
+      </p:bgPr>
     </p:bg>
     <p:spTree>
       <p:nvGrpSpPr>
@@ -7745,7 +8573,7 @@
             <a:fld id="{809BAF9C-B8D8-46D5-A346-6170F2D232B6}" type="datetimeFigureOut">
               <a:rPr lang="pt-BR" smtClean="0"/>
               <a:pPr/>
-              <a:t>28/11/2019</a:t>
+              <a:t>06/05/2021</a:t>
             </a:fld>
             <a:endParaRPr lang="pt-BR"/>
           </a:p>
@@ -8496,7 +9324,14 @@
             </a:r>
             <a:r>
               <a:rPr lang="pt-BR" dirty="0"/>
-              <a:t> usando a versão de </a:t>
+              <a:t> usando a versão </a:t>
+            </a:r>
+            <a:br>
+              <a:rPr lang="pt-BR" dirty="0"/>
+            </a:br>
+            <a:r>
+              <a:rPr lang="pt-BR" dirty="0"/>
+              <a:t>de </a:t>
             </a:r>
             <a:r>
               <a:rPr lang="pt-BR" dirty="0" err="1"/>
@@ -13694,1855 +14529,1876 @@
           </a:p>
         </p:txBody>
       </p:sp>
-      <p:sp>
-        <p:nvSpPr>
-          <p:cNvPr id="4" name="Retângulo 3"/>
-          <p:cNvSpPr/>
+      <p:grpSp>
+        <p:nvGrpSpPr>
+          <p:cNvPr id="5" name="Agrupar 4">
+            <a:extLst>
+              <a:ext uri="{FF2B5EF4-FFF2-40B4-BE49-F238E27FC236}">
+                <a16:creationId xmlns:a16="http://schemas.microsoft.com/office/drawing/2014/main" id="{1665AF90-14E7-4DF1-93A8-9491A021728C}"/>
+              </a:ext>
+            </a:extLst>
+          </p:cNvPr>
+          <p:cNvGrpSpPr/>
           <p:nvPr/>
-        </p:nvSpPr>
-        <p:spPr>
+        </p:nvGrpSpPr>
+        <p:grpSpPr>
           <a:xfrm>
-            <a:off x="3271349" y="4961860"/>
-            <a:ext cx="1357322" cy="357190"/>
+            <a:off x="2207568" y="3501008"/>
+            <a:ext cx="7954054" cy="2457564"/>
+            <a:chOff x="2206661" y="3933056"/>
+            <a:chExt cx="7954054" cy="2457564"/>
           </a:xfrm>
-          <a:prstGeom prst="rect">
-            <a:avLst/>
-          </a:prstGeom>
-          <a:solidFill>
-            <a:schemeClr val="accent3">
-              <a:lumMod val="75000"/>
-            </a:schemeClr>
-          </a:solidFill>
-          <a:ln>
+        </p:grpSpPr>
+        <p:sp>
+          <p:nvSpPr>
+            <p:cNvPr id="4" name="Retângulo 3"/>
+            <p:cNvSpPr/>
+            <p:nvPr/>
+          </p:nvSpPr>
+          <p:spPr>
+            <a:xfrm>
+              <a:off x="3271349" y="4961860"/>
+              <a:ext cx="1357322" cy="357190"/>
+            </a:xfrm>
+            <a:prstGeom prst="rect">
+              <a:avLst/>
+            </a:prstGeom>
+            <a:solidFill>
+              <a:schemeClr val="accent3">
+                <a:lumMod val="75000"/>
+              </a:schemeClr>
+            </a:solidFill>
+            <a:ln>
+              <a:noFill/>
+            </a:ln>
+            <a:effectLst>
+              <a:outerShdw blurRad="107950" dist="12700" dir="5400000" algn="ctr">
+                <a:srgbClr val="000000"/>
+              </a:outerShdw>
+            </a:effectLst>
+            <a:scene3d>
+              <a:camera prst="orthographicFront">
+                <a:rot lat="0" lon="0" rev="0"/>
+              </a:camera>
+              <a:lightRig rig="soft" dir="t">
+                <a:rot lat="0" lon="0" rev="0"/>
+              </a:lightRig>
+            </a:scene3d>
+            <a:sp3d contourW="44450" prstMaterial="matte">
+              <a:bevelT w="63500" h="63500" prst="artDeco"/>
+              <a:contourClr>
+                <a:srgbClr val="FFFFFF"/>
+              </a:contourClr>
+            </a:sp3d>
+          </p:spPr>
+          <p:style>
+            <a:lnRef idx="2">
+              <a:schemeClr val="accent1">
+                <a:shade val="50000"/>
+              </a:schemeClr>
+            </a:lnRef>
+            <a:fillRef idx="1">
+              <a:schemeClr val="accent1"/>
+            </a:fillRef>
+            <a:effectRef idx="0">
+              <a:schemeClr val="accent1"/>
+            </a:effectRef>
+            <a:fontRef idx="minor">
+              <a:schemeClr val="lt1"/>
+            </a:fontRef>
+          </p:style>
+          <p:txBody>
+            <a:bodyPr rtlCol="0" anchor="ctr"/>
+            <a:lstStyle/>
+            <a:p>
+              <a:pPr algn="ctr"/>
+              <a:r>
+                <a:rPr lang="pt-BR" sz="1200" dirty="0">
+                  <a:latin typeface="+mj-lt"/>
+                </a:rPr>
+                <a:t>maxtemp[0][0]</a:t>
+              </a:r>
+            </a:p>
+          </p:txBody>
+        </p:sp>
+        <p:sp>
+          <p:nvSpPr>
+            <p:cNvPr id="28" name="CaixaDeTexto 27"/>
+            <p:cNvSpPr txBox="1"/>
+            <p:nvPr/>
+          </p:nvSpPr>
+          <p:spPr>
+            <a:xfrm>
+              <a:off x="3771415" y="4533233"/>
+              <a:ext cx="284052" cy="307777"/>
+            </a:xfrm>
+            <a:prstGeom prst="rect">
+              <a:avLst/>
+            </a:prstGeom>
             <a:noFill/>
-          </a:ln>
-          <a:effectLst>
-            <a:outerShdw blurRad="107950" dist="12700" dir="5400000" algn="ctr">
-              <a:srgbClr val="000000"/>
-            </a:outerShdw>
-          </a:effectLst>
-          <a:scene3d>
-            <a:camera prst="orthographicFront">
-              <a:rot lat="0" lon="0" rev="0"/>
-            </a:camera>
-            <a:lightRig rig="soft" dir="t">
-              <a:rot lat="0" lon="0" rev="0"/>
-            </a:lightRig>
-          </a:scene3d>
-          <a:sp3d contourW="44450" prstMaterial="matte">
-            <a:bevelT w="63500" h="63500" prst="artDeco"/>
-            <a:contourClr>
-              <a:srgbClr val="FFFFFF"/>
-            </a:contourClr>
-          </a:sp3d>
-        </p:spPr>
-        <p:style>
-          <a:lnRef idx="2">
-            <a:schemeClr val="accent1">
-              <a:shade val="50000"/>
-            </a:schemeClr>
-          </a:lnRef>
-          <a:fillRef idx="1">
-            <a:schemeClr val="accent1"/>
-          </a:fillRef>
-          <a:effectRef idx="0">
-            <a:schemeClr val="accent1"/>
-          </a:effectRef>
-          <a:fontRef idx="minor">
-            <a:schemeClr val="lt1"/>
-          </a:fontRef>
-        </p:style>
-        <p:txBody>
-          <a:bodyPr rtlCol="0" anchor="ctr"/>
-          <a:lstStyle/>
-          <a:p>
-            <a:pPr algn="ctr"/>
-            <a:r>
-              <a:rPr lang="pt-BR" sz="1200" dirty="0">
-                <a:latin typeface="+mj-lt"/>
-              </a:rPr>
-              <a:t>maxtemp[0][0]</a:t>
-            </a:r>
-          </a:p>
-        </p:txBody>
-      </p:sp>
-      <p:sp>
-        <p:nvSpPr>
-          <p:cNvPr id="28" name="CaixaDeTexto 27"/>
-          <p:cNvSpPr txBox="1"/>
-          <p:nvPr/>
-        </p:nvSpPr>
-        <p:spPr>
-          <a:xfrm>
-            <a:off x="3771415" y="4533233"/>
-            <a:ext cx="284052" cy="307777"/>
-          </a:xfrm>
-          <a:prstGeom prst="rect">
-            <a:avLst/>
-          </a:prstGeom>
-          <a:noFill/>
-        </p:spPr>
-        <p:txBody>
-          <a:bodyPr wrap="none" rtlCol="0">
-            <a:spAutoFit/>
-          </a:bodyPr>
-          <a:lstStyle/>
-          <a:p>
-            <a:r>
-              <a:rPr lang="pt-BR" sz="1400" dirty="0">
-                <a:latin typeface="+mj-lt"/>
-              </a:rPr>
-              <a:t>0</a:t>
-            </a:r>
-          </a:p>
-        </p:txBody>
-      </p:sp>
-      <p:sp>
-        <p:nvSpPr>
-          <p:cNvPr id="29" name="CaixaDeTexto 28"/>
-          <p:cNvSpPr txBox="1"/>
-          <p:nvPr/>
-        </p:nvSpPr>
-        <p:spPr>
-          <a:xfrm>
-            <a:off x="5128737" y="4533233"/>
-            <a:ext cx="284052" cy="307777"/>
-          </a:xfrm>
-          <a:prstGeom prst="rect">
-            <a:avLst/>
-          </a:prstGeom>
-          <a:noFill/>
-        </p:spPr>
-        <p:txBody>
-          <a:bodyPr wrap="none" rtlCol="0">
-            <a:spAutoFit/>
-          </a:bodyPr>
-          <a:lstStyle/>
-          <a:p>
-            <a:r>
-              <a:rPr lang="pt-BR" sz="1400" dirty="0">
-                <a:latin typeface="+mj-lt"/>
-              </a:rPr>
-              <a:t>1</a:t>
-            </a:r>
-          </a:p>
-        </p:txBody>
-      </p:sp>
-      <p:sp>
-        <p:nvSpPr>
-          <p:cNvPr id="30" name="CaixaDeTexto 29"/>
-          <p:cNvSpPr txBox="1"/>
-          <p:nvPr/>
-        </p:nvSpPr>
-        <p:spPr>
-          <a:xfrm>
-            <a:off x="6487759" y="4533233"/>
-            <a:ext cx="284052" cy="307777"/>
-          </a:xfrm>
-          <a:prstGeom prst="rect">
-            <a:avLst/>
-          </a:prstGeom>
-          <a:noFill/>
-        </p:spPr>
-        <p:txBody>
-          <a:bodyPr wrap="none" rtlCol="0">
-            <a:spAutoFit/>
-          </a:bodyPr>
-          <a:lstStyle/>
-          <a:p>
-            <a:r>
-              <a:rPr lang="pt-BR" sz="1400" dirty="0">
-                <a:latin typeface="+mj-lt"/>
-              </a:rPr>
-              <a:t>2</a:t>
-            </a:r>
-          </a:p>
-        </p:txBody>
-      </p:sp>
-      <p:sp>
-        <p:nvSpPr>
-          <p:cNvPr id="31" name="CaixaDeTexto 30"/>
-          <p:cNvSpPr txBox="1"/>
-          <p:nvPr/>
-        </p:nvSpPr>
-        <p:spPr>
-          <a:xfrm>
-            <a:off x="7843381" y="4533233"/>
-            <a:ext cx="284052" cy="307777"/>
-          </a:xfrm>
-          <a:prstGeom prst="rect">
-            <a:avLst/>
-          </a:prstGeom>
-          <a:noFill/>
-        </p:spPr>
-        <p:txBody>
-          <a:bodyPr wrap="none" rtlCol="0">
-            <a:spAutoFit/>
-          </a:bodyPr>
-          <a:lstStyle/>
-          <a:p>
-            <a:r>
-              <a:rPr lang="pt-BR" sz="1400" dirty="0">
-                <a:latin typeface="+mj-lt"/>
-              </a:rPr>
-              <a:t>3</a:t>
-            </a:r>
-          </a:p>
-        </p:txBody>
-      </p:sp>
-      <p:sp>
-        <p:nvSpPr>
-          <p:cNvPr id="32" name="CaixaDeTexto 31"/>
-          <p:cNvSpPr txBox="1"/>
-          <p:nvPr/>
-        </p:nvSpPr>
-        <p:spPr>
-          <a:xfrm>
-            <a:off x="9200703" y="4533233"/>
-            <a:ext cx="284052" cy="307777"/>
-          </a:xfrm>
-          <a:prstGeom prst="rect">
-            <a:avLst/>
-          </a:prstGeom>
-          <a:noFill/>
-        </p:spPr>
-        <p:txBody>
-          <a:bodyPr wrap="none" rtlCol="0">
-            <a:spAutoFit/>
-          </a:bodyPr>
-          <a:lstStyle/>
-          <a:p>
-            <a:r>
-              <a:rPr lang="pt-BR" sz="1400" dirty="0">
-                <a:latin typeface="+mj-lt"/>
-              </a:rPr>
-              <a:t>4</a:t>
-            </a:r>
-          </a:p>
-        </p:txBody>
-      </p:sp>
-      <p:sp>
-        <p:nvSpPr>
-          <p:cNvPr id="33" name="CaixaDeTexto 32"/>
-          <p:cNvSpPr txBox="1"/>
-          <p:nvPr/>
-        </p:nvSpPr>
-        <p:spPr>
-          <a:xfrm>
-            <a:off x="2844421" y="4939836"/>
-            <a:ext cx="284052" cy="307777"/>
-          </a:xfrm>
-          <a:prstGeom prst="rect">
-            <a:avLst/>
-          </a:prstGeom>
-          <a:noFill/>
-        </p:spPr>
-        <p:txBody>
-          <a:bodyPr wrap="none" rtlCol="0">
-            <a:spAutoFit/>
-          </a:bodyPr>
-          <a:lstStyle/>
-          <a:p>
-            <a:r>
-              <a:rPr lang="pt-BR" sz="1400" dirty="0">
-                <a:latin typeface="+mj-lt"/>
-              </a:rPr>
-              <a:t>0</a:t>
-            </a:r>
-          </a:p>
-        </p:txBody>
-      </p:sp>
-      <p:sp>
-        <p:nvSpPr>
-          <p:cNvPr id="34" name="CaixaDeTexto 33"/>
-          <p:cNvSpPr txBox="1"/>
-          <p:nvPr/>
-        </p:nvSpPr>
-        <p:spPr>
-          <a:xfrm>
-            <a:off x="2842721" y="5297026"/>
-            <a:ext cx="284052" cy="307777"/>
-          </a:xfrm>
-          <a:prstGeom prst="rect">
-            <a:avLst/>
-          </a:prstGeom>
-          <a:noFill/>
-        </p:spPr>
-        <p:txBody>
-          <a:bodyPr wrap="none" rtlCol="0">
-            <a:spAutoFit/>
-          </a:bodyPr>
-          <a:lstStyle/>
-          <a:p>
-            <a:r>
-              <a:rPr lang="pt-BR" sz="1400" dirty="0">
-                <a:latin typeface="+mj-lt"/>
-              </a:rPr>
-              <a:t>1</a:t>
-            </a:r>
-          </a:p>
-        </p:txBody>
-      </p:sp>
-      <p:sp>
-        <p:nvSpPr>
-          <p:cNvPr id="35" name="CaixaDeTexto 34"/>
-          <p:cNvSpPr txBox="1"/>
-          <p:nvPr/>
-        </p:nvSpPr>
-        <p:spPr>
-          <a:xfrm>
-            <a:off x="2842721" y="5654216"/>
-            <a:ext cx="284052" cy="307777"/>
-          </a:xfrm>
-          <a:prstGeom prst="rect">
-            <a:avLst/>
-          </a:prstGeom>
-          <a:noFill/>
-        </p:spPr>
-        <p:txBody>
-          <a:bodyPr wrap="none" rtlCol="0">
-            <a:spAutoFit/>
-          </a:bodyPr>
-          <a:lstStyle/>
-          <a:p>
-            <a:r>
-              <a:rPr lang="pt-BR" sz="1400" dirty="0">
-                <a:latin typeface="+mj-lt"/>
-              </a:rPr>
-              <a:t>2</a:t>
-            </a:r>
-          </a:p>
-        </p:txBody>
-      </p:sp>
-      <p:sp>
-        <p:nvSpPr>
-          <p:cNvPr id="36" name="CaixaDeTexto 35"/>
-          <p:cNvSpPr txBox="1"/>
-          <p:nvPr/>
-        </p:nvSpPr>
-        <p:spPr>
-          <a:xfrm>
-            <a:off x="2844421" y="6011406"/>
-            <a:ext cx="284052" cy="307777"/>
-          </a:xfrm>
-          <a:prstGeom prst="rect">
-            <a:avLst/>
-          </a:prstGeom>
-          <a:noFill/>
-        </p:spPr>
-        <p:txBody>
-          <a:bodyPr wrap="none" rtlCol="0">
-            <a:spAutoFit/>
-          </a:bodyPr>
-          <a:lstStyle/>
-          <a:p>
-            <a:r>
-              <a:rPr lang="pt-BR" sz="1400" dirty="0">
-                <a:latin typeface="+mj-lt"/>
-              </a:rPr>
-              <a:t>3</a:t>
-            </a:r>
-          </a:p>
-        </p:txBody>
-      </p:sp>
-      <p:sp>
-        <p:nvSpPr>
-          <p:cNvPr id="37" name="Retângulo 36"/>
-          <p:cNvSpPr/>
-          <p:nvPr/>
-        </p:nvSpPr>
-        <p:spPr>
-          <a:xfrm>
-            <a:off x="4628671" y="4961860"/>
-            <a:ext cx="1357322" cy="357190"/>
-          </a:xfrm>
-          <a:prstGeom prst="rect">
-            <a:avLst/>
-          </a:prstGeom>
-          <a:solidFill>
-            <a:schemeClr val="accent3">
-              <a:lumMod val="75000"/>
-            </a:schemeClr>
-          </a:solidFill>
-          <a:ln>
+          </p:spPr>
+          <p:txBody>
+            <a:bodyPr wrap="none" rtlCol="0">
+              <a:spAutoFit/>
+            </a:bodyPr>
+            <a:lstStyle/>
+            <a:p>
+              <a:r>
+                <a:rPr lang="pt-BR" sz="1400" dirty="0">
+                  <a:latin typeface="+mj-lt"/>
+                </a:rPr>
+                <a:t>0</a:t>
+              </a:r>
+            </a:p>
+          </p:txBody>
+        </p:sp>
+        <p:sp>
+          <p:nvSpPr>
+            <p:cNvPr id="29" name="CaixaDeTexto 28"/>
+            <p:cNvSpPr txBox="1"/>
+            <p:nvPr/>
+          </p:nvSpPr>
+          <p:spPr>
+            <a:xfrm>
+              <a:off x="5128737" y="4533233"/>
+              <a:ext cx="284052" cy="307777"/>
+            </a:xfrm>
+            <a:prstGeom prst="rect">
+              <a:avLst/>
+            </a:prstGeom>
             <a:noFill/>
-          </a:ln>
-          <a:effectLst>
-            <a:outerShdw blurRad="107950" dist="12700" dir="5400000" algn="ctr">
-              <a:srgbClr val="000000"/>
-            </a:outerShdw>
-          </a:effectLst>
-          <a:scene3d>
-            <a:camera prst="orthographicFront">
-              <a:rot lat="0" lon="0" rev="0"/>
-            </a:camera>
-            <a:lightRig rig="soft" dir="t">
-              <a:rot lat="0" lon="0" rev="0"/>
-            </a:lightRig>
-          </a:scene3d>
-          <a:sp3d contourW="44450" prstMaterial="matte">
-            <a:bevelT w="63500" h="63500" prst="artDeco"/>
-            <a:contourClr>
-              <a:srgbClr val="FFFFFF"/>
-            </a:contourClr>
-          </a:sp3d>
-        </p:spPr>
-        <p:style>
-          <a:lnRef idx="2">
-            <a:schemeClr val="accent1">
-              <a:shade val="50000"/>
-            </a:schemeClr>
-          </a:lnRef>
-          <a:fillRef idx="1">
-            <a:schemeClr val="accent1"/>
-          </a:fillRef>
-          <a:effectRef idx="0">
-            <a:schemeClr val="accent1"/>
-          </a:effectRef>
-          <a:fontRef idx="minor">
-            <a:schemeClr val="lt1"/>
-          </a:fontRef>
-        </p:style>
-        <p:txBody>
-          <a:bodyPr rtlCol="0" anchor="ctr"/>
-          <a:lstStyle/>
-          <a:p>
-            <a:pPr algn="ctr"/>
-            <a:r>
-              <a:rPr lang="pt-BR" sz="1200" dirty="0">
-                <a:latin typeface="+mj-lt"/>
-              </a:rPr>
-              <a:t>maxtemp[0][1]</a:t>
-            </a:r>
-          </a:p>
-        </p:txBody>
-      </p:sp>
-      <p:sp>
-        <p:nvSpPr>
-          <p:cNvPr id="38" name="Retângulo 37"/>
-          <p:cNvSpPr/>
-          <p:nvPr/>
-        </p:nvSpPr>
-        <p:spPr>
-          <a:xfrm>
-            <a:off x="5985993" y="4961860"/>
-            <a:ext cx="1357322" cy="357190"/>
-          </a:xfrm>
-          <a:prstGeom prst="rect">
-            <a:avLst/>
-          </a:prstGeom>
-          <a:solidFill>
-            <a:schemeClr val="accent3">
-              <a:lumMod val="75000"/>
-            </a:schemeClr>
-          </a:solidFill>
-          <a:ln>
+          </p:spPr>
+          <p:txBody>
+            <a:bodyPr wrap="none" rtlCol="0">
+              <a:spAutoFit/>
+            </a:bodyPr>
+            <a:lstStyle/>
+            <a:p>
+              <a:r>
+                <a:rPr lang="pt-BR" sz="1400" dirty="0">
+                  <a:latin typeface="+mj-lt"/>
+                </a:rPr>
+                <a:t>1</a:t>
+              </a:r>
+            </a:p>
+          </p:txBody>
+        </p:sp>
+        <p:sp>
+          <p:nvSpPr>
+            <p:cNvPr id="30" name="CaixaDeTexto 29"/>
+            <p:cNvSpPr txBox="1"/>
+            <p:nvPr/>
+          </p:nvSpPr>
+          <p:spPr>
+            <a:xfrm>
+              <a:off x="6487759" y="4533233"/>
+              <a:ext cx="284052" cy="307777"/>
+            </a:xfrm>
+            <a:prstGeom prst="rect">
+              <a:avLst/>
+            </a:prstGeom>
             <a:noFill/>
-          </a:ln>
-          <a:effectLst>
-            <a:outerShdw blurRad="107950" dist="12700" dir="5400000" algn="ctr">
-              <a:srgbClr val="000000"/>
-            </a:outerShdw>
-          </a:effectLst>
-          <a:scene3d>
-            <a:camera prst="orthographicFront">
-              <a:rot lat="0" lon="0" rev="0"/>
-            </a:camera>
-            <a:lightRig rig="soft" dir="t">
-              <a:rot lat="0" lon="0" rev="0"/>
-            </a:lightRig>
-          </a:scene3d>
-          <a:sp3d contourW="44450" prstMaterial="matte">
-            <a:bevelT w="63500" h="63500" prst="artDeco"/>
-            <a:contourClr>
-              <a:srgbClr val="FFFFFF"/>
-            </a:contourClr>
-          </a:sp3d>
-        </p:spPr>
-        <p:style>
-          <a:lnRef idx="2">
-            <a:schemeClr val="accent1">
-              <a:shade val="50000"/>
-            </a:schemeClr>
-          </a:lnRef>
-          <a:fillRef idx="1">
-            <a:schemeClr val="accent1"/>
-          </a:fillRef>
-          <a:effectRef idx="0">
-            <a:schemeClr val="accent1"/>
-          </a:effectRef>
-          <a:fontRef idx="minor">
-            <a:schemeClr val="lt1"/>
-          </a:fontRef>
-        </p:style>
-        <p:txBody>
-          <a:bodyPr rtlCol="0" anchor="ctr"/>
-          <a:lstStyle/>
-          <a:p>
-            <a:pPr algn="ctr"/>
-            <a:r>
-              <a:rPr lang="pt-BR" sz="1200" dirty="0">
-                <a:latin typeface="+mj-lt"/>
-              </a:rPr>
-              <a:t>maxtemp[0][2]</a:t>
-            </a:r>
-          </a:p>
-        </p:txBody>
-      </p:sp>
-      <p:sp>
-        <p:nvSpPr>
-          <p:cNvPr id="39" name="Retângulo 38"/>
-          <p:cNvSpPr/>
-          <p:nvPr/>
-        </p:nvSpPr>
-        <p:spPr>
-          <a:xfrm>
-            <a:off x="7343315" y="4961860"/>
-            <a:ext cx="1357322" cy="357190"/>
-          </a:xfrm>
-          <a:prstGeom prst="rect">
-            <a:avLst/>
-          </a:prstGeom>
-          <a:solidFill>
-            <a:schemeClr val="accent3">
-              <a:lumMod val="75000"/>
-            </a:schemeClr>
-          </a:solidFill>
-          <a:ln>
+          </p:spPr>
+          <p:txBody>
+            <a:bodyPr wrap="none" rtlCol="0">
+              <a:spAutoFit/>
+            </a:bodyPr>
+            <a:lstStyle/>
+            <a:p>
+              <a:r>
+                <a:rPr lang="pt-BR" sz="1400" dirty="0">
+                  <a:latin typeface="+mj-lt"/>
+                </a:rPr>
+                <a:t>2</a:t>
+              </a:r>
+            </a:p>
+          </p:txBody>
+        </p:sp>
+        <p:sp>
+          <p:nvSpPr>
+            <p:cNvPr id="31" name="CaixaDeTexto 30"/>
+            <p:cNvSpPr txBox="1"/>
+            <p:nvPr/>
+          </p:nvSpPr>
+          <p:spPr>
+            <a:xfrm>
+              <a:off x="7843381" y="4533233"/>
+              <a:ext cx="284052" cy="307777"/>
+            </a:xfrm>
+            <a:prstGeom prst="rect">
+              <a:avLst/>
+            </a:prstGeom>
             <a:noFill/>
-          </a:ln>
-          <a:effectLst>
-            <a:outerShdw blurRad="107950" dist="12700" dir="5400000" algn="ctr">
-              <a:srgbClr val="000000"/>
-            </a:outerShdw>
-          </a:effectLst>
-          <a:scene3d>
-            <a:camera prst="orthographicFront">
-              <a:rot lat="0" lon="0" rev="0"/>
-            </a:camera>
-            <a:lightRig rig="soft" dir="t">
-              <a:rot lat="0" lon="0" rev="0"/>
-            </a:lightRig>
-          </a:scene3d>
-          <a:sp3d contourW="44450" prstMaterial="matte">
-            <a:bevelT w="63500" h="63500" prst="artDeco"/>
-            <a:contourClr>
-              <a:srgbClr val="FFFFFF"/>
-            </a:contourClr>
-          </a:sp3d>
-        </p:spPr>
-        <p:style>
-          <a:lnRef idx="2">
-            <a:schemeClr val="accent1">
-              <a:shade val="50000"/>
-            </a:schemeClr>
-          </a:lnRef>
-          <a:fillRef idx="1">
-            <a:schemeClr val="accent1"/>
-          </a:fillRef>
-          <a:effectRef idx="0">
-            <a:schemeClr val="accent1"/>
-          </a:effectRef>
-          <a:fontRef idx="minor">
-            <a:schemeClr val="lt1"/>
-          </a:fontRef>
-        </p:style>
-        <p:txBody>
-          <a:bodyPr rtlCol="0" anchor="ctr"/>
-          <a:lstStyle/>
-          <a:p>
-            <a:pPr algn="ctr"/>
-            <a:r>
-              <a:rPr lang="pt-BR" sz="1200" dirty="0">
-                <a:latin typeface="+mj-lt"/>
-              </a:rPr>
-              <a:t>maxtemp[0][3]</a:t>
-            </a:r>
-          </a:p>
-        </p:txBody>
-      </p:sp>
-      <p:sp>
-        <p:nvSpPr>
-          <p:cNvPr id="40" name="Retângulo 39"/>
-          <p:cNvSpPr/>
-          <p:nvPr/>
-        </p:nvSpPr>
-        <p:spPr>
-          <a:xfrm>
-            <a:off x="8700637" y="4961860"/>
-            <a:ext cx="1357322" cy="357190"/>
-          </a:xfrm>
-          <a:prstGeom prst="rect">
-            <a:avLst/>
-          </a:prstGeom>
-          <a:solidFill>
-            <a:schemeClr val="accent3">
-              <a:lumMod val="75000"/>
-            </a:schemeClr>
-          </a:solidFill>
-          <a:ln>
+          </p:spPr>
+          <p:txBody>
+            <a:bodyPr wrap="none" rtlCol="0">
+              <a:spAutoFit/>
+            </a:bodyPr>
+            <a:lstStyle/>
+            <a:p>
+              <a:r>
+                <a:rPr lang="pt-BR" sz="1400" dirty="0">
+                  <a:latin typeface="+mj-lt"/>
+                </a:rPr>
+                <a:t>3</a:t>
+              </a:r>
+            </a:p>
+          </p:txBody>
+        </p:sp>
+        <p:sp>
+          <p:nvSpPr>
+            <p:cNvPr id="32" name="CaixaDeTexto 31"/>
+            <p:cNvSpPr txBox="1"/>
+            <p:nvPr/>
+          </p:nvSpPr>
+          <p:spPr>
+            <a:xfrm>
+              <a:off x="9200703" y="4533233"/>
+              <a:ext cx="284052" cy="307777"/>
+            </a:xfrm>
+            <a:prstGeom prst="rect">
+              <a:avLst/>
+            </a:prstGeom>
             <a:noFill/>
-          </a:ln>
-          <a:effectLst>
-            <a:outerShdw blurRad="107950" dist="12700" dir="5400000" algn="ctr">
-              <a:srgbClr val="000000"/>
-            </a:outerShdw>
-          </a:effectLst>
-          <a:scene3d>
-            <a:camera prst="orthographicFront">
-              <a:rot lat="0" lon="0" rev="0"/>
-            </a:camera>
-            <a:lightRig rig="soft" dir="t">
-              <a:rot lat="0" lon="0" rev="0"/>
-            </a:lightRig>
-          </a:scene3d>
-          <a:sp3d contourW="44450" prstMaterial="matte">
-            <a:bevelT w="63500" h="63500" prst="artDeco"/>
-            <a:contourClr>
-              <a:srgbClr val="FFFFFF"/>
-            </a:contourClr>
-          </a:sp3d>
-        </p:spPr>
-        <p:style>
-          <a:lnRef idx="2">
-            <a:schemeClr val="accent1">
-              <a:shade val="50000"/>
-            </a:schemeClr>
-          </a:lnRef>
-          <a:fillRef idx="1">
-            <a:schemeClr val="accent1"/>
-          </a:fillRef>
-          <a:effectRef idx="0">
-            <a:schemeClr val="accent1"/>
-          </a:effectRef>
-          <a:fontRef idx="minor">
-            <a:schemeClr val="lt1"/>
-          </a:fontRef>
-        </p:style>
-        <p:txBody>
-          <a:bodyPr rtlCol="0" anchor="ctr"/>
-          <a:lstStyle/>
-          <a:p>
-            <a:pPr algn="ctr"/>
-            <a:r>
-              <a:rPr lang="pt-BR" sz="1200" dirty="0">
-                <a:latin typeface="+mj-lt"/>
-              </a:rPr>
-              <a:t>maxtemp[0][4]</a:t>
-            </a:r>
-          </a:p>
-        </p:txBody>
-      </p:sp>
-      <p:sp>
-        <p:nvSpPr>
-          <p:cNvPr id="41" name="Retângulo 40"/>
-          <p:cNvSpPr/>
-          <p:nvPr/>
-        </p:nvSpPr>
-        <p:spPr>
-          <a:xfrm>
-            <a:off x="3271349" y="5319050"/>
-            <a:ext cx="1357322" cy="357190"/>
-          </a:xfrm>
-          <a:prstGeom prst="rect">
-            <a:avLst/>
-          </a:prstGeom>
-          <a:solidFill>
-            <a:schemeClr val="accent3">
-              <a:lumMod val="75000"/>
-            </a:schemeClr>
-          </a:solidFill>
-          <a:ln>
+          </p:spPr>
+          <p:txBody>
+            <a:bodyPr wrap="none" rtlCol="0">
+              <a:spAutoFit/>
+            </a:bodyPr>
+            <a:lstStyle/>
+            <a:p>
+              <a:r>
+                <a:rPr lang="pt-BR" sz="1400" dirty="0">
+                  <a:latin typeface="+mj-lt"/>
+                </a:rPr>
+                <a:t>4</a:t>
+              </a:r>
+            </a:p>
+          </p:txBody>
+        </p:sp>
+        <p:sp>
+          <p:nvSpPr>
+            <p:cNvPr id="33" name="CaixaDeTexto 32"/>
+            <p:cNvSpPr txBox="1"/>
+            <p:nvPr/>
+          </p:nvSpPr>
+          <p:spPr>
+            <a:xfrm>
+              <a:off x="2844421" y="4939836"/>
+              <a:ext cx="284052" cy="307777"/>
+            </a:xfrm>
+            <a:prstGeom prst="rect">
+              <a:avLst/>
+            </a:prstGeom>
             <a:noFill/>
-          </a:ln>
-          <a:effectLst>
-            <a:outerShdw blurRad="107950" dist="12700" dir="5400000" algn="ctr">
-              <a:srgbClr val="000000"/>
-            </a:outerShdw>
-          </a:effectLst>
-          <a:scene3d>
-            <a:camera prst="orthographicFront">
-              <a:rot lat="0" lon="0" rev="0"/>
-            </a:camera>
-            <a:lightRig rig="soft" dir="t">
-              <a:rot lat="0" lon="0" rev="0"/>
-            </a:lightRig>
-          </a:scene3d>
-          <a:sp3d contourW="44450" prstMaterial="matte">
-            <a:bevelT w="63500" h="63500" prst="artDeco"/>
-            <a:contourClr>
-              <a:srgbClr val="FFFFFF"/>
-            </a:contourClr>
-          </a:sp3d>
-        </p:spPr>
-        <p:style>
-          <a:lnRef idx="2">
-            <a:schemeClr val="accent1">
-              <a:shade val="50000"/>
-            </a:schemeClr>
-          </a:lnRef>
-          <a:fillRef idx="1">
-            <a:schemeClr val="accent1"/>
-          </a:fillRef>
-          <a:effectRef idx="0">
-            <a:schemeClr val="accent1"/>
-          </a:effectRef>
-          <a:fontRef idx="minor">
-            <a:schemeClr val="lt1"/>
-          </a:fontRef>
-        </p:style>
-        <p:txBody>
-          <a:bodyPr rtlCol="0" anchor="ctr"/>
-          <a:lstStyle/>
-          <a:p>
-            <a:pPr algn="ctr"/>
-            <a:r>
-              <a:rPr lang="pt-BR" sz="1200" dirty="0">
-                <a:latin typeface="+mj-lt"/>
-              </a:rPr>
-              <a:t>maxtemp[1][0]</a:t>
-            </a:r>
-          </a:p>
-        </p:txBody>
-      </p:sp>
-      <p:sp>
-        <p:nvSpPr>
-          <p:cNvPr id="42" name="Retângulo 41"/>
-          <p:cNvSpPr/>
-          <p:nvPr/>
-        </p:nvSpPr>
-        <p:spPr>
-          <a:xfrm>
-            <a:off x="4628671" y="5319050"/>
-            <a:ext cx="1357322" cy="357190"/>
-          </a:xfrm>
-          <a:prstGeom prst="rect">
-            <a:avLst/>
-          </a:prstGeom>
-          <a:solidFill>
-            <a:schemeClr val="accent3">
-              <a:lumMod val="75000"/>
-            </a:schemeClr>
-          </a:solidFill>
-          <a:ln>
+          </p:spPr>
+          <p:txBody>
+            <a:bodyPr wrap="none" rtlCol="0">
+              <a:spAutoFit/>
+            </a:bodyPr>
+            <a:lstStyle/>
+            <a:p>
+              <a:r>
+                <a:rPr lang="pt-BR" sz="1400" dirty="0">
+                  <a:latin typeface="+mj-lt"/>
+                </a:rPr>
+                <a:t>0</a:t>
+              </a:r>
+            </a:p>
+          </p:txBody>
+        </p:sp>
+        <p:sp>
+          <p:nvSpPr>
+            <p:cNvPr id="34" name="CaixaDeTexto 33"/>
+            <p:cNvSpPr txBox="1"/>
+            <p:nvPr/>
+          </p:nvSpPr>
+          <p:spPr>
+            <a:xfrm>
+              <a:off x="2842721" y="5297026"/>
+              <a:ext cx="284052" cy="307777"/>
+            </a:xfrm>
+            <a:prstGeom prst="rect">
+              <a:avLst/>
+            </a:prstGeom>
             <a:noFill/>
-          </a:ln>
-          <a:effectLst>
-            <a:outerShdw blurRad="107950" dist="12700" dir="5400000" algn="ctr">
-              <a:srgbClr val="000000"/>
-            </a:outerShdw>
-          </a:effectLst>
-          <a:scene3d>
-            <a:camera prst="orthographicFront">
-              <a:rot lat="0" lon="0" rev="0"/>
-            </a:camera>
-            <a:lightRig rig="soft" dir="t">
-              <a:rot lat="0" lon="0" rev="0"/>
-            </a:lightRig>
-          </a:scene3d>
-          <a:sp3d contourW="44450" prstMaterial="matte">
-            <a:bevelT w="63500" h="63500" prst="artDeco"/>
-            <a:contourClr>
-              <a:srgbClr val="FFFFFF"/>
-            </a:contourClr>
-          </a:sp3d>
-        </p:spPr>
-        <p:style>
-          <a:lnRef idx="2">
-            <a:schemeClr val="accent1">
-              <a:shade val="50000"/>
-            </a:schemeClr>
-          </a:lnRef>
-          <a:fillRef idx="1">
-            <a:schemeClr val="accent1"/>
-          </a:fillRef>
-          <a:effectRef idx="0">
-            <a:schemeClr val="accent1"/>
-          </a:effectRef>
-          <a:fontRef idx="minor">
-            <a:schemeClr val="lt1"/>
-          </a:fontRef>
-        </p:style>
-        <p:txBody>
-          <a:bodyPr rtlCol="0" anchor="ctr"/>
-          <a:lstStyle/>
-          <a:p>
-            <a:pPr algn="ctr"/>
-            <a:r>
-              <a:rPr lang="pt-BR" sz="1200" dirty="0">
-                <a:latin typeface="+mj-lt"/>
-              </a:rPr>
-              <a:t>maxtemp[1][1]</a:t>
-            </a:r>
-          </a:p>
-        </p:txBody>
-      </p:sp>
-      <p:sp>
-        <p:nvSpPr>
-          <p:cNvPr id="43" name="Retângulo 42"/>
-          <p:cNvSpPr/>
-          <p:nvPr/>
-        </p:nvSpPr>
-        <p:spPr>
-          <a:xfrm>
-            <a:off x="5985993" y="5319050"/>
-            <a:ext cx="1357322" cy="357190"/>
-          </a:xfrm>
-          <a:prstGeom prst="rect">
-            <a:avLst/>
-          </a:prstGeom>
-          <a:solidFill>
-            <a:schemeClr val="accent3">
-              <a:lumMod val="75000"/>
-            </a:schemeClr>
-          </a:solidFill>
-          <a:ln>
+          </p:spPr>
+          <p:txBody>
+            <a:bodyPr wrap="none" rtlCol="0">
+              <a:spAutoFit/>
+            </a:bodyPr>
+            <a:lstStyle/>
+            <a:p>
+              <a:r>
+                <a:rPr lang="pt-BR" sz="1400" dirty="0">
+                  <a:latin typeface="+mj-lt"/>
+                </a:rPr>
+                <a:t>1</a:t>
+              </a:r>
+            </a:p>
+          </p:txBody>
+        </p:sp>
+        <p:sp>
+          <p:nvSpPr>
+            <p:cNvPr id="35" name="CaixaDeTexto 34"/>
+            <p:cNvSpPr txBox="1"/>
+            <p:nvPr/>
+          </p:nvSpPr>
+          <p:spPr>
+            <a:xfrm>
+              <a:off x="2842721" y="5654216"/>
+              <a:ext cx="284052" cy="307777"/>
+            </a:xfrm>
+            <a:prstGeom prst="rect">
+              <a:avLst/>
+            </a:prstGeom>
             <a:noFill/>
-          </a:ln>
-          <a:effectLst>
-            <a:outerShdw blurRad="107950" dist="12700" dir="5400000" algn="ctr">
-              <a:srgbClr val="000000"/>
-            </a:outerShdw>
-          </a:effectLst>
-          <a:scene3d>
-            <a:camera prst="orthographicFront">
-              <a:rot lat="0" lon="0" rev="0"/>
-            </a:camera>
-            <a:lightRig rig="soft" dir="t">
-              <a:rot lat="0" lon="0" rev="0"/>
-            </a:lightRig>
-          </a:scene3d>
-          <a:sp3d contourW="44450" prstMaterial="matte">
-            <a:bevelT w="63500" h="63500" prst="artDeco"/>
-            <a:contourClr>
-              <a:srgbClr val="FFFFFF"/>
-            </a:contourClr>
-          </a:sp3d>
-        </p:spPr>
-        <p:style>
-          <a:lnRef idx="2">
-            <a:schemeClr val="accent1">
-              <a:shade val="50000"/>
-            </a:schemeClr>
-          </a:lnRef>
-          <a:fillRef idx="1">
-            <a:schemeClr val="accent1"/>
-          </a:fillRef>
-          <a:effectRef idx="0">
-            <a:schemeClr val="accent1"/>
-          </a:effectRef>
-          <a:fontRef idx="minor">
-            <a:schemeClr val="lt1"/>
-          </a:fontRef>
-        </p:style>
-        <p:txBody>
-          <a:bodyPr rtlCol="0" anchor="ctr"/>
-          <a:lstStyle/>
-          <a:p>
-            <a:pPr algn="ctr"/>
-            <a:r>
-              <a:rPr lang="pt-BR" sz="1200" dirty="0">
-                <a:latin typeface="+mj-lt"/>
-              </a:rPr>
-              <a:t>maxtemp[1][2]</a:t>
-            </a:r>
-          </a:p>
-        </p:txBody>
-      </p:sp>
-      <p:sp>
-        <p:nvSpPr>
-          <p:cNvPr id="44" name="Retângulo 43"/>
-          <p:cNvSpPr/>
-          <p:nvPr/>
-        </p:nvSpPr>
-        <p:spPr>
-          <a:xfrm>
-            <a:off x="7343315" y="5319050"/>
-            <a:ext cx="1357322" cy="357190"/>
-          </a:xfrm>
-          <a:prstGeom prst="rect">
-            <a:avLst/>
-          </a:prstGeom>
-          <a:solidFill>
-            <a:schemeClr val="accent3">
-              <a:lumMod val="75000"/>
-            </a:schemeClr>
-          </a:solidFill>
-          <a:ln>
+          </p:spPr>
+          <p:txBody>
+            <a:bodyPr wrap="none" rtlCol="0">
+              <a:spAutoFit/>
+            </a:bodyPr>
+            <a:lstStyle/>
+            <a:p>
+              <a:r>
+                <a:rPr lang="pt-BR" sz="1400" dirty="0">
+                  <a:latin typeface="+mj-lt"/>
+                </a:rPr>
+                <a:t>2</a:t>
+              </a:r>
+            </a:p>
+          </p:txBody>
+        </p:sp>
+        <p:sp>
+          <p:nvSpPr>
+            <p:cNvPr id="36" name="CaixaDeTexto 35"/>
+            <p:cNvSpPr txBox="1"/>
+            <p:nvPr/>
+          </p:nvSpPr>
+          <p:spPr>
+            <a:xfrm>
+              <a:off x="2844421" y="6011406"/>
+              <a:ext cx="284052" cy="307777"/>
+            </a:xfrm>
+            <a:prstGeom prst="rect">
+              <a:avLst/>
+            </a:prstGeom>
             <a:noFill/>
-          </a:ln>
-          <a:effectLst>
-            <a:outerShdw blurRad="107950" dist="12700" dir="5400000" algn="ctr">
-              <a:srgbClr val="000000"/>
-            </a:outerShdw>
-          </a:effectLst>
-          <a:scene3d>
-            <a:camera prst="orthographicFront">
-              <a:rot lat="0" lon="0" rev="0"/>
-            </a:camera>
-            <a:lightRig rig="soft" dir="t">
-              <a:rot lat="0" lon="0" rev="0"/>
-            </a:lightRig>
-          </a:scene3d>
-          <a:sp3d contourW="44450" prstMaterial="matte">
-            <a:bevelT w="63500" h="63500" prst="artDeco"/>
-            <a:contourClr>
-              <a:srgbClr val="FFFFFF"/>
-            </a:contourClr>
-          </a:sp3d>
-        </p:spPr>
-        <p:style>
-          <a:lnRef idx="2">
-            <a:schemeClr val="accent1">
-              <a:shade val="50000"/>
-            </a:schemeClr>
-          </a:lnRef>
-          <a:fillRef idx="1">
-            <a:schemeClr val="accent1"/>
-          </a:fillRef>
-          <a:effectRef idx="0">
-            <a:schemeClr val="accent1"/>
-          </a:effectRef>
-          <a:fontRef idx="minor">
-            <a:schemeClr val="lt1"/>
-          </a:fontRef>
-        </p:style>
-        <p:txBody>
-          <a:bodyPr rtlCol="0" anchor="ctr"/>
-          <a:lstStyle/>
-          <a:p>
-            <a:pPr algn="ctr"/>
-            <a:r>
-              <a:rPr lang="pt-BR" sz="1200" dirty="0">
-                <a:latin typeface="+mj-lt"/>
-              </a:rPr>
-              <a:t>maxtemp[1][3]</a:t>
-            </a:r>
-          </a:p>
-        </p:txBody>
-      </p:sp>
-      <p:sp>
-        <p:nvSpPr>
-          <p:cNvPr id="45" name="Retângulo 44"/>
-          <p:cNvSpPr/>
-          <p:nvPr/>
-        </p:nvSpPr>
-        <p:spPr>
-          <a:xfrm>
-            <a:off x="8700637" y="5319050"/>
-            <a:ext cx="1357322" cy="357190"/>
-          </a:xfrm>
-          <a:prstGeom prst="rect">
-            <a:avLst/>
-          </a:prstGeom>
-          <a:solidFill>
-            <a:schemeClr val="accent3">
-              <a:lumMod val="75000"/>
-            </a:schemeClr>
-          </a:solidFill>
-          <a:ln>
+          </p:spPr>
+          <p:txBody>
+            <a:bodyPr wrap="none" rtlCol="0">
+              <a:spAutoFit/>
+            </a:bodyPr>
+            <a:lstStyle/>
+            <a:p>
+              <a:r>
+                <a:rPr lang="pt-BR" sz="1400" dirty="0">
+                  <a:latin typeface="+mj-lt"/>
+                </a:rPr>
+                <a:t>3</a:t>
+              </a:r>
+            </a:p>
+          </p:txBody>
+        </p:sp>
+        <p:sp>
+          <p:nvSpPr>
+            <p:cNvPr id="37" name="Retângulo 36"/>
+            <p:cNvSpPr/>
+            <p:nvPr/>
+          </p:nvSpPr>
+          <p:spPr>
+            <a:xfrm>
+              <a:off x="4628671" y="4961860"/>
+              <a:ext cx="1357322" cy="357190"/>
+            </a:xfrm>
+            <a:prstGeom prst="rect">
+              <a:avLst/>
+            </a:prstGeom>
+            <a:solidFill>
+              <a:schemeClr val="accent3">
+                <a:lumMod val="75000"/>
+              </a:schemeClr>
+            </a:solidFill>
+            <a:ln>
+              <a:noFill/>
+            </a:ln>
+            <a:effectLst>
+              <a:outerShdw blurRad="107950" dist="12700" dir="5400000" algn="ctr">
+                <a:srgbClr val="000000"/>
+              </a:outerShdw>
+            </a:effectLst>
+            <a:scene3d>
+              <a:camera prst="orthographicFront">
+                <a:rot lat="0" lon="0" rev="0"/>
+              </a:camera>
+              <a:lightRig rig="soft" dir="t">
+                <a:rot lat="0" lon="0" rev="0"/>
+              </a:lightRig>
+            </a:scene3d>
+            <a:sp3d contourW="44450" prstMaterial="matte">
+              <a:bevelT w="63500" h="63500" prst="artDeco"/>
+              <a:contourClr>
+                <a:srgbClr val="FFFFFF"/>
+              </a:contourClr>
+            </a:sp3d>
+          </p:spPr>
+          <p:style>
+            <a:lnRef idx="2">
+              <a:schemeClr val="accent1">
+                <a:shade val="50000"/>
+              </a:schemeClr>
+            </a:lnRef>
+            <a:fillRef idx="1">
+              <a:schemeClr val="accent1"/>
+            </a:fillRef>
+            <a:effectRef idx="0">
+              <a:schemeClr val="accent1"/>
+            </a:effectRef>
+            <a:fontRef idx="minor">
+              <a:schemeClr val="lt1"/>
+            </a:fontRef>
+          </p:style>
+          <p:txBody>
+            <a:bodyPr rtlCol="0" anchor="ctr"/>
+            <a:lstStyle/>
+            <a:p>
+              <a:pPr algn="ctr"/>
+              <a:r>
+                <a:rPr lang="pt-BR" sz="1200" dirty="0">
+                  <a:latin typeface="+mj-lt"/>
+                </a:rPr>
+                <a:t>maxtemp[0][1]</a:t>
+              </a:r>
+            </a:p>
+          </p:txBody>
+        </p:sp>
+        <p:sp>
+          <p:nvSpPr>
+            <p:cNvPr id="38" name="Retângulo 37"/>
+            <p:cNvSpPr/>
+            <p:nvPr/>
+          </p:nvSpPr>
+          <p:spPr>
+            <a:xfrm>
+              <a:off x="5985993" y="4961860"/>
+              <a:ext cx="1357322" cy="357190"/>
+            </a:xfrm>
+            <a:prstGeom prst="rect">
+              <a:avLst/>
+            </a:prstGeom>
+            <a:solidFill>
+              <a:schemeClr val="accent3">
+                <a:lumMod val="75000"/>
+              </a:schemeClr>
+            </a:solidFill>
+            <a:ln>
+              <a:noFill/>
+            </a:ln>
+            <a:effectLst>
+              <a:outerShdw blurRad="107950" dist="12700" dir="5400000" algn="ctr">
+                <a:srgbClr val="000000"/>
+              </a:outerShdw>
+            </a:effectLst>
+            <a:scene3d>
+              <a:camera prst="orthographicFront">
+                <a:rot lat="0" lon="0" rev="0"/>
+              </a:camera>
+              <a:lightRig rig="soft" dir="t">
+                <a:rot lat="0" lon="0" rev="0"/>
+              </a:lightRig>
+            </a:scene3d>
+            <a:sp3d contourW="44450" prstMaterial="matte">
+              <a:bevelT w="63500" h="63500" prst="artDeco"/>
+              <a:contourClr>
+                <a:srgbClr val="FFFFFF"/>
+              </a:contourClr>
+            </a:sp3d>
+          </p:spPr>
+          <p:style>
+            <a:lnRef idx="2">
+              <a:schemeClr val="accent1">
+                <a:shade val="50000"/>
+              </a:schemeClr>
+            </a:lnRef>
+            <a:fillRef idx="1">
+              <a:schemeClr val="accent1"/>
+            </a:fillRef>
+            <a:effectRef idx="0">
+              <a:schemeClr val="accent1"/>
+            </a:effectRef>
+            <a:fontRef idx="minor">
+              <a:schemeClr val="lt1"/>
+            </a:fontRef>
+          </p:style>
+          <p:txBody>
+            <a:bodyPr rtlCol="0" anchor="ctr"/>
+            <a:lstStyle/>
+            <a:p>
+              <a:pPr algn="ctr"/>
+              <a:r>
+                <a:rPr lang="pt-BR" sz="1200" dirty="0">
+                  <a:latin typeface="+mj-lt"/>
+                </a:rPr>
+                <a:t>maxtemp[0][2]</a:t>
+              </a:r>
+            </a:p>
+          </p:txBody>
+        </p:sp>
+        <p:sp>
+          <p:nvSpPr>
+            <p:cNvPr id="39" name="Retângulo 38"/>
+            <p:cNvSpPr/>
+            <p:nvPr/>
+          </p:nvSpPr>
+          <p:spPr>
+            <a:xfrm>
+              <a:off x="7343315" y="4961860"/>
+              <a:ext cx="1357322" cy="357190"/>
+            </a:xfrm>
+            <a:prstGeom prst="rect">
+              <a:avLst/>
+            </a:prstGeom>
+            <a:solidFill>
+              <a:schemeClr val="accent3">
+                <a:lumMod val="75000"/>
+              </a:schemeClr>
+            </a:solidFill>
+            <a:ln>
+              <a:noFill/>
+            </a:ln>
+            <a:effectLst>
+              <a:outerShdw blurRad="107950" dist="12700" dir="5400000" algn="ctr">
+                <a:srgbClr val="000000"/>
+              </a:outerShdw>
+            </a:effectLst>
+            <a:scene3d>
+              <a:camera prst="orthographicFront">
+                <a:rot lat="0" lon="0" rev="0"/>
+              </a:camera>
+              <a:lightRig rig="soft" dir="t">
+                <a:rot lat="0" lon="0" rev="0"/>
+              </a:lightRig>
+            </a:scene3d>
+            <a:sp3d contourW="44450" prstMaterial="matte">
+              <a:bevelT w="63500" h="63500" prst="artDeco"/>
+              <a:contourClr>
+                <a:srgbClr val="FFFFFF"/>
+              </a:contourClr>
+            </a:sp3d>
+          </p:spPr>
+          <p:style>
+            <a:lnRef idx="2">
+              <a:schemeClr val="accent1">
+                <a:shade val="50000"/>
+              </a:schemeClr>
+            </a:lnRef>
+            <a:fillRef idx="1">
+              <a:schemeClr val="accent1"/>
+            </a:fillRef>
+            <a:effectRef idx="0">
+              <a:schemeClr val="accent1"/>
+            </a:effectRef>
+            <a:fontRef idx="minor">
+              <a:schemeClr val="lt1"/>
+            </a:fontRef>
+          </p:style>
+          <p:txBody>
+            <a:bodyPr rtlCol="0" anchor="ctr"/>
+            <a:lstStyle/>
+            <a:p>
+              <a:pPr algn="ctr"/>
+              <a:r>
+                <a:rPr lang="pt-BR" sz="1200" dirty="0">
+                  <a:latin typeface="+mj-lt"/>
+                </a:rPr>
+                <a:t>maxtemp[0][3]</a:t>
+              </a:r>
+            </a:p>
+          </p:txBody>
+        </p:sp>
+        <p:sp>
+          <p:nvSpPr>
+            <p:cNvPr id="40" name="Retângulo 39"/>
+            <p:cNvSpPr/>
+            <p:nvPr/>
+          </p:nvSpPr>
+          <p:spPr>
+            <a:xfrm>
+              <a:off x="8700637" y="4961860"/>
+              <a:ext cx="1357322" cy="357190"/>
+            </a:xfrm>
+            <a:prstGeom prst="rect">
+              <a:avLst/>
+            </a:prstGeom>
+            <a:solidFill>
+              <a:schemeClr val="accent3">
+                <a:lumMod val="75000"/>
+              </a:schemeClr>
+            </a:solidFill>
+            <a:ln>
+              <a:noFill/>
+            </a:ln>
+            <a:effectLst>
+              <a:outerShdw blurRad="107950" dist="12700" dir="5400000" algn="ctr">
+                <a:srgbClr val="000000"/>
+              </a:outerShdw>
+            </a:effectLst>
+            <a:scene3d>
+              <a:camera prst="orthographicFront">
+                <a:rot lat="0" lon="0" rev="0"/>
+              </a:camera>
+              <a:lightRig rig="soft" dir="t">
+                <a:rot lat="0" lon="0" rev="0"/>
+              </a:lightRig>
+            </a:scene3d>
+            <a:sp3d contourW="44450" prstMaterial="matte">
+              <a:bevelT w="63500" h="63500" prst="artDeco"/>
+              <a:contourClr>
+                <a:srgbClr val="FFFFFF"/>
+              </a:contourClr>
+            </a:sp3d>
+          </p:spPr>
+          <p:style>
+            <a:lnRef idx="2">
+              <a:schemeClr val="accent1">
+                <a:shade val="50000"/>
+              </a:schemeClr>
+            </a:lnRef>
+            <a:fillRef idx="1">
+              <a:schemeClr val="accent1"/>
+            </a:fillRef>
+            <a:effectRef idx="0">
+              <a:schemeClr val="accent1"/>
+            </a:effectRef>
+            <a:fontRef idx="minor">
+              <a:schemeClr val="lt1"/>
+            </a:fontRef>
+          </p:style>
+          <p:txBody>
+            <a:bodyPr rtlCol="0" anchor="ctr"/>
+            <a:lstStyle/>
+            <a:p>
+              <a:pPr algn="ctr"/>
+              <a:r>
+                <a:rPr lang="pt-BR" sz="1200" dirty="0">
+                  <a:latin typeface="+mj-lt"/>
+                </a:rPr>
+                <a:t>maxtemp[0][4]</a:t>
+              </a:r>
+            </a:p>
+          </p:txBody>
+        </p:sp>
+        <p:sp>
+          <p:nvSpPr>
+            <p:cNvPr id="41" name="Retângulo 40"/>
+            <p:cNvSpPr/>
+            <p:nvPr/>
+          </p:nvSpPr>
+          <p:spPr>
+            <a:xfrm>
+              <a:off x="3271349" y="5319050"/>
+              <a:ext cx="1357322" cy="357190"/>
+            </a:xfrm>
+            <a:prstGeom prst="rect">
+              <a:avLst/>
+            </a:prstGeom>
+            <a:solidFill>
+              <a:schemeClr val="accent3">
+                <a:lumMod val="75000"/>
+              </a:schemeClr>
+            </a:solidFill>
+            <a:ln>
+              <a:noFill/>
+            </a:ln>
+            <a:effectLst>
+              <a:outerShdw blurRad="107950" dist="12700" dir="5400000" algn="ctr">
+                <a:srgbClr val="000000"/>
+              </a:outerShdw>
+            </a:effectLst>
+            <a:scene3d>
+              <a:camera prst="orthographicFront">
+                <a:rot lat="0" lon="0" rev="0"/>
+              </a:camera>
+              <a:lightRig rig="soft" dir="t">
+                <a:rot lat="0" lon="0" rev="0"/>
+              </a:lightRig>
+            </a:scene3d>
+            <a:sp3d contourW="44450" prstMaterial="matte">
+              <a:bevelT w="63500" h="63500" prst="artDeco"/>
+              <a:contourClr>
+                <a:srgbClr val="FFFFFF"/>
+              </a:contourClr>
+            </a:sp3d>
+          </p:spPr>
+          <p:style>
+            <a:lnRef idx="2">
+              <a:schemeClr val="accent1">
+                <a:shade val="50000"/>
+              </a:schemeClr>
+            </a:lnRef>
+            <a:fillRef idx="1">
+              <a:schemeClr val="accent1"/>
+            </a:fillRef>
+            <a:effectRef idx="0">
+              <a:schemeClr val="accent1"/>
+            </a:effectRef>
+            <a:fontRef idx="minor">
+              <a:schemeClr val="lt1"/>
+            </a:fontRef>
+          </p:style>
+          <p:txBody>
+            <a:bodyPr rtlCol="0" anchor="ctr"/>
+            <a:lstStyle/>
+            <a:p>
+              <a:pPr algn="ctr"/>
+              <a:r>
+                <a:rPr lang="pt-BR" sz="1200" dirty="0">
+                  <a:latin typeface="+mj-lt"/>
+                </a:rPr>
+                <a:t>maxtemp[1][0]</a:t>
+              </a:r>
+            </a:p>
+          </p:txBody>
+        </p:sp>
+        <p:sp>
+          <p:nvSpPr>
+            <p:cNvPr id="42" name="Retângulo 41"/>
+            <p:cNvSpPr/>
+            <p:nvPr/>
+          </p:nvSpPr>
+          <p:spPr>
+            <a:xfrm>
+              <a:off x="4628671" y="5319050"/>
+              <a:ext cx="1357322" cy="357190"/>
+            </a:xfrm>
+            <a:prstGeom prst="rect">
+              <a:avLst/>
+            </a:prstGeom>
+            <a:solidFill>
+              <a:schemeClr val="accent3">
+                <a:lumMod val="75000"/>
+              </a:schemeClr>
+            </a:solidFill>
+            <a:ln>
+              <a:noFill/>
+            </a:ln>
+            <a:effectLst>
+              <a:outerShdw blurRad="107950" dist="12700" dir="5400000" algn="ctr">
+                <a:srgbClr val="000000"/>
+              </a:outerShdw>
+            </a:effectLst>
+            <a:scene3d>
+              <a:camera prst="orthographicFront">
+                <a:rot lat="0" lon="0" rev="0"/>
+              </a:camera>
+              <a:lightRig rig="soft" dir="t">
+                <a:rot lat="0" lon="0" rev="0"/>
+              </a:lightRig>
+            </a:scene3d>
+            <a:sp3d contourW="44450" prstMaterial="matte">
+              <a:bevelT w="63500" h="63500" prst="artDeco"/>
+              <a:contourClr>
+                <a:srgbClr val="FFFFFF"/>
+              </a:contourClr>
+            </a:sp3d>
+          </p:spPr>
+          <p:style>
+            <a:lnRef idx="2">
+              <a:schemeClr val="accent1">
+                <a:shade val="50000"/>
+              </a:schemeClr>
+            </a:lnRef>
+            <a:fillRef idx="1">
+              <a:schemeClr val="accent1"/>
+            </a:fillRef>
+            <a:effectRef idx="0">
+              <a:schemeClr val="accent1"/>
+            </a:effectRef>
+            <a:fontRef idx="minor">
+              <a:schemeClr val="lt1"/>
+            </a:fontRef>
+          </p:style>
+          <p:txBody>
+            <a:bodyPr rtlCol="0" anchor="ctr"/>
+            <a:lstStyle/>
+            <a:p>
+              <a:pPr algn="ctr"/>
+              <a:r>
+                <a:rPr lang="pt-BR" sz="1200" dirty="0">
+                  <a:latin typeface="+mj-lt"/>
+                </a:rPr>
+                <a:t>maxtemp[1][1]</a:t>
+              </a:r>
+            </a:p>
+          </p:txBody>
+        </p:sp>
+        <p:sp>
+          <p:nvSpPr>
+            <p:cNvPr id="43" name="Retângulo 42"/>
+            <p:cNvSpPr/>
+            <p:nvPr/>
+          </p:nvSpPr>
+          <p:spPr>
+            <a:xfrm>
+              <a:off x="5985993" y="5319050"/>
+              <a:ext cx="1357322" cy="357190"/>
+            </a:xfrm>
+            <a:prstGeom prst="rect">
+              <a:avLst/>
+            </a:prstGeom>
+            <a:solidFill>
+              <a:schemeClr val="accent3">
+                <a:lumMod val="75000"/>
+              </a:schemeClr>
+            </a:solidFill>
+            <a:ln>
+              <a:noFill/>
+            </a:ln>
+            <a:effectLst>
+              <a:outerShdw blurRad="107950" dist="12700" dir="5400000" algn="ctr">
+                <a:srgbClr val="000000"/>
+              </a:outerShdw>
+            </a:effectLst>
+            <a:scene3d>
+              <a:camera prst="orthographicFront">
+                <a:rot lat="0" lon="0" rev="0"/>
+              </a:camera>
+              <a:lightRig rig="soft" dir="t">
+                <a:rot lat="0" lon="0" rev="0"/>
+              </a:lightRig>
+            </a:scene3d>
+            <a:sp3d contourW="44450" prstMaterial="matte">
+              <a:bevelT w="63500" h="63500" prst="artDeco"/>
+              <a:contourClr>
+                <a:srgbClr val="FFFFFF"/>
+              </a:contourClr>
+            </a:sp3d>
+          </p:spPr>
+          <p:style>
+            <a:lnRef idx="2">
+              <a:schemeClr val="accent1">
+                <a:shade val="50000"/>
+              </a:schemeClr>
+            </a:lnRef>
+            <a:fillRef idx="1">
+              <a:schemeClr val="accent1"/>
+            </a:fillRef>
+            <a:effectRef idx="0">
+              <a:schemeClr val="accent1"/>
+            </a:effectRef>
+            <a:fontRef idx="minor">
+              <a:schemeClr val="lt1"/>
+            </a:fontRef>
+          </p:style>
+          <p:txBody>
+            <a:bodyPr rtlCol="0" anchor="ctr"/>
+            <a:lstStyle/>
+            <a:p>
+              <a:pPr algn="ctr"/>
+              <a:r>
+                <a:rPr lang="pt-BR" sz="1200" dirty="0">
+                  <a:latin typeface="+mj-lt"/>
+                </a:rPr>
+                <a:t>maxtemp[1][2]</a:t>
+              </a:r>
+            </a:p>
+          </p:txBody>
+        </p:sp>
+        <p:sp>
+          <p:nvSpPr>
+            <p:cNvPr id="44" name="Retângulo 43"/>
+            <p:cNvSpPr/>
+            <p:nvPr/>
+          </p:nvSpPr>
+          <p:spPr>
+            <a:xfrm>
+              <a:off x="7343315" y="5319050"/>
+              <a:ext cx="1357322" cy="357190"/>
+            </a:xfrm>
+            <a:prstGeom prst="rect">
+              <a:avLst/>
+            </a:prstGeom>
+            <a:solidFill>
+              <a:schemeClr val="accent3">
+                <a:lumMod val="75000"/>
+              </a:schemeClr>
+            </a:solidFill>
+            <a:ln>
+              <a:noFill/>
+            </a:ln>
+            <a:effectLst>
+              <a:outerShdw blurRad="107950" dist="12700" dir="5400000" algn="ctr">
+                <a:srgbClr val="000000"/>
+              </a:outerShdw>
+            </a:effectLst>
+            <a:scene3d>
+              <a:camera prst="orthographicFront">
+                <a:rot lat="0" lon="0" rev="0"/>
+              </a:camera>
+              <a:lightRig rig="soft" dir="t">
+                <a:rot lat="0" lon="0" rev="0"/>
+              </a:lightRig>
+            </a:scene3d>
+            <a:sp3d contourW="44450" prstMaterial="matte">
+              <a:bevelT w="63500" h="63500" prst="artDeco"/>
+              <a:contourClr>
+                <a:srgbClr val="FFFFFF"/>
+              </a:contourClr>
+            </a:sp3d>
+          </p:spPr>
+          <p:style>
+            <a:lnRef idx="2">
+              <a:schemeClr val="accent1">
+                <a:shade val="50000"/>
+              </a:schemeClr>
+            </a:lnRef>
+            <a:fillRef idx="1">
+              <a:schemeClr val="accent1"/>
+            </a:fillRef>
+            <a:effectRef idx="0">
+              <a:schemeClr val="accent1"/>
+            </a:effectRef>
+            <a:fontRef idx="minor">
+              <a:schemeClr val="lt1"/>
+            </a:fontRef>
+          </p:style>
+          <p:txBody>
+            <a:bodyPr rtlCol="0" anchor="ctr"/>
+            <a:lstStyle/>
+            <a:p>
+              <a:pPr algn="ctr"/>
+              <a:r>
+                <a:rPr lang="pt-BR" sz="1200" dirty="0">
+                  <a:latin typeface="+mj-lt"/>
+                </a:rPr>
+                <a:t>maxtemp[1][3]</a:t>
+              </a:r>
+            </a:p>
+          </p:txBody>
+        </p:sp>
+        <p:sp>
+          <p:nvSpPr>
+            <p:cNvPr id="45" name="Retângulo 44"/>
+            <p:cNvSpPr/>
+            <p:nvPr/>
+          </p:nvSpPr>
+          <p:spPr>
+            <a:xfrm>
+              <a:off x="8700637" y="5319050"/>
+              <a:ext cx="1357322" cy="357190"/>
+            </a:xfrm>
+            <a:prstGeom prst="rect">
+              <a:avLst/>
+            </a:prstGeom>
+            <a:solidFill>
+              <a:schemeClr val="accent3">
+                <a:lumMod val="75000"/>
+              </a:schemeClr>
+            </a:solidFill>
+            <a:ln>
+              <a:noFill/>
+            </a:ln>
+            <a:effectLst>
+              <a:outerShdw blurRad="107950" dist="12700" dir="5400000" algn="ctr">
+                <a:srgbClr val="000000"/>
+              </a:outerShdw>
+            </a:effectLst>
+            <a:scene3d>
+              <a:camera prst="orthographicFront">
+                <a:rot lat="0" lon="0" rev="0"/>
+              </a:camera>
+              <a:lightRig rig="soft" dir="t">
+                <a:rot lat="0" lon="0" rev="0"/>
+              </a:lightRig>
+            </a:scene3d>
+            <a:sp3d contourW="44450" prstMaterial="matte">
+              <a:bevelT w="63500" h="63500" prst="artDeco"/>
+              <a:contourClr>
+                <a:srgbClr val="FFFFFF"/>
+              </a:contourClr>
+            </a:sp3d>
+          </p:spPr>
+          <p:style>
+            <a:lnRef idx="2">
+              <a:schemeClr val="accent1">
+                <a:shade val="50000"/>
+              </a:schemeClr>
+            </a:lnRef>
+            <a:fillRef idx="1">
+              <a:schemeClr val="accent1"/>
+            </a:fillRef>
+            <a:effectRef idx="0">
+              <a:schemeClr val="accent1"/>
+            </a:effectRef>
+            <a:fontRef idx="minor">
+              <a:schemeClr val="lt1"/>
+            </a:fontRef>
+          </p:style>
+          <p:txBody>
+            <a:bodyPr rtlCol="0" anchor="ctr"/>
+            <a:lstStyle/>
+            <a:p>
+              <a:pPr algn="ctr"/>
+              <a:r>
+                <a:rPr lang="pt-BR" sz="1200" dirty="0">
+                  <a:latin typeface="+mj-lt"/>
+                </a:rPr>
+                <a:t>maxtemp[1][4]</a:t>
+              </a:r>
+            </a:p>
+          </p:txBody>
+        </p:sp>
+        <p:sp>
+          <p:nvSpPr>
+            <p:cNvPr id="46" name="Retângulo 45"/>
+            <p:cNvSpPr/>
+            <p:nvPr/>
+          </p:nvSpPr>
+          <p:spPr>
+            <a:xfrm>
+              <a:off x="3271349" y="5676240"/>
+              <a:ext cx="1357322" cy="357190"/>
+            </a:xfrm>
+            <a:prstGeom prst="rect">
+              <a:avLst/>
+            </a:prstGeom>
+            <a:solidFill>
+              <a:schemeClr val="accent3">
+                <a:lumMod val="75000"/>
+              </a:schemeClr>
+            </a:solidFill>
+            <a:ln>
+              <a:noFill/>
+            </a:ln>
+            <a:effectLst>
+              <a:outerShdw blurRad="107950" dist="12700" dir="5400000" algn="ctr">
+                <a:srgbClr val="000000"/>
+              </a:outerShdw>
+            </a:effectLst>
+            <a:scene3d>
+              <a:camera prst="orthographicFront">
+                <a:rot lat="0" lon="0" rev="0"/>
+              </a:camera>
+              <a:lightRig rig="soft" dir="t">
+                <a:rot lat="0" lon="0" rev="0"/>
+              </a:lightRig>
+            </a:scene3d>
+            <a:sp3d contourW="44450" prstMaterial="matte">
+              <a:bevelT w="63500" h="63500" prst="artDeco"/>
+              <a:contourClr>
+                <a:srgbClr val="FFFFFF"/>
+              </a:contourClr>
+            </a:sp3d>
+          </p:spPr>
+          <p:style>
+            <a:lnRef idx="2">
+              <a:schemeClr val="accent1">
+                <a:shade val="50000"/>
+              </a:schemeClr>
+            </a:lnRef>
+            <a:fillRef idx="1">
+              <a:schemeClr val="accent1"/>
+            </a:fillRef>
+            <a:effectRef idx="0">
+              <a:schemeClr val="accent1"/>
+            </a:effectRef>
+            <a:fontRef idx="minor">
+              <a:schemeClr val="lt1"/>
+            </a:fontRef>
+          </p:style>
+          <p:txBody>
+            <a:bodyPr rtlCol="0" anchor="ctr"/>
+            <a:lstStyle/>
+            <a:p>
+              <a:pPr algn="ctr"/>
+              <a:r>
+                <a:rPr lang="pt-BR" sz="1200" dirty="0">
+                  <a:latin typeface="+mj-lt"/>
+                </a:rPr>
+                <a:t>maxtemp[2][0]</a:t>
+              </a:r>
+            </a:p>
+          </p:txBody>
+        </p:sp>
+        <p:sp>
+          <p:nvSpPr>
+            <p:cNvPr id="47" name="Retângulo 46"/>
+            <p:cNvSpPr/>
+            <p:nvPr/>
+          </p:nvSpPr>
+          <p:spPr>
+            <a:xfrm>
+              <a:off x="4628671" y="5676240"/>
+              <a:ext cx="1357322" cy="357190"/>
+            </a:xfrm>
+            <a:prstGeom prst="rect">
+              <a:avLst/>
+            </a:prstGeom>
+            <a:solidFill>
+              <a:schemeClr val="accent3">
+                <a:lumMod val="75000"/>
+              </a:schemeClr>
+            </a:solidFill>
+            <a:ln>
+              <a:noFill/>
+            </a:ln>
+            <a:effectLst>
+              <a:outerShdw blurRad="107950" dist="12700" dir="5400000" algn="ctr">
+                <a:srgbClr val="000000"/>
+              </a:outerShdw>
+            </a:effectLst>
+            <a:scene3d>
+              <a:camera prst="orthographicFront">
+                <a:rot lat="0" lon="0" rev="0"/>
+              </a:camera>
+              <a:lightRig rig="soft" dir="t">
+                <a:rot lat="0" lon="0" rev="0"/>
+              </a:lightRig>
+            </a:scene3d>
+            <a:sp3d contourW="44450" prstMaterial="matte">
+              <a:bevelT w="63500" h="63500" prst="artDeco"/>
+              <a:contourClr>
+                <a:srgbClr val="FFFFFF"/>
+              </a:contourClr>
+            </a:sp3d>
+          </p:spPr>
+          <p:style>
+            <a:lnRef idx="2">
+              <a:schemeClr val="accent1">
+                <a:shade val="50000"/>
+              </a:schemeClr>
+            </a:lnRef>
+            <a:fillRef idx="1">
+              <a:schemeClr val="accent1"/>
+            </a:fillRef>
+            <a:effectRef idx="0">
+              <a:schemeClr val="accent1"/>
+            </a:effectRef>
+            <a:fontRef idx="minor">
+              <a:schemeClr val="lt1"/>
+            </a:fontRef>
+          </p:style>
+          <p:txBody>
+            <a:bodyPr rtlCol="0" anchor="ctr"/>
+            <a:lstStyle/>
+            <a:p>
+              <a:pPr algn="ctr"/>
+              <a:r>
+                <a:rPr lang="pt-BR" sz="1200" dirty="0">
+                  <a:latin typeface="+mj-lt"/>
+                </a:rPr>
+                <a:t>maxtemp[2][1]</a:t>
+              </a:r>
+            </a:p>
+          </p:txBody>
+        </p:sp>
+        <p:sp>
+          <p:nvSpPr>
+            <p:cNvPr id="48" name="Retângulo 47"/>
+            <p:cNvSpPr/>
+            <p:nvPr/>
+          </p:nvSpPr>
+          <p:spPr>
+            <a:xfrm>
+              <a:off x="5985993" y="5676240"/>
+              <a:ext cx="1357322" cy="357190"/>
+            </a:xfrm>
+            <a:prstGeom prst="rect">
+              <a:avLst/>
+            </a:prstGeom>
+            <a:solidFill>
+              <a:schemeClr val="accent3">
+                <a:lumMod val="75000"/>
+              </a:schemeClr>
+            </a:solidFill>
+            <a:ln>
+              <a:noFill/>
+            </a:ln>
+            <a:effectLst>
+              <a:outerShdw blurRad="107950" dist="12700" dir="5400000" algn="ctr">
+                <a:srgbClr val="000000"/>
+              </a:outerShdw>
+            </a:effectLst>
+            <a:scene3d>
+              <a:camera prst="orthographicFront">
+                <a:rot lat="0" lon="0" rev="0"/>
+              </a:camera>
+              <a:lightRig rig="soft" dir="t">
+                <a:rot lat="0" lon="0" rev="0"/>
+              </a:lightRig>
+            </a:scene3d>
+            <a:sp3d contourW="44450" prstMaterial="matte">
+              <a:bevelT w="63500" h="63500" prst="artDeco"/>
+              <a:contourClr>
+                <a:srgbClr val="FFFFFF"/>
+              </a:contourClr>
+            </a:sp3d>
+          </p:spPr>
+          <p:style>
+            <a:lnRef idx="2">
+              <a:schemeClr val="accent1">
+                <a:shade val="50000"/>
+              </a:schemeClr>
+            </a:lnRef>
+            <a:fillRef idx="1">
+              <a:schemeClr val="accent1"/>
+            </a:fillRef>
+            <a:effectRef idx="0">
+              <a:schemeClr val="accent1"/>
+            </a:effectRef>
+            <a:fontRef idx="minor">
+              <a:schemeClr val="lt1"/>
+            </a:fontRef>
+          </p:style>
+          <p:txBody>
+            <a:bodyPr rtlCol="0" anchor="ctr"/>
+            <a:lstStyle/>
+            <a:p>
+              <a:pPr algn="ctr"/>
+              <a:r>
+                <a:rPr lang="pt-BR" sz="1200" dirty="0">
+                  <a:latin typeface="+mj-lt"/>
+                </a:rPr>
+                <a:t>maxtemp[2][2]</a:t>
+              </a:r>
+            </a:p>
+          </p:txBody>
+        </p:sp>
+        <p:sp>
+          <p:nvSpPr>
+            <p:cNvPr id="49" name="Retângulo 48"/>
+            <p:cNvSpPr/>
+            <p:nvPr/>
+          </p:nvSpPr>
+          <p:spPr>
+            <a:xfrm>
+              <a:off x="7343315" y="5676240"/>
+              <a:ext cx="1357322" cy="357190"/>
+            </a:xfrm>
+            <a:prstGeom prst="rect">
+              <a:avLst/>
+            </a:prstGeom>
+            <a:solidFill>
+              <a:schemeClr val="accent3">
+                <a:lumMod val="75000"/>
+              </a:schemeClr>
+            </a:solidFill>
+            <a:ln>
+              <a:noFill/>
+            </a:ln>
+            <a:effectLst>
+              <a:outerShdw blurRad="107950" dist="12700" dir="5400000" algn="ctr">
+                <a:srgbClr val="000000"/>
+              </a:outerShdw>
+            </a:effectLst>
+            <a:scene3d>
+              <a:camera prst="orthographicFront">
+                <a:rot lat="0" lon="0" rev="0"/>
+              </a:camera>
+              <a:lightRig rig="soft" dir="t">
+                <a:rot lat="0" lon="0" rev="0"/>
+              </a:lightRig>
+            </a:scene3d>
+            <a:sp3d contourW="44450" prstMaterial="matte">
+              <a:bevelT w="63500" h="63500" prst="artDeco"/>
+              <a:contourClr>
+                <a:srgbClr val="FFFFFF"/>
+              </a:contourClr>
+            </a:sp3d>
+          </p:spPr>
+          <p:style>
+            <a:lnRef idx="2">
+              <a:schemeClr val="accent1">
+                <a:shade val="50000"/>
+              </a:schemeClr>
+            </a:lnRef>
+            <a:fillRef idx="1">
+              <a:schemeClr val="accent1"/>
+            </a:fillRef>
+            <a:effectRef idx="0">
+              <a:schemeClr val="accent1"/>
+            </a:effectRef>
+            <a:fontRef idx="minor">
+              <a:schemeClr val="lt1"/>
+            </a:fontRef>
+          </p:style>
+          <p:txBody>
+            <a:bodyPr rtlCol="0" anchor="ctr"/>
+            <a:lstStyle/>
+            <a:p>
+              <a:pPr algn="ctr"/>
+              <a:r>
+                <a:rPr lang="pt-BR" sz="1200" dirty="0">
+                  <a:latin typeface="+mj-lt"/>
+                </a:rPr>
+                <a:t>maxtemp[2][3]</a:t>
+              </a:r>
+            </a:p>
+          </p:txBody>
+        </p:sp>
+        <p:sp>
+          <p:nvSpPr>
+            <p:cNvPr id="50" name="Retângulo 49"/>
+            <p:cNvSpPr/>
+            <p:nvPr/>
+          </p:nvSpPr>
+          <p:spPr>
+            <a:xfrm>
+              <a:off x="8700637" y="5676240"/>
+              <a:ext cx="1357322" cy="357190"/>
+            </a:xfrm>
+            <a:prstGeom prst="rect">
+              <a:avLst/>
+            </a:prstGeom>
+            <a:solidFill>
+              <a:schemeClr val="accent3">
+                <a:lumMod val="75000"/>
+              </a:schemeClr>
+            </a:solidFill>
+            <a:ln>
+              <a:noFill/>
+            </a:ln>
+            <a:effectLst>
+              <a:outerShdw blurRad="107950" dist="12700" dir="5400000" algn="ctr">
+                <a:srgbClr val="000000"/>
+              </a:outerShdw>
+            </a:effectLst>
+            <a:scene3d>
+              <a:camera prst="orthographicFront">
+                <a:rot lat="0" lon="0" rev="0"/>
+              </a:camera>
+              <a:lightRig rig="soft" dir="t">
+                <a:rot lat="0" lon="0" rev="0"/>
+              </a:lightRig>
+            </a:scene3d>
+            <a:sp3d contourW="44450" prstMaterial="matte">
+              <a:bevelT w="63500" h="63500" prst="artDeco"/>
+              <a:contourClr>
+                <a:srgbClr val="FFFFFF"/>
+              </a:contourClr>
+            </a:sp3d>
+          </p:spPr>
+          <p:style>
+            <a:lnRef idx="2">
+              <a:schemeClr val="accent1">
+                <a:shade val="50000"/>
+              </a:schemeClr>
+            </a:lnRef>
+            <a:fillRef idx="1">
+              <a:schemeClr val="accent1"/>
+            </a:fillRef>
+            <a:effectRef idx="0">
+              <a:schemeClr val="accent1"/>
+            </a:effectRef>
+            <a:fontRef idx="minor">
+              <a:schemeClr val="lt1"/>
+            </a:fontRef>
+          </p:style>
+          <p:txBody>
+            <a:bodyPr rtlCol="0" anchor="ctr"/>
+            <a:lstStyle/>
+            <a:p>
+              <a:pPr algn="ctr"/>
+              <a:r>
+                <a:rPr lang="pt-BR" sz="1200" dirty="0">
+                  <a:latin typeface="+mj-lt"/>
+                </a:rPr>
+                <a:t>maxtemp[2][4]</a:t>
+              </a:r>
+            </a:p>
+          </p:txBody>
+        </p:sp>
+        <p:sp>
+          <p:nvSpPr>
+            <p:cNvPr id="51" name="Retângulo 50"/>
+            <p:cNvSpPr/>
+            <p:nvPr/>
+          </p:nvSpPr>
+          <p:spPr>
+            <a:xfrm>
+              <a:off x="3271349" y="6033430"/>
+              <a:ext cx="1357322" cy="357190"/>
+            </a:xfrm>
+            <a:prstGeom prst="rect">
+              <a:avLst/>
+            </a:prstGeom>
+            <a:solidFill>
+              <a:schemeClr val="accent3">
+                <a:lumMod val="75000"/>
+              </a:schemeClr>
+            </a:solidFill>
+            <a:ln>
+              <a:noFill/>
+            </a:ln>
+            <a:effectLst>
+              <a:outerShdw blurRad="107950" dist="12700" dir="5400000" algn="ctr">
+                <a:srgbClr val="000000"/>
+              </a:outerShdw>
+            </a:effectLst>
+            <a:scene3d>
+              <a:camera prst="orthographicFront">
+                <a:rot lat="0" lon="0" rev="0"/>
+              </a:camera>
+              <a:lightRig rig="soft" dir="t">
+                <a:rot lat="0" lon="0" rev="0"/>
+              </a:lightRig>
+            </a:scene3d>
+            <a:sp3d contourW="44450" prstMaterial="matte">
+              <a:bevelT w="63500" h="63500" prst="artDeco"/>
+              <a:contourClr>
+                <a:srgbClr val="FFFFFF"/>
+              </a:contourClr>
+            </a:sp3d>
+          </p:spPr>
+          <p:style>
+            <a:lnRef idx="2">
+              <a:schemeClr val="accent1">
+                <a:shade val="50000"/>
+              </a:schemeClr>
+            </a:lnRef>
+            <a:fillRef idx="1">
+              <a:schemeClr val="accent1"/>
+            </a:fillRef>
+            <a:effectRef idx="0">
+              <a:schemeClr val="accent1"/>
+            </a:effectRef>
+            <a:fontRef idx="minor">
+              <a:schemeClr val="lt1"/>
+            </a:fontRef>
+          </p:style>
+          <p:txBody>
+            <a:bodyPr rtlCol="0" anchor="ctr"/>
+            <a:lstStyle/>
+            <a:p>
+              <a:pPr algn="ctr"/>
+              <a:r>
+                <a:rPr lang="pt-BR" sz="1200" dirty="0">
+                  <a:latin typeface="+mj-lt"/>
+                </a:rPr>
+                <a:t>maxtemp[3][0]</a:t>
+              </a:r>
+            </a:p>
+          </p:txBody>
+        </p:sp>
+        <p:sp>
+          <p:nvSpPr>
+            <p:cNvPr id="52" name="Retângulo 51"/>
+            <p:cNvSpPr/>
+            <p:nvPr/>
+          </p:nvSpPr>
+          <p:spPr>
+            <a:xfrm>
+              <a:off x="4628671" y="6033430"/>
+              <a:ext cx="1357322" cy="357190"/>
+            </a:xfrm>
+            <a:prstGeom prst="rect">
+              <a:avLst/>
+            </a:prstGeom>
+            <a:solidFill>
+              <a:schemeClr val="accent3">
+                <a:lumMod val="75000"/>
+              </a:schemeClr>
+            </a:solidFill>
+            <a:ln>
+              <a:noFill/>
+            </a:ln>
+            <a:effectLst>
+              <a:outerShdw blurRad="107950" dist="12700" dir="5400000" algn="ctr">
+                <a:srgbClr val="000000"/>
+              </a:outerShdw>
+            </a:effectLst>
+            <a:scene3d>
+              <a:camera prst="orthographicFront">
+                <a:rot lat="0" lon="0" rev="0"/>
+              </a:camera>
+              <a:lightRig rig="soft" dir="t">
+                <a:rot lat="0" lon="0" rev="0"/>
+              </a:lightRig>
+            </a:scene3d>
+            <a:sp3d contourW="44450" prstMaterial="matte">
+              <a:bevelT w="63500" h="63500" prst="artDeco"/>
+              <a:contourClr>
+                <a:srgbClr val="FFFFFF"/>
+              </a:contourClr>
+            </a:sp3d>
+          </p:spPr>
+          <p:style>
+            <a:lnRef idx="2">
+              <a:schemeClr val="accent1">
+                <a:shade val="50000"/>
+              </a:schemeClr>
+            </a:lnRef>
+            <a:fillRef idx="1">
+              <a:schemeClr val="accent1"/>
+            </a:fillRef>
+            <a:effectRef idx="0">
+              <a:schemeClr val="accent1"/>
+            </a:effectRef>
+            <a:fontRef idx="minor">
+              <a:schemeClr val="lt1"/>
+            </a:fontRef>
+          </p:style>
+          <p:txBody>
+            <a:bodyPr rtlCol="0" anchor="ctr"/>
+            <a:lstStyle/>
+            <a:p>
+              <a:pPr algn="ctr"/>
+              <a:r>
+                <a:rPr lang="pt-BR" sz="1200" dirty="0">
+                  <a:latin typeface="+mj-lt"/>
+                </a:rPr>
+                <a:t>maxtemp[3][1]</a:t>
+              </a:r>
+            </a:p>
+          </p:txBody>
+        </p:sp>
+        <p:sp>
+          <p:nvSpPr>
+            <p:cNvPr id="53" name="Retângulo 52"/>
+            <p:cNvSpPr/>
+            <p:nvPr/>
+          </p:nvSpPr>
+          <p:spPr>
+            <a:xfrm>
+              <a:off x="5985993" y="6033430"/>
+              <a:ext cx="1357322" cy="357190"/>
+            </a:xfrm>
+            <a:prstGeom prst="rect">
+              <a:avLst/>
+            </a:prstGeom>
+            <a:solidFill>
+              <a:schemeClr val="accent3">
+                <a:lumMod val="75000"/>
+              </a:schemeClr>
+            </a:solidFill>
+            <a:ln>
+              <a:noFill/>
+            </a:ln>
+            <a:effectLst>
+              <a:outerShdw blurRad="107950" dist="12700" dir="5400000" algn="ctr">
+                <a:srgbClr val="000000"/>
+              </a:outerShdw>
+            </a:effectLst>
+            <a:scene3d>
+              <a:camera prst="orthographicFront">
+                <a:rot lat="0" lon="0" rev="0"/>
+              </a:camera>
+              <a:lightRig rig="soft" dir="t">
+                <a:rot lat="0" lon="0" rev="0"/>
+              </a:lightRig>
+            </a:scene3d>
+            <a:sp3d contourW="44450" prstMaterial="matte">
+              <a:bevelT w="63500" h="63500" prst="artDeco"/>
+              <a:contourClr>
+                <a:srgbClr val="FFFFFF"/>
+              </a:contourClr>
+            </a:sp3d>
+          </p:spPr>
+          <p:style>
+            <a:lnRef idx="2">
+              <a:schemeClr val="accent1">
+                <a:shade val="50000"/>
+              </a:schemeClr>
+            </a:lnRef>
+            <a:fillRef idx="1">
+              <a:schemeClr val="accent1"/>
+            </a:fillRef>
+            <a:effectRef idx="0">
+              <a:schemeClr val="accent1"/>
+            </a:effectRef>
+            <a:fontRef idx="minor">
+              <a:schemeClr val="lt1"/>
+            </a:fontRef>
+          </p:style>
+          <p:txBody>
+            <a:bodyPr rtlCol="0" anchor="ctr"/>
+            <a:lstStyle/>
+            <a:p>
+              <a:pPr algn="ctr"/>
+              <a:r>
+                <a:rPr lang="pt-BR" sz="1200" dirty="0">
+                  <a:latin typeface="+mj-lt"/>
+                </a:rPr>
+                <a:t>maxtemp[3][2]</a:t>
+              </a:r>
+            </a:p>
+          </p:txBody>
+        </p:sp>
+        <p:sp>
+          <p:nvSpPr>
+            <p:cNvPr id="54" name="Retângulo 53"/>
+            <p:cNvSpPr/>
+            <p:nvPr/>
+          </p:nvSpPr>
+          <p:spPr>
+            <a:xfrm>
+              <a:off x="7343315" y="6033430"/>
+              <a:ext cx="1357322" cy="357190"/>
+            </a:xfrm>
+            <a:prstGeom prst="rect">
+              <a:avLst/>
+            </a:prstGeom>
+            <a:solidFill>
+              <a:schemeClr val="accent3">
+                <a:lumMod val="75000"/>
+              </a:schemeClr>
+            </a:solidFill>
+            <a:ln>
+              <a:noFill/>
+            </a:ln>
+            <a:effectLst>
+              <a:outerShdw blurRad="107950" dist="12700" dir="5400000" algn="ctr">
+                <a:srgbClr val="000000"/>
+              </a:outerShdw>
+            </a:effectLst>
+            <a:scene3d>
+              <a:camera prst="orthographicFront">
+                <a:rot lat="0" lon="0" rev="0"/>
+              </a:camera>
+              <a:lightRig rig="soft" dir="t">
+                <a:rot lat="0" lon="0" rev="0"/>
+              </a:lightRig>
+            </a:scene3d>
+            <a:sp3d contourW="44450" prstMaterial="matte">
+              <a:bevelT w="63500" h="63500" prst="artDeco"/>
+              <a:contourClr>
+                <a:srgbClr val="FFFFFF"/>
+              </a:contourClr>
+            </a:sp3d>
+          </p:spPr>
+          <p:style>
+            <a:lnRef idx="2">
+              <a:schemeClr val="accent1">
+                <a:shade val="50000"/>
+              </a:schemeClr>
+            </a:lnRef>
+            <a:fillRef idx="1">
+              <a:schemeClr val="accent1"/>
+            </a:fillRef>
+            <a:effectRef idx="0">
+              <a:schemeClr val="accent1"/>
+            </a:effectRef>
+            <a:fontRef idx="minor">
+              <a:schemeClr val="lt1"/>
+            </a:fontRef>
+          </p:style>
+          <p:txBody>
+            <a:bodyPr rtlCol="0" anchor="ctr"/>
+            <a:lstStyle/>
+            <a:p>
+              <a:pPr algn="ctr"/>
+              <a:r>
+                <a:rPr lang="pt-BR" sz="1200" dirty="0">
+                  <a:latin typeface="+mj-lt"/>
+                </a:rPr>
+                <a:t>maxtemp[3][3]</a:t>
+              </a:r>
+            </a:p>
+          </p:txBody>
+        </p:sp>
+        <p:sp>
+          <p:nvSpPr>
+            <p:cNvPr id="55" name="Retângulo 54"/>
+            <p:cNvSpPr/>
+            <p:nvPr/>
+          </p:nvSpPr>
+          <p:spPr>
+            <a:xfrm>
+              <a:off x="8700637" y="6033430"/>
+              <a:ext cx="1357322" cy="357190"/>
+            </a:xfrm>
+            <a:prstGeom prst="rect">
+              <a:avLst/>
+            </a:prstGeom>
+            <a:solidFill>
+              <a:schemeClr val="accent3">
+                <a:lumMod val="75000"/>
+              </a:schemeClr>
+            </a:solidFill>
+            <a:ln>
+              <a:noFill/>
+            </a:ln>
+            <a:effectLst>
+              <a:outerShdw blurRad="107950" dist="12700" dir="5400000" algn="ctr">
+                <a:srgbClr val="000000"/>
+              </a:outerShdw>
+            </a:effectLst>
+            <a:scene3d>
+              <a:camera prst="orthographicFront">
+                <a:rot lat="0" lon="0" rev="0"/>
+              </a:camera>
+              <a:lightRig rig="soft" dir="t">
+                <a:rot lat="0" lon="0" rev="0"/>
+              </a:lightRig>
+            </a:scene3d>
+            <a:sp3d contourW="44450" prstMaterial="matte">
+              <a:bevelT w="63500" h="63500" prst="artDeco"/>
+              <a:contourClr>
+                <a:srgbClr val="FFFFFF"/>
+              </a:contourClr>
+            </a:sp3d>
+          </p:spPr>
+          <p:style>
+            <a:lnRef idx="2">
+              <a:schemeClr val="accent1">
+                <a:shade val="50000"/>
+              </a:schemeClr>
+            </a:lnRef>
+            <a:fillRef idx="1">
+              <a:schemeClr val="accent1"/>
+            </a:fillRef>
+            <a:effectRef idx="0">
+              <a:schemeClr val="accent1"/>
+            </a:effectRef>
+            <a:fontRef idx="minor">
+              <a:schemeClr val="lt1"/>
+            </a:fontRef>
+          </p:style>
+          <p:txBody>
+            <a:bodyPr rtlCol="0" anchor="ctr"/>
+            <a:lstStyle/>
+            <a:p>
+              <a:pPr algn="ctr"/>
+              <a:r>
+                <a:rPr lang="pt-BR" sz="1200" dirty="0">
+                  <a:latin typeface="+mj-lt"/>
+                </a:rPr>
+                <a:t>maxtemp[3][4]</a:t>
+              </a:r>
+            </a:p>
+          </p:txBody>
+        </p:sp>
+        <p:cxnSp>
+          <p:nvCxnSpPr>
+            <p:cNvPr id="6" name="Conector de seta reta 5"/>
+            <p:cNvCxnSpPr/>
+            <p:nvPr/>
+          </p:nvCxnSpPr>
+          <p:spPr>
+            <a:xfrm flipH="1">
+              <a:off x="2569128" y="4158372"/>
+              <a:ext cx="6865" cy="2232248"/>
+            </a:xfrm>
+            <a:prstGeom prst="straightConnector1">
+              <a:avLst/>
+            </a:prstGeom>
+            <a:ln>
+              <a:solidFill>
+                <a:schemeClr val="tx1"/>
+              </a:solidFill>
+              <a:tailEnd type="arrow"/>
+            </a:ln>
+          </p:spPr>
+          <p:style>
+            <a:lnRef idx="1">
+              <a:schemeClr val="accent1"/>
+            </a:lnRef>
+            <a:fillRef idx="0">
+              <a:schemeClr val="accent1"/>
+            </a:fillRef>
+            <a:effectRef idx="0">
+              <a:schemeClr val="accent1"/>
+            </a:effectRef>
+            <a:fontRef idx="minor">
+              <a:schemeClr val="tx1"/>
+            </a:fontRef>
+          </p:style>
+        </p:cxnSp>
+        <p:sp>
+          <p:nvSpPr>
+            <p:cNvPr id="7" name="CaixaDeTexto 6"/>
+            <p:cNvSpPr txBox="1"/>
+            <p:nvPr/>
+          </p:nvSpPr>
+          <p:spPr>
+            <a:xfrm rot="16200000">
+              <a:off x="2020071" y="5266246"/>
+              <a:ext cx="742511" cy="369332"/>
+            </a:xfrm>
+            <a:prstGeom prst="rect">
+              <a:avLst/>
+            </a:prstGeom>
             <a:noFill/>
-          </a:ln>
-          <a:effectLst>
-            <a:outerShdw blurRad="107950" dist="12700" dir="5400000" algn="ctr">
-              <a:srgbClr val="000000"/>
-            </a:outerShdw>
-          </a:effectLst>
-          <a:scene3d>
-            <a:camera prst="orthographicFront">
-              <a:rot lat="0" lon="0" rev="0"/>
-            </a:camera>
-            <a:lightRig rig="soft" dir="t">
-              <a:rot lat="0" lon="0" rev="0"/>
-            </a:lightRig>
-          </a:scene3d>
-          <a:sp3d contourW="44450" prstMaterial="matte">
-            <a:bevelT w="63500" h="63500" prst="artDeco"/>
-            <a:contourClr>
-              <a:srgbClr val="FFFFFF"/>
-            </a:contourClr>
-          </a:sp3d>
-        </p:spPr>
-        <p:style>
-          <a:lnRef idx="2">
-            <a:schemeClr val="accent1">
-              <a:shade val="50000"/>
-            </a:schemeClr>
-          </a:lnRef>
-          <a:fillRef idx="1">
-            <a:schemeClr val="accent1"/>
-          </a:fillRef>
-          <a:effectRef idx="0">
-            <a:schemeClr val="accent1"/>
-          </a:effectRef>
-          <a:fontRef idx="minor">
-            <a:schemeClr val="lt1"/>
-          </a:fontRef>
-        </p:style>
-        <p:txBody>
-          <a:bodyPr rtlCol="0" anchor="ctr"/>
-          <a:lstStyle/>
-          <a:p>
-            <a:pPr algn="ctr"/>
-            <a:r>
-              <a:rPr lang="pt-BR" sz="1200" dirty="0">
-                <a:latin typeface="+mj-lt"/>
-              </a:rPr>
-              <a:t>maxtemp[1][4]</a:t>
-            </a:r>
-          </a:p>
-        </p:txBody>
-      </p:sp>
-      <p:sp>
-        <p:nvSpPr>
-          <p:cNvPr id="46" name="Retângulo 45"/>
-          <p:cNvSpPr/>
-          <p:nvPr/>
-        </p:nvSpPr>
-        <p:spPr>
-          <a:xfrm>
-            <a:off x="3271349" y="5676240"/>
-            <a:ext cx="1357322" cy="357190"/>
-          </a:xfrm>
-          <a:prstGeom prst="rect">
-            <a:avLst/>
-          </a:prstGeom>
-          <a:solidFill>
-            <a:schemeClr val="accent3">
-              <a:lumMod val="75000"/>
-            </a:schemeClr>
-          </a:solidFill>
-          <a:ln>
+          </p:spPr>
+          <p:txBody>
+            <a:bodyPr wrap="none" rtlCol="0">
+              <a:spAutoFit/>
+            </a:bodyPr>
+            <a:lstStyle/>
+            <a:p>
+              <a:r>
+                <a:rPr lang="pt-BR" dirty="0"/>
+                <a:t>linhas</a:t>
+              </a:r>
+            </a:p>
+          </p:txBody>
+        </p:sp>
+        <p:cxnSp>
+          <p:nvCxnSpPr>
+            <p:cNvPr id="57" name="Conector de seta reta 56"/>
+            <p:cNvCxnSpPr/>
+            <p:nvPr/>
+          </p:nvCxnSpPr>
+          <p:spPr>
+            <a:xfrm>
+              <a:off x="2423592" y="4302388"/>
+              <a:ext cx="7737123" cy="0"/>
+            </a:xfrm>
+            <a:prstGeom prst="straightConnector1">
+              <a:avLst/>
+            </a:prstGeom>
+            <a:ln>
+              <a:solidFill>
+                <a:schemeClr val="tx1"/>
+              </a:solidFill>
+              <a:tailEnd type="arrow"/>
+            </a:ln>
+          </p:spPr>
+          <p:style>
+            <a:lnRef idx="1">
+              <a:schemeClr val="accent1"/>
+            </a:lnRef>
+            <a:fillRef idx="0">
+              <a:schemeClr val="accent1"/>
+            </a:fillRef>
+            <a:effectRef idx="0">
+              <a:schemeClr val="accent1"/>
+            </a:effectRef>
+            <a:fontRef idx="minor">
+              <a:schemeClr val="tx1"/>
+            </a:fontRef>
+          </p:style>
+        </p:cxnSp>
+        <p:sp>
+          <p:nvSpPr>
+            <p:cNvPr id="58" name="CaixaDeTexto 57"/>
+            <p:cNvSpPr txBox="1"/>
+            <p:nvPr/>
+          </p:nvSpPr>
+          <p:spPr>
+            <a:xfrm>
+              <a:off x="5804473" y="3933056"/>
+              <a:ext cx="910827" cy="369332"/>
+            </a:xfrm>
+            <a:prstGeom prst="rect">
+              <a:avLst/>
+            </a:prstGeom>
             <a:noFill/>
-          </a:ln>
-          <a:effectLst>
-            <a:outerShdw blurRad="107950" dist="12700" dir="5400000" algn="ctr">
-              <a:srgbClr val="000000"/>
-            </a:outerShdw>
-          </a:effectLst>
-          <a:scene3d>
-            <a:camera prst="orthographicFront">
-              <a:rot lat="0" lon="0" rev="0"/>
-            </a:camera>
-            <a:lightRig rig="soft" dir="t">
-              <a:rot lat="0" lon="0" rev="0"/>
-            </a:lightRig>
-          </a:scene3d>
-          <a:sp3d contourW="44450" prstMaterial="matte">
-            <a:bevelT w="63500" h="63500" prst="artDeco"/>
-            <a:contourClr>
-              <a:srgbClr val="FFFFFF"/>
-            </a:contourClr>
-          </a:sp3d>
-        </p:spPr>
-        <p:style>
-          <a:lnRef idx="2">
-            <a:schemeClr val="accent1">
-              <a:shade val="50000"/>
-            </a:schemeClr>
-          </a:lnRef>
-          <a:fillRef idx="1">
-            <a:schemeClr val="accent1"/>
-          </a:fillRef>
-          <a:effectRef idx="0">
-            <a:schemeClr val="accent1"/>
-          </a:effectRef>
-          <a:fontRef idx="minor">
-            <a:schemeClr val="lt1"/>
-          </a:fontRef>
-        </p:style>
-        <p:txBody>
-          <a:bodyPr rtlCol="0" anchor="ctr"/>
-          <a:lstStyle/>
-          <a:p>
-            <a:pPr algn="ctr"/>
-            <a:r>
-              <a:rPr lang="pt-BR" sz="1200" dirty="0">
-                <a:latin typeface="+mj-lt"/>
-              </a:rPr>
-              <a:t>maxtemp[2][0]</a:t>
-            </a:r>
-          </a:p>
-        </p:txBody>
-      </p:sp>
-      <p:sp>
-        <p:nvSpPr>
-          <p:cNvPr id="47" name="Retângulo 46"/>
-          <p:cNvSpPr/>
-          <p:nvPr/>
-        </p:nvSpPr>
-        <p:spPr>
-          <a:xfrm>
-            <a:off x="4628671" y="5676240"/>
-            <a:ext cx="1357322" cy="357190"/>
-          </a:xfrm>
-          <a:prstGeom prst="rect">
-            <a:avLst/>
-          </a:prstGeom>
-          <a:solidFill>
-            <a:schemeClr val="accent3">
-              <a:lumMod val="75000"/>
-            </a:schemeClr>
-          </a:solidFill>
-          <a:ln>
-            <a:noFill/>
-          </a:ln>
-          <a:effectLst>
-            <a:outerShdw blurRad="107950" dist="12700" dir="5400000" algn="ctr">
-              <a:srgbClr val="000000"/>
-            </a:outerShdw>
-          </a:effectLst>
-          <a:scene3d>
-            <a:camera prst="orthographicFront">
-              <a:rot lat="0" lon="0" rev="0"/>
-            </a:camera>
-            <a:lightRig rig="soft" dir="t">
-              <a:rot lat="0" lon="0" rev="0"/>
-            </a:lightRig>
-          </a:scene3d>
-          <a:sp3d contourW="44450" prstMaterial="matte">
-            <a:bevelT w="63500" h="63500" prst="artDeco"/>
-            <a:contourClr>
-              <a:srgbClr val="FFFFFF"/>
-            </a:contourClr>
-          </a:sp3d>
-        </p:spPr>
-        <p:style>
-          <a:lnRef idx="2">
-            <a:schemeClr val="accent1">
-              <a:shade val="50000"/>
-            </a:schemeClr>
-          </a:lnRef>
-          <a:fillRef idx="1">
-            <a:schemeClr val="accent1"/>
-          </a:fillRef>
-          <a:effectRef idx="0">
-            <a:schemeClr val="accent1"/>
-          </a:effectRef>
-          <a:fontRef idx="minor">
-            <a:schemeClr val="lt1"/>
-          </a:fontRef>
-        </p:style>
-        <p:txBody>
-          <a:bodyPr rtlCol="0" anchor="ctr"/>
-          <a:lstStyle/>
-          <a:p>
-            <a:pPr algn="ctr"/>
-            <a:r>
-              <a:rPr lang="pt-BR" sz="1200" dirty="0">
-                <a:latin typeface="+mj-lt"/>
-              </a:rPr>
-              <a:t>maxtemp[2][1]</a:t>
-            </a:r>
-          </a:p>
-        </p:txBody>
-      </p:sp>
-      <p:sp>
-        <p:nvSpPr>
-          <p:cNvPr id="48" name="Retângulo 47"/>
-          <p:cNvSpPr/>
-          <p:nvPr/>
-        </p:nvSpPr>
-        <p:spPr>
-          <a:xfrm>
-            <a:off x="5985993" y="5676240"/>
-            <a:ext cx="1357322" cy="357190"/>
-          </a:xfrm>
-          <a:prstGeom prst="rect">
-            <a:avLst/>
-          </a:prstGeom>
-          <a:solidFill>
-            <a:schemeClr val="accent3">
-              <a:lumMod val="75000"/>
-            </a:schemeClr>
-          </a:solidFill>
-          <a:ln>
-            <a:noFill/>
-          </a:ln>
-          <a:effectLst>
-            <a:outerShdw blurRad="107950" dist="12700" dir="5400000" algn="ctr">
-              <a:srgbClr val="000000"/>
-            </a:outerShdw>
-          </a:effectLst>
-          <a:scene3d>
-            <a:camera prst="orthographicFront">
-              <a:rot lat="0" lon="0" rev="0"/>
-            </a:camera>
-            <a:lightRig rig="soft" dir="t">
-              <a:rot lat="0" lon="0" rev="0"/>
-            </a:lightRig>
-          </a:scene3d>
-          <a:sp3d contourW="44450" prstMaterial="matte">
-            <a:bevelT w="63500" h="63500" prst="artDeco"/>
-            <a:contourClr>
-              <a:srgbClr val="FFFFFF"/>
-            </a:contourClr>
-          </a:sp3d>
-        </p:spPr>
-        <p:style>
-          <a:lnRef idx="2">
-            <a:schemeClr val="accent1">
-              <a:shade val="50000"/>
-            </a:schemeClr>
-          </a:lnRef>
-          <a:fillRef idx="1">
-            <a:schemeClr val="accent1"/>
-          </a:fillRef>
-          <a:effectRef idx="0">
-            <a:schemeClr val="accent1"/>
-          </a:effectRef>
-          <a:fontRef idx="minor">
-            <a:schemeClr val="lt1"/>
-          </a:fontRef>
-        </p:style>
-        <p:txBody>
-          <a:bodyPr rtlCol="0" anchor="ctr"/>
-          <a:lstStyle/>
-          <a:p>
-            <a:pPr algn="ctr"/>
-            <a:r>
-              <a:rPr lang="pt-BR" sz="1200" dirty="0">
-                <a:latin typeface="+mj-lt"/>
-              </a:rPr>
-              <a:t>maxtemp[2][2]</a:t>
-            </a:r>
-          </a:p>
-        </p:txBody>
-      </p:sp>
-      <p:sp>
-        <p:nvSpPr>
-          <p:cNvPr id="49" name="Retângulo 48"/>
-          <p:cNvSpPr/>
-          <p:nvPr/>
-        </p:nvSpPr>
-        <p:spPr>
-          <a:xfrm>
-            <a:off x="7343315" y="5676240"/>
-            <a:ext cx="1357322" cy="357190"/>
-          </a:xfrm>
-          <a:prstGeom prst="rect">
-            <a:avLst/>
-          </a:prstGeom>
-          <a:solidFill>
-            <a:schemeClr val="accent3">
-              <a:lumMod val="75000"/>
-            </a:schemeClr>
-          </a:solidFill>
-          <a:ln>
-            <a:noFill/>
-          </a:ln>
-          <a:effectLst>
-            <a:outerShdw blurRad="107950" dist="12700" dir="5400000" algn="ctr">
-              <a:srgbClr val="000000"/>
-            </a:outerShdw>
-          </a:effectLst>
-          <a:scene3d>
-            <a:camera prst="orthographicFront">
-              <a:rot lat="0" lon="0" rev="0"/>
-            </a:camera>
-            <a:lightRig rig="soft" dir="t">
-              <a:rot lat="0" lon="0" rev="0"/>
-            </a:lightRig>
-          </a:scene3d>
-          <a:sp3d contourW="44450" prstMaterial="matte">
-            <a:bevelT w="63500" h="63500" prst="artDeco"/>
-            <a:contourClr>
-              <a:srgbClr val="FFFFFF"/>
-            </a:contourClr>
-          </a:sp3d>
-        </p:spPr>
-        <p:style>
-          <a:lnRef idx="2">
-            <a:schemeClr val="accent1">
-              <a:shade val="50000"/>
-            </a:schemeClr>
-          </a:lnRef>
-          <a:fillRef idx="1">
-            <a:schemeClr val="accent1"/>
-          </a:fillRef>
-          <a:effectRef idx="0">
-            <a:schemeClr val="accent1"/>
-          </a:effectRef>
-          <a:fontRef idx="minor">
-            <a:schemeClr val="lt1"/>
-          </a:fontRef>
-        </p:style>
-        <p:txBody>
-          <a:bodyPr rtlCol="0" anchor="ctr"/>
-          <a:lstStyle/>
-          <a:p>
-            <a:pPr algn="ctr"/>
-            <a:r>
-              <a:rPr lang="pt-BR" sz="1200" dirty="0">
-                <a:latin typeface="+mj-lt"/>
-              </a:rPr>
-              <a:t>maxtemp[2][3]</a:t>
-            </a:r>
-          </a:p>
-        </p:txBody>
-      </p:sp>
-      <p:sp>
-        <p:nvSpPr>
-          <p:cNvPr id="50" name="Retângulo 49"/>
-          <p:cNvSpPr/>
-          <p:nvPr/>
-        </p:nvSpPr>
-        <p:spPr>
-          <a:xfrm>
-            <a:off x="8700637" y="5676240"/>
-            <a:ext cx="1357322" cy="357190"/>
-          </a:xfrm>
-          <a:prstGeom prst="rect">
-            <a:avLst/>
-          </a:prstGeom>
-          <a:solidFill>
-            <a:schemeClr val="accent3">
-              <a:lumMod val="75000"/>
-            </a:schemeClr>
-          </a:solidFill>
-          <a:ln>
-            <a:noFill/>
-          </a:ln>
-          <a:effectLst>
-            <a:outerShdw blurRad="107950" dist="12700" dir="5400000" algn="ctr">
-              <a:srgbClr val="000000"/>
-            </a:outerShdw>
-          </a:effectLst>
-          <a:scene3d>
-            <a:camera prst="orthographicFront">
-              <a:rot lat="0" lon="0" rev="0"/>
-            </a:camera>
-            <a:lightRig rig="soft" dir="t">
-              <a:rot lat="0" lon="0" rev="0"/>
-            </a:lightRig>
-          </a:scene3d>
-          <a:sp3d contourW="44450" prstMaterial="matte">
-            <a:bevelT w="63500" h="63500" prst="artDeco"/>
-            <a:contourClr>
-              <a:srgbClr val="FFFFFF"/>
-            </a:contourClr>
-          </a:sp3d>
-        </p:spPr>
-        <p:style>
-          <a:lnRef idx="2">
-            <a:schemeClr val="accent1">
-              <a:shade val="50000"/>
-            </a:schemeClr>
-          </a:lnRef>
-          <a:fillRef idx="1">
-            <a:schemeClr val="accent1"/>
-          </a:fillRef>
-          <a:effectRef idx="0">
-            <a:schemeClr val="accent1"/>
-          </a:effectRef>
-          <a:fontRef idx="minor">
-            <a:schemeClr val="lt1"/>
-          </a:fontRef>
-        </p:style>
-        <p:txBody>
-          <a:bodyPr rtlCol="0" anchor="ctr"/>
-          <a:lstStyle/>
-          <a:p>
-            <a:pPr algn="ctr"/>
-            <a:r>
-              <a:rPr lang="pt-BR" sz="1200" dirty="0">
-                <a:latin typeface="+mj-lt"/>
-              </a:rPr>
-              <a:t>maxtemp[2][4]</a:t>
-            </a:r>
-          </a:p>
-        </p:txBody>
-      </p:sp>
-      <p:sp>
-        <p:nvSpPr>
-          <p:cNvPr id="51" name="Retângulo 50"/>
-          <p:cNvSpPr/>
-          <p:nvPr/>
-        </p:nvSpPr>
-        <p:spPr>
-          <a:xfrm>
-            <a:off x="3271349" y="6033430"/>
-            <a:ext cx="1357322" cy="357190"/>
-          </a:xfrm>
-          <a:prstGeom prst="rect">
-            <a:avLst/>
-          </a:prstGeom>
-          <a:solidFill>
-            <a:schemeClr val="accent3">
-              <a:lumMod val="75000"/>
-            </a:schemeClr>
-          </a:solidFill>
-          <a:ln>
-            <a:noFill/>
-          </a:ln>
-          <a:effectLst>
-            <a:outerShdw blurRad="107950" dist="12700" dir="5400000" algn="ctr">
-              <a:srgbClr val="000000"/>
-            </a:outerShdw>
-          </a:effectLst>
-          <a:scene3d>
-            <a:camera prst="orthographicFront">
-              <a:rot lat="0" lon="0" rev="0"/>
-            </a:camera>
-            <a:lightRig rig="soft" dir="t">
-              <a:rot lat="0" lon="0" rev="0"/>
-            </a:lightRig>
-          </a:scene3d>
-          <a:sp3d contourW="44450" prstMaterial="matte">
-            <a:bevelT w="63500" h="63500" prst="artDeco"/>
-            <a:contourClr>
-              <a:srgbClr val="FFFFFF"/>
-            </a:contourClr>
-          </a:sp3d>
-        </p:spPr>
-        <p:style>
-          <a:lnRef idx="2">
-            <a:schemeClr val="accent1">
-              <a:shade val="50000"/>
-            </a:schemeClr>
-          </a:lnRef>
-          <a:fillRef idx="1">
-            <a:schemeClr val="accent1"/>
-          </a:fillRef>
-          <a:effectRef idx="0">
-            <a:schemeClr val="accent1"/>
-          </a:effectRef>
-          <a:fontRef idx="minor">
-            <a:schemeClr val="lt1"/>
-          </a:fontRef>
-        </p:style>
-        <p:txBody>
-          <a:bodyPr rtlCol="0" anchor="ctr"/>
-          <a:lstStyle/>
-          <a:p>
-            <a:pPr algn="ctr"/>
-            <a:r>
-              <a:rPr lang="pt-BR" sz="1200" dirty="0">
-                <a:latin typeface="+mj-lt"/>
-              </a:rPr>
-              <a:t>maxtemp[3][0]</a:t>
-            </a:r>
-          </a:p>
-        </p:txBody>
-      </p:sp>
-      <p:sp>
-        <p:nvSpPr>
-          <p:cNvPr id="52" name="Retângulo 51"/>
-          <p:cNvSpPr/>
-          <p:nvPr/>
-        </p:nvSpPr>
-        <p:spPr>
-          <a:xfrm>
-            <a:off x="4628671" y="6033430"/>
-            <a:ext cx="1357322" cy="357190"/>
-          </a:xfrm>
-          <a:prstGeom prst="rect">
-            <a:avLst/>
-          </a:prstGeom>
-          <a:solidFill>
-            <a:schemeClr val="accent3">
-              <a:lumMod val="75000"/>
-            </a:schemeClr>
-          </a:solidFill>
-          <a:ln>
-            <a:noFill/>
-          </a:ln>
-          <a:effectLst>
-            <a:outerShdw blurRad="107950" dist="12700" dir="5400000" algn="ctr">
-              <a:srgbClr val="000000"/>
-            </a:outerShdw>
-          </a:effectLst>
-          <a:scene3d>
-            <a:camera prst="orthographicFront">
-              <a:rot lat="0" lon="0" rev="0"/>
-            </a:camera>
-            <a:lightRig rig="soft" dir="t">
-              <a:rot lat="0" lon="0" rev="0"/>
-            </a:lightRig>
-          </a:scene3d>
-          <a:sp3d contourW="44450" prstMaterial="matte">
-            <a:bevelT w="63500" h="63500" prst="artDeco"/>
-            <a:contourClr>
-              <a:srgbClr val="FFFFFF"/>
-            </a:contourClr>
-          </a:sp3d>
-        </p:spPr>
-        <p:style>
-          <a:lnRef idx="2">
-            <a:schemeClr val="accent1">
-              <a:shade val="50000"/>
-            </a:schemeClr>
-          </a:lnRef>
-          <a:fillRef idx="1">
-            <a:schemeClr val="accent1"/>
-          </a:fillRef>
-          <a:effectRef idx="0">
-            <a:schemeClr val="accent1"/>
-          </a:effectRef>
-          <a:fontRef idx="minor">
-            <a:schemeClr val="lt1"/>
-          </a:fontRef>
-        </p:style>
-        <p:txBody>
-          <a:bodyPr rtlCol="0" anchor="ctr"/>
-          <a:lstStyle/>
-          <a:p>
-            <a:pPr algn="ctr"/>
-            <a:r>
-              <a:rPr lang="pt-BR" sz="1200" dirty="0">
-                <a:latin typeface="+mj-lt"/>
-              </a:rPr>
-              <a:t>maxtemp[3][1]</a:t>
-            </a:r>
-          </a:p>
-        </p:txBody>
-      </p:sp>
-      <p:sp>
-        <p:nvSpPr>
-          <p:cNvPr id="53" name="Retângulo 52"/>
-          <p:cNvSpPr/>
-          <p:nvPr/>
-        </p:nvSpPr>
-        <p:spPr>
-          <a:xfrm>
-            <a:off x="5985993" y="6033430"/>
-            <a:ext cx="1357322" cy="357190"/>
-          </a:xfrm>
-          <a:prstGeom prst="rect">
-            <a:avLst/>
-          </a:prstGeom>
-          <a:solidFill>
-            <a:schemeClr val="accent3">
-              <a:lumMod val="75000"/>
-            </a:schemeClr>
-          </a:solidFill>
-          <a:ln>
-            <a:noFill/>
-          </a:ln>
-          <a:effectLst>
-            <a:outerShdw blurRad="107950" dist="12700" dir="5400000" algn="ctr">
-              <a:srgbClr val="000000"/>
-            </a:outerShdw>
-          </a:effectLst>
-          <a:scene3d>
-            <a:camera prst="orthographicFront">
-              <a:rot lat="0" lon="0" rev="0"/>
-            </a:camera>
-            <a:lightRig rig="soft" dir="t">
-              <a:rot lat="0" lon="0" rev="0"/>
-            </a:lightRig>
-          </a:scene3d>
-          <a:sp3d contourW="44450" prstMaterial="matte">
-            <a:bevelT w="63500" h="63500" prst="artDeco"/>
-            <a:contourClr>
-              <a:srgbClr val="FFFFFF"/>
-            </a:contourClr>
-          </a:sp3d>
-        </p:spPr>
-        <p:style>
-          <a:lnRef idx="2">
-            <a:schemeClr val="accent1">
-              <a:shade val="50000"/>
-            </a:schemeClr>
-          </a:lnRef>
-          <a:fillRef idx="1">
-            <a:schemeClr val="accent1"/>
-          </a:fillRef>
-          <a:effectRef idx="0">
-            <a:schemeClr val="accent1"/>
-          </a:effectRef>
-          <a:fontRef idx="minor">
-            <a:schemeClr val="lt1"/>
-          </a:fontRef>
-        </p:style>
-        <p:txBody>
-          <a:bodyPr rtlCol="0" anchor="ctr"/>
-          <a:lstStyle/>
-          <a:p>
-            <a:pPr algn="ctr"/>
-            <a:r>
-              <a:rPr lang="pt-BR" sz="1200" dirty="0">
-                <a:latin typeface="+mj-lt"/>
-              </a:rPr>
-              <a:t>maxtemp[3][2]</a:t>
-            </a:r>
-          </a:p>
-        </p:txBody>
-      </p:sp>
-      <p:sp>
-        <p:nvSpPr>
-          <p:cNvPr id="54" name="Retângulo 53"/>
-          <p:cNvSpPr/>
-          <p:nvPr/>
-        </p:nvSpPr>
-        <p:spPr>
-          <a:xfrm>
-            <a:off x="7343315" y="6033430"/>
-            <a:ext cx="1357322" cy="357190"/>
-          </a:xfrm>
-          <a:prstGeom prst="rect">
-            <a:avLst/>
-          </a:prstGeom>
-          <a:solidFill>
-            <a:schemeClr val="accent3">
-              <a:lumMod val="75000"/>
-            </a:schemeClr>
-          </a:solidFill>
-          <a:ln>
-            <a:noFill/>
-          </a:ln>
-          <a:effectLst>
-            <a:outerShdw blurRad="107950" dist="12700" dir="5400000" algn="ctr">
-              <a:srgbClr val="000000"/>
-            </a:outerShdw>
-          </a:effectLst>
-          <a:scene3d>
-            <a:camera prst="orthographicFront">
-              <a:rot lat="0" lon="0" rev="0"/>
-            </a:camera>
-            <a:lightRig rig="soft" dir="t">
-              <a:rot lat="0" lon="0" rev="0"/>
-            </a:lightRig>
-          </a:scene3d>
-          <a:sp3d contourW="44450" prstMaterial="matte">
-            <a:bevelT w="63500" h="63500" prst="artDeco"/>
-            <a:contourClr>
-              <a:srgbClr val="FFFFFF"/>
-            </a:contourClr>
-          </a:sp3d>
-        </p:spPr>
-        <p:style>
-          <a:lnRef idx="2">
-            <a:schemeClr val="accent1">
-              <a:shade val="50000"/>
-            </a:schemeClr>
-          </a:lnRef>
-          <a:fillRef idx="1">
-            <a:schemeClr val="accent1"/>
-          </a:fillRef>
-          <a:effectRef idx="0">
-            <a:schemeClr val="accent1"/>
-          </a:effectRef>
-          <a:fontRef idx="minor">
-            <a:schemeClr val="lt1"/>
-          </a:fontRef>
-        </p:style>
-        <p:txBody>
-          <a:bodyPr rtlCol="0" anchor="ctr"/>
-          <a:lstStyle/>
-          <a:p>
-            <a:pPr algn="ctr"/>
-            <a:r>
-              <a:rPr lang="pt-BR" sz="1200" dirty="0">
-                <a:latin typeface="+mj-lt"/>
-              </a:rPr>
-              <a:t>maxtemp[3][3]</a:t>
-            </a:r>
-          </a:p>
-        </p:txBody>
-      </p:sp>
-      <p:sp>
-        <p:nvSpPr>
-          <p:cNvPr id="55" name="Retângulo 54"/>
-          <p:cNvSpPr/>
-          <p:nvPr/>
-        </p:nvSpPr>
-        <p:spPr>
-          <a:xfrm>
-            <a:off x="8700637" y="6033430"/>
-            <a:ext cx="1357322" cy="357190"/>
-          </a:xfrm>
-          <a:prstGeom prst="rect">
-            <a:avLst/>
-          </a:prstGeom>
-          <a:solidFill>
-            <a:schemeClr val="accent3">
-              <a:lumMod val="75000"/>
-            </a:schemeClr>
-          </a:solidFill>
-          <a:ln>
-            <a:noFill/>
-          </a:ln>
-          <a:effectLst>
-            <a:outerShdw blurRad="107950" dist="12700" dir="5400000" algn="ctr">
-              <a:srgbClr val="000000"/>
-            </a:outerShdw>
-          </a:effectLst>
-          <a:scene3d>
-            <a:camera prst="orthographicFront">
-              <a:rot lat="0" lon="0" rev="0"/>
-            </a:camera>
-            <a:lightRig rig="soft" dir="t">
-              <a:rot lat="0" lon="0" rev="0"/>
-            </a:lightRig>
-          </a:scene3d>
-          <a:sp3d contourW="44450" prstMaterial="matte">
-            <a:bevelT w="63500" h="63500" prst="artDeco"/>
-            <a:contourClr>
-              <a:srgbClr val="FFFFFF"/>
-            </a:contourClr>
-          </a:sp3d>
-        </p:spPr>
-        <p:style>
-          <a:lnRef idx="2">
-            <a:schemeClr val="accent1">
-              <a:shade val="50000"/>
-            </a:schemeClr>
-          </a:lnRef>
-          <a:fillRef idx="1">
-            <a:schemeClr val="accent1"/>
-          </a:fillRef>
-          <a:effectRef idx="0">
-            <a:schemeClr val="accent1"/>
-          </a:effectRef>
-          <a:fontRef idx="minor">
-            <a:schemeClr val="lt1"/>
-          </a:fontRef>
-        </p:style>
-        <p:txBody>
-          <a:bodyPr rtlCol="0" anchor="ctr"/>
-          <a:lstStyle/>
-          <a:p>
-            <a:pPr algn="ctr"/>
-            <a:r>
-              <a:rPr lang="pt-BR" sz="1200" dirty="0">
-                <a:latin typeface="+mj-lt"/>
-              </a:rPr>
-              <a:t>maxtemp[3][4]</a:t>
-            </a:r>
-          </a:p>
-        </p:txBody>
-      </p:sp>
-      <p:cxnSp>
-        <p:nvCxnSpPr>
-          <p:cNvPr id="6" name="Conector de seta reta 5"/>
-          <p:cNvCxnSpPr/>
-          <p:nvPr/>
-        </p:nvCxnSpPr>
-        <p:spPr>
-          <a:xfrm flipH="1">
-            <a:off x="2569128" y="4158372"/>
-            <a:ext cx="6865" cy="2232248"/>
-          </a:xfrm>
-          <a:prstGeom prst="straightConnector1">
-            <a:avLst/>
-          </a:prstGeom>
-          <a:ln>
-            <a:solidFill>
-              <a:schemeClr val="tx1"/>
-            </a:solidFill>
-            <a:tailEnd type="arrow"/>
-          </a:ln>
-        </p:spPr>
-        <p:style>
-          <a:lnRef idx="1">
-            <a:schemeClr val="accent1"/>
-          </a:lnRef>
-          <a:fillRef idx="0">
-            <a:schemeClr val="accent1"/>
-          </a:fillRef>
-          <a:effectRef idx="0">
-            <a:schemeClr val="accent1"/>
-          </a:effectRef>
-          <a:fontRef idx="minor">
-            <a:schemeClr val="tx1"/>
-          </a:fontRef>
-        </p:style>
-      </p:cxnSp>
-      <p:sp>
-        <p:nvSpPr>
-          <p:cNvPr id="7" name="CaixaDeTexto 6"/>
-          <p:cNvSpPr txBox="1"/>
-          <p:nvPr/>
-        </p:nvSpPr>
-        <p:spPr>
-          <a:xfrm rot="16200000">
-            <a:off x="2020071" y="5266246"/>
-            <a:ext cx="742511" cy="369332"/>
-          </a:xfrm>
-          <a:prstGeom prst="rect">
-            <a:avLst/>
-          </a:prstGeom>
-          <a:noFill/>
-        </p:spPr>
-        <p:txBody>
-          <a:bodyPr wrap="none" rtlCol="0">
-            <a:spAutoFit/>
-          </a:bodyPr>
-          <a:lstStyle/>
-          <a:p>
-            <a:r>
-              <a:rPr lang="pt-BR" dirty="0"/>
-              <a:t>linhas</a:t>
-            </a:r>
-          </a:p>
-        </p:txBody>
-      </p:sp>
-      <p:cxnSp>
-        <p:nvCxnSpPr>
-          <p:cNvPr id="57" name="Conector de seta reta 56"/>
-          <p:cNvCxnSpPr/>
-          <p:nvPr/>
-        </p:nvCxnSpPr>
-        <p:spPr>
-          <a:xfrm>
-            <a:off x="2391326" y="4302388"/>
-            <a:ext cx="7737123" cy="0"/>
-          </a:xfrm>
-          <a:prstGeom prst="straightConnector1">
-            <a:avLst/>
-          </a:prstGeom>
-          <a:ln>
-            <a:solidFill>
-              <a:schemeClr val="tx1"/>
-            </a:solidFill>
-            <a:tailEnd type="arrow"/>
-          </a:ln>
-        </p:spPr>
-        <p:style>
-          <a:lnRef idx="1">
-            <a:schemeClr val="accent1"/>
-          </a:lnRef>
-          <a:fillRef idx="0">
-            <a:schemeClr val="accent1"/>
-          </a:fillRef>
-          <a:effectRef idx="0">
-            <a:schemeClr val="accent1"/>
-          </a:effectRef>
-          <a:fontRef idx="minor">
-            <a:schemeClr val="tx1"/>
-          </a:fontRef>
-        </p:style>
-      </p:cxnSp>
-      <p:sp>
-        <p:nvSpPr>
-          <p:cNvPr id="58" name="CaixaDeTexto 57"/>
-          <p:cNvSpPr txBox="1"/>
-          <p:nvPr/>
-        </p:nvSpPr>
-        <p:spPr>
-          <a:xfrm>
-            <a:off x="5804473" y="3933056"/>
-            <a:ext cx="910827" cy="369332"/>
-          </a:xfrm>
-          <a:prstGeom prst="rect">
-            <a:avLst/>
-          </a:prstGeom>
-          <a:noFill/>
-        </p:spPr>
-        <p:txBody>
-          <a:bodyPr wrap="none" rtlCol="0">
-            <a:spAutoFit/>
-          </a:bodyPr>
-          <a:lstStyle/>
-          <a:p>
-            <a:r>
-              <a:rPr lang="pt-BR" dirty="0"/>
-              <a:t>colunas</a:t>
-            </a:r>
-          </a:p>
-        </p:txBody>
-      </p:sp>
+          </p:spPr>
+          <p:txBody>
+            <a:bodyPr wrap="none" rtlCol="0">
+              <a:spAutoFit/>
+            </a:bodyPr>
+            <a:lstStyle/>
+            <a:p>
+              <a:r>
+                <a:rPr lang="pt-BR" dirty="0"/>
+                <a:t>colunas</a:t>
+              </a:r>
+            </a:p>
+          </p:txBody>
+        </p:sp>
+      </p:grpSp>
     </p:spTree>
   </p:cSld>
   <p:clrMapOvr>
@@ -17019,6 +17875,48 @@
           </a:p>
         </p:txBody>
       </p:sp>
+      <p:sp>
+        <p:nvSpPr>
+          <p:cNvPr id="6" name="CaixaDeTexto 5">
+            <a:extLst>
+              <a:ext uri="{FF2B5EF4-FFF2-40B4-BE49-F238E27FC236}">
+                <a16:creationId xmlns:a16="http://schemas.microsoft.com/office/drawing/2014/main" id="{6FBF1AB0-2C05-4BA3-AF45-879B2509C19B}"/>
+              </a:ext>
+            </a:extLst>
+          </p:cNvPr>
+          <p:cNvSpPr txBox="1"/>
+          <p:nvPr/>
+        </p:nvSpPr>
+        <p:spPr>
+          <a:xfrm rot="16200000">
+            <a:off x="-714272" y="5774776"/>
+            <a:ext cx="1800200" cy="276999"/>
+          </a:xfrm>
+          <a:prstGeom prst="rect">
+            <a:avLst/>
+          </a:prstGeom>
+          <a:noFill/>
+        </p:spPr>
+        <p:txBody>
+          <a:bodyPr wrap="square" rtlCol="0">
+            <a:spAutoFit/>
+          </a:bodyPr>
+          <a:lstStyle/>
+          <a:p>
+            <a:r>
+              <a:rPr lang="pt-BR" sz="1200" dirty="0">
+                <a:solidFill>
+                  <a:schemeClr val="bg2">
+                    <a:lumMod val="50000"/>
+                  </a:schemeClr>
+                </a:solidFill>
+                <a:latin typeface="+mj-lt"/>
+              </a:rPr>
+              <a:t>// MaxTemp.cpp</a:t>
+            </a:r>
+          </a:p>
+        </p:txBody>
+      </p:sp>
     </p:spTree>
   </p:cSld>
   <p:clrMapOvr>
@@ -17514,6 +18412,48 @@
                 <a:latin typeface="+mj-lt"/>
               </a:rPr>
               <a:t>}</a:t>
+            </a:r>
+          </a:p>
+        </p:txBody>
+      </p:sp>
+      <p:sp>
+        <p:nvSpPr>
+          <p:cNvPr id="5" name="CaixaDeTexto 4">
+            <a:extLst>
+              <a:ext uri="{FF2B5EF4-FFF2-40B4-BE49-F238E27FC236}">
+                <a16:creationId xmlns:a16="http://schemas.microsoft.com/office/drawing/2014/main" id="{870B7C8E-6CD7-4080-B7D5-DC60DDEF11D7}"/>
+              </a:ext>
+            </a:extLst>
+          </p:cNvPr>
+          <p:cNvSpPr txBox="1"/>
+          <p:nvPr/>
+        </p:nvSpPr>
+        <p:spPr>
+          <a:xfrm rot="16200000">
+            <a:off x="-714272" y="5774776"/>
+            <a:ext cx="1800200" cy="276999"/>
+          </a:xfrm>
+          <a:prstGeom prst="rect">
+            <a:avLst/>
+          </a:prstGeom>
+          <a:noFill/>
+        </p:spPr>
+        <p:txBody>
+          <a:bodyPr wrap="square" rtlCol="0">
+            <a:spAutoFit/>
+          </a:bodyPr>
+          <a:lstStyle/>
+          <a:p>
+            <a:r>
+              <a:rPr lang="pt-BR" sz="1200" dirty="0">
+                <a:solidFill>
+                  <a:schemeClr val="bg2">
+                    <a:lumMod val="50000"/>
+                  </a:schemeClr>
+                </a:solidFill>
+                <a:latin typeface="+mj-lt"/>
+              </a:rPr>
+              <a:t>// MaxTemp.cpp</a:t>
             </a:r>
           </a:p>
         </p:txBody>
@@ -17587,13 +18527,15 @@
           </a:bodyPr>
           <a:lstStyle/>
           <a:p>
+            <a:pPr>
+              <a:spcAft>
+                <a:spcPts val="1800"/>
+              </a:spcAft>
+            </a:pPr>
             <a:r>
               <a:rPr lang="pt-BR" dirty="0"/>
               <a:t>A saída do programa:</a:t>
             </a:r>
-          </a:p>
-          <a:p>
-            <a:endParaRPr lang="pt-BR" dirty="0"/>
           </a:p>
           <a:p>
             <a:endParaRPr lang="pt-BR" dirty="0"/>
@@ -17711,7 +18653,7 @@
         </p:nvSpPr>
         <p:spPr>
           <a:xfrm>
-            <a:off x="1644207" y="5517232"/>
+            <a:off x="1644207" y="5373216"/>
             <a:ext cx="7143800" cy="646331"/>
           </a:xfrm>
           <a:prstGeom prst="rect">
@@ -18060,7 +19002,7 @@
           <a:p>
             <a:r>
               <a:rPr lang="pt-BR" dirty="0"/>
-              <a:t>C++ oferece </a:t>
+              <a:t>A linguagem C++ oferece </a:t>
             </a:r>
             <a:r>
               <a:rPr lang="pt-BR" dirty="0">
@@ -18094,7 +19036,14 @@
             </a:br>
             <a:r>
               <a:rPr lang="pt-BR" dirty="0"/>
-              <a:t>Fornece uma maneira prática de controlar contadores através da inicialização-teste-atualização</a:t>
+              <a:t>Fornece uma maneira prática de controlar contadores </a:t>
+            </a:r>
+            <a:br>
+              <a:rPr lang="pt-BR" dirty="0"/>
+            </a:br>
+            <a:r>
+              <a:rPr lang="pt-BR" dirty="0"/>
+              <a:t>através da inicialização-teste-atualização</a:t>
             </a:r>
           </a:p>
           <a:p>
@@ -18114,7 +19063,14 @@
             </a:br>
             <a:r>
               <a:rPr lang="pt-BR" dirty="0"/>
-              <a:t>Indicado para repetir instruções um número desconhecido de vezes</a:t>
+              <a:t>Indicado para repetir instruções um </a:t>
+            </a:r>
+            <a:br>
+              <a:rPr lang="pt-BR" dirty="0"/>
+            </a:br>
+            <a:r>
+              <a:rPr lang="pt-BR" dirty="0"/>
+              <a:t>número desconhecido de vezes</a:t>
             </a:r>
           </a:p>
           <a:p>
@@ -18144,7 +19100,14 @@
             </a:br>
             <a:r>
               <a:rPr lang="pt-BR" dirty="0"/>
-              <a:t>Ideal para executar a repetição pelo menos uma vez</a:t>
+              <a:t>Ideal para executar a repetição </a:t>
+            </a:r>
+            <a:br>
+              <a:rPr lang="pt-BR" dirty="0"/>
+            </a:br>
+            <a:r>
+              <a:rPr lang="pt-BR" dirty="0"/>
+              <a:t>pelo menos uma vez</a:t>
             </a:r>
           </a:p>
         </p:txBody>
@@ -22480,6 +23443,48 @@
           </a:p>
         </p:txBody>
       </p:sp>
+      <p:sp>
+        <p:nvSpPr>
+          <p:cNvPr id="5" name="CaixaDeTexto 4">
+            <a:extLst>
+              <a:ext uri="{FF2B5EF4-FFF2-40B4-BE49-F238E27FC236}">
+                <a16:creationId xmlns:a16="http://schemas.microsoft.com/office/drawing/2014/main" id="{7D6E395E-6328-44ED-BEAA-91181C780419}"/>
+              </a:ext>
+            </a:extLst>
+          </p:cNvPr>
+          <p:cNvSpPr txBox="1"/>
+          <p:nvPr/>
+        </p:nvSpPr>
+        <p:spPr>
+          <a:xfrm rot="16200000">
+            <a:off x="-714272" y="5774776"/>
+            <a:ext cx="1800200" cy="276999"/>
+          </a:xfrm>
+          <a:prstGeom prst="rect">
+            <a:avLst/>
+          </a:prstGeom>
+          <a:noFill/>
+        </p:spPr>
+        <p:txBody>
+          <a:bodyPr wrap="square" rtlCol="0">
+            <a:spAutoFit/>
+          </a:bodyPr>
+          <a:lstStyle/>
+          <a:p>
+            <a:r>
+              <a:rPr lang="pt-BR" sz="1200" dirty="0">
+                <a:solidFill>
+                  <a:schemeClr val="bg2">
+                    <a:lumMod val="50000"/>
+                  </a:schemeClr>
+                </a:solidFill>
+                <a:latin typeface="+mj-lt"/>
+              </a:rPr>
+              <a:t>// Vetor2D.cpp</a:t>
+            </a:r>
+          </a:p>
+        </p:txBody>
+      </p:sp>
     </p:spTree>
     <p:extLst>
       <p:ext uri="{BB962C8B-B14F-4D97-AF65-F5344CB8AC3E}">
@@ -22494,6 +23499,2703 @@
 </file>
 
 <file path=ppt/slides/slide22.xml><?xml version="1.0" encoding="utf-8"?>
+<p:sld xmlns:a="http://schemas.openxmlformats.org/drawingml/2006/main" xmlns:r="http://schemas.openxmlformats.org/officeDocument/2006/relationships" xmlns:p="http://schemas.openxmlformats.org/presentationml/2006/main">
+  <p:cSld>
+    <p:spTree>
+      <p:nvGrpSpPr>
+        <p:cNvPr id="1" name=""/>
+        <p:cNvGrpSpPr/>
+        <p:nvPr/>
+      </p:nvGrpSpPr>
+      <p:grpSpPr>
+        <a:xfrm>
+          <a:off x="0" y="0"/>
+          <a:ext cx="0" cy="0"/>
+          <a:chOff x="0" y="0"/>
+          <a:chExt cx="0" cy="0"/>
+        </a:xfrm>
+      </p:grpSpPr>
+      <p:sp>
+        <p:nvSpPr>
+          <p:cNvPr id="87" name="Retângulo: Cantos Arredondados 86">
+            <a:extLst>
+              <a:ext uri="{FF2B5EF4-FFF2-40B4-BE49-F238E27FC236}">
+                <a16:creationId xmlns:a16="http://schemas.microsoft.com/office/drawing/2014/main" id="{149E3FE7-E090-427F-99D9-4D4FA9BBB963}"/>
+              </a:ext>
+            </a:extLst>
+          </p:cNvPr>
+          <p:cNvSpPr/>
+          <p:nvPr/>
+        </p:nvSpPr>
+        <p:spPr>
+          <a:xfrm>
+            <a:off x="7597211" y="5116331"/>
+            <a:ext cx="616314" cy="369333"/>
+          </a:xfrm>
+          <a:prstGeom prst="roundRect">
+            <a:avLst/>
+          </a:prstGeom>
+          <a:solidFill>
+            <a:schemeClr val="dk1">
+              <a:alpha val="50000"/>
+            </a:schemeClr>
+          </a:solidFill>
+          <a:ln>
+            <a:solidFill>
+              <a:schemeClr val="accent3">
+                <a:lumMod val="75000"/>
+              </a:schemeClr>
+            </a:solidFill>
+          </a:ln>
+        </p:spPr>
+        <p:style>
+          <a:lnRef idx="0">
+            <a:scrgbClr r="0" g="0" b="0"/>
+          </a:lnRef>
+          <a:fillRef idx="0">
+            <a:scrgbClr r="0" g="0" b="0"/>
+          </a:fillRef>
+          <a:effectRef idx="0">
+            <a:scrgbClr r="0" g="0" b="0"/>
+          </a:effectRef>
+          <a:fontRef idx="minor">
+            <a:schemeClr val="lt1"/>
+          </a:fontRef>
+        </p:style>
+        <p:txBody>
+          <a:bodyPr rtlCol="0" anchor="ctr"/>
+          <a:lstStyle/>
+          <a:p>
+            <a:pPr algn="ctr"/>
+            <a:endParaRPr lang="pt-BR"/>
+          </a:p>
+        </p:txBody>
+      </p:sp>
+      <p:sp>
+        <p:nvSpPr>
+          <p:cNvPr id="97" name="Retângulo: Cantos Arredondados 96">
+            <a:extLst>
+              <a:ext uri="{FF2B5EF4-FFF2-40B4-BE49-F238E27FC236}">
+                <a16:creationId xmlns:a16="http://schemas.microsoft.com/office/drawing/2014/main" id="{E32B0C7A-ED08-465C-A212-4137E5711455}"/>
+              </a:ext>
+            </a:extLst>
+          </p:cNvPr>
+          <p:cNvSpPr/>
+          <p:nvPr/>
+        </p:nvSpPr>
+        <p:spPr>
+          <a:xfrm>
+            <a:off x="5310752" y="5116331"/>
+            <a:ext cx="640483" cy="369333"/>
+          </a:xfrm>
+          <a:prstGeom prst="roundRect">
+            <a:avLst/>
+          </a:prstGeom>
+          <a:solidFill>
+            <a:schemeClr val="dk1">
+              <a:alpha val="50000"/>
+            </a:schemeClr>
+          </a:solidFill>
+          <a:ln>
+            <a:solidFill>
+              <a:schemeClr val="accent3">
+                <a:lumMod val="75000"/>
+              </a:schemeClr>
+            </a:solidFill>
+          </a:ln>
+        </p:spPr>
+        <p:style>
+          <a:lnRef idx="0">
+            <a:scrgbClr r="0" g="0" b="0"/>
+          </a:lnRef>
+          <a:fillRef idx="0">
+            <a:scrgbClr r="0" g="0" b="0"/>
+          </a:fillRef>
+          <a:effectRef idx="0">
+            <a:scrgbClr r="0" g="0" b="0"/>
+          </a:effectRef>
+          <a:fontRef idx="minor">
+            <a:schemeClr val="lt1"/>
+          </a:fontRef>
+        </p:style>
+        <p:txBody>
+          <a:bodyPr rtlCol="0" anchor="ctr"/>
+          <a:lstStyle/>
+          <a:p>
+            <a:pPr algn="ctr"/>
+            <a:endParaRPr lang="pt-BR"/>
+          </a:p>
+        </p:txBody>
+      </p:sp>
+      <p:sp>
+        <p:nvSpPr>
+          <p:cNvPr id="84" name="Retângulo: Cantos Arredondados 83">
+            <a:extLst>
+              <a:ext uri="{FF2B5EF4-FFF2-40B4-BE49-F238E27FC236}">
+                <a16:creationId xmlns:a16="http://schemas.microsoft.com/office/drawing/2014/main" id="{EDF20FBF-F689-4445-A3E9-115399EE7C7A}"/>
+              </a:ext>
+            </a:extLst>
+          </p:cNvPr>
+          <p:cNvSpPr/>
+          <p:nvPr/>
+        </p:nvSpPr>
+        <p:spPr>
+          <a:xfrm>
+            <a:off x="7597211" y="4569174"/>
+            <a:ext cx="616314" cy="369333"/>
+          </a:xfrm>
+          <a:prstGeom prst="roundRect">
+            <a:avLst/>
+          </a:prstGeom>
+          <a:solidFill>
+            <a:schemeClr val="dk1">
+              <a:alpha val="50000"/>
+            </a:schemeClr>
+          </a:solidFill>
+          <a:ln>
+            <a:solidFill>
+              <a:schemeClr val="accent3">
+                <a:lumMod val="75000"/>
+              </a:schemeClr>
+            </a:solidFill>
+          </a:ln>
+        </p:spPr>
+        <p:style>
+          <a:lnRef idx="0">
+            <a:scrgbClr r="0" g="0" b="0"/>
+          </a:lnRef>
+          <a:fillRef idx="0">
+            <a:scrgbClr r="0" g="0" b="0"/>
+          </a:fillRef>
+          <a:effectRef idx="0">
+            <a:scrgbClr r="0" g="0" b="0"/>
+          </a:effectRef>
+          <a:fontRef idx="minor">
+            <a:schemeClr val="lt1"/>
+          </a:fontRef>
+        </p:style>
+        <p:txBody>
+          <a:bodyPr rtlCol="0" anchor="ctr"/>
+          <a:lstStyle/>
+          <a:p>
+            <a:pPr algn="ctr"/>
+            <a:endParaRPr lang="pt-BR"/>
+          </a:p>
+        </p:txBody>
+      </p:sp>
+      <p:sp>
+        <p:nvSpPr>
+          <p:cNvPr id="10" name="Retângulo: Cantos Arredondados 9">
+            <a:extLst>
+              <a:ext uri="{FF2B5EF4-FFF2-40B4-BE49-F238E27FC236}">
+                <a16:creationId xmlns:a16="http://schemas.microsoft.com/office/drawing/2014/main" id="{56862278-7CA6-46BD-B08B-9F6908F7DA7B}"/>
+              </a:ext>
+            </a:extLst>
+          </p:cNvPr>
+          <p:cNvSpPr/>
+          <p:nvPr/>
+        </p:nvSpPr>
+        <p:spPr>
+          <a:xfrm>
+            <a:off x="5310752" y="4569174"/>
+            <a:ext cx="640483" cy="369333"/>
+          </a:xfrm>
+          <a:prstGeom prst="roundRect">
+            <a:avLst/>
+          </a:prstGeom>
+          <a:solidFill>
+            <a:schemeClr val="dk1">
+              <a:alpha val="50000"/>
+            </a:schemeClr>
+          </a:solidFill>
+          <a:ln>
+            <a:solidFill>
+              <a:schemeClr val="accent3">
+                <a:lumMod val="75000"/>
+              </a:schemeClr>
+            </a:solidFill>
+          </a:ln>
+        </p:spPr>
+        <p:style>
+          <a:lnRef idx="0">
+            <a:scrgbClr r="0" g="0" b="0"/>
+          </a:lnRef>
+          <a:fillRef idx="0">
+            <a:scrgbClr r="0" g="0" b="0"/>
+          </a:fillRef>
+          <a:effectRef idx="0">
+            <a:scrgbClr r="0" g="0" b="0"/>
+          </a:effectRef>
+          <a:fontRef idx="minor">
+            <a:schemeClr val="lt1"/>
+          </a:fontRef>
+        </p:style>
+        <p:txBody>
+          <a:bodyPr rtlCol="0" anchor="ctr"/>
+          <a:lstStyle/>
+          <a:p>
+            <a:pPr algn="ctr"/>
+            <a:endParaRPr lang="pt-BR"/>
+          </a:p>
+        </p:txBody>
+      </p:sp>
+      <p:sp>
+        <p:nvSpPr>
+          <p:cNvPr id="2" name="Título 1"/>
+          <p:cNvSpPr>
+            <a:spLocks noGrp="1"/>
+          </p:cNvSpPr>
+          <p:nvPr>
+            <p:ph type="title"/>
+          </p:nvPr>
+        </p:nvSpPr>
+        <p:spPr/>
+        <p:txBody>
+          <a:bodyPr/>
+          <a:lstStyle/>
+          <a:p>
+            <a:r>
+              <a:rPr lang="pt-BR" dirty="0"/>
+              <a:t>Matriz Dinâmica</a:t>
+            </a:r>
+          </a:p>
+        </p:txBody>
+      </p:sp>
+      <p:sp>
+        <p:nvSpPr>
+          <p:cNvPr id="3" name="Espaço Reservado para Conteúdo 2"/>
+          <p:cNvSpPr>
+            <a:spLocks noGrp="1"/>
+          </p:cNvSpPr>
+          <p:nvPr>
+            <p:ph idx="1"/>
+          </p:nvPr>
+        </p:nvSpPr>
+        <p:spPr>
+          <a:xfrm>
+            <a:off x="1148535" y="1827340"/>
+            <a:ext cx="10363200" cy="4572000"/>
+          </a:xfrm>
+        </p:spPr>
+        <p:txBody>
+          <a:bodyPr/>
+          <a:lstStyle/>
+          <a:p>
+            <a:r>
+              <a:rPr lang="pt-BR" dirty="0"/>
+              <a:t>Criando um </a:t>
+            </a:r>
+            <a:r>
+              <a:rPr lang="pt-BR" dirty="0">
+                <a:solidFill>
+                  <a:schemeClr val="accent3">
+                    <a:lumMod val="75000"/>
+                  </a:schemeClr>
+                </a:solidFill>
+              </a:rPr>
+              <a:t>vetor de vetores dinâmicos</a:t>
+            </a:r>
+          </a:p>
+        </p:txBody>
+      </p:sp>
+      <p:sp>
+        <p:nvSpPr>
+          <p:cNvPr id="46" name="Retângulo 45"/>
+          <p:cNvSpPr/>
+          <p:nvPr/>
+        </p:nvSpPr>
+        <p:spPr>
+          <a:xfrm>
+            <a:off x="1834325" y="2577678"/>
+            <a:ext cx="4110421" cy="923330"/>
+          </a:xfrm>
+          <a:prstGeom prst="rect">
+            <a:avLst/>
+          </a:prstGeom>
+        </p:spPr>
+        <p:txBody>
+          <a:bodyPr wrap="none">
+            <a:spAutoFit/>
+          </a:bodyPr>
+          <a:lstStyle/>
+          <a:p>
+            <a:r>
+              <a:rPr lang="pt-BR" dirty="0" err="1">
+                <a:solidFill>
+                  <a:schemeClr val="accent3">
+                    <a:lumMod val="75000"/>
+                  </a:schemeClr>
+                </a:solidFill>
+                <a:latin typeface="+mj-lt"/>
+              </a:rPr>
+              <a:t>int</a:t>
+            </a:r>
+            <a:r>
+              <a:rPr lang="pt-BR" dirty="0">
+                <a:solidFill>
+                  <a:schemeClr val="accent3">
+                    <a:lumMod val="75000"/>
+                  </a:schemeClr>
+                </a:solidFill>
+                <a:latin typeface="+mj-lt"/>
+              </a:rPr>
+              <a:t> </a:t>
+            </a:r>
+            <a:r>
+              <a:rPr lang="pt-BR" dirty="0">
+                <a:latin typeface="+mj-lt"/>
+              </a:rPr>
+              <a:t>linhas = 4;</a:t>
+            </a:r>
+          </a:p>
+          <a:p>
+            <a:r>
+              <a:rPr lang="pt-BR" dirty="0" err="1">
+                <a:solidFill>
+                  <a:schemeClr val="accent3">
+                    <a:lumMod val="75000"/>
+                  </a:schemeClr>
+                </a:solidFill>
+                <a:latin typeface="+mj-lt"/>
+              </a:rPr>
+              <a:t>int</a:t>
+            </a:r>
+            <a:r>
+              <a:rPr lang="pt-BR" dirty="0">
+                <a:latin typeface="+mj-lt"/>
+              </a:rPr>
+              <a:t> colunas = 5;</a:t>
+            </a:r>
+          </a:p>
+          <a:p>
+            <a:r>
+              <a:rPr lang="pt-BR" dirty="0" err="1">
+                <a:solidFill>
+                  <a:schemeClr val="accent3">
+                    <a:lumMod val="75000"/>
+                  </a:schemeClr>
+                </a:solidFill>
+                <a:latin typeface="+mj-lt"/>
+              </a:rPr>
+              <a:t>int</a:t>
+            </a:r>
+            <a:r>
+              <a:rPr lang="pt-BR" dirty="0">
+                <a:solidFill>
+                  <a:schemeClr val="accent3">
+                    <a:lumMod val="75000"/>
+                  </a:schemeClr>
+                </a:solidFill>
+                <a:latin typeface="+mj-lt"/>
+              </a:rPr>
+              <a:t> </a:t>
+            </a:r>
+            <a:r>
+              <a:rPr lang="pt-BR" dirty="0">
+                <a:latin typeface="+mj-lt"/>
+              </a:rPr>
+              <a:t>** </a:t>
+            </a:r>
+            <a:r>
+              <a:rPr lang="pt-BR" dirty="0" err="1">
+                <a:latin typeface="+mj-lt"/>
+              </a:rPr>
+              <a:t>mat</a:t>
+            </a:r>
+            <a:r>
+              <a:rPr lang="pt-BR" dirty="0">
+                <a:latin typeface="+mj-lt"/>
+              </a:rPr>
+              <a:t> = </a:t>
+            </a:r>
+            <a:r>
+              <a:rPr lang="pt-BR" dirty="0">
+                <a:solidFill>
+                  <a:schemeClr val="accent3">
+                    <a:lumMod val="75000"/>
+                  </a:schemeClr>
+                </a:solidFill>
+                <a:latin typeface="+mj-lt"/>
+              </a:rPr>
+              <a:t>new</a:t>
+            </a:r>
+            <a:r>
+              <a:rPr lang="pt-BR" dirty="0">
+                <a:latin typeface="+mj-lt"/>
+              </a:rPr>
+              <a:t> </a:t>
+            </a:r>
+            <a:r>
+              <a:rPr lang="pt-BR" dirty="0" err="1">
+                <a:solidFill>
+                  <a:schemeClr val="accent3">
+                    <a:lumMod val="75000"/>
+                  </a:schemeClr>
+                </a:solidFill>
+                <a:latin typeface="+mj-lt"/>
+              </a:rPr>
+              <a:t>int</a:t>
+            </a:r>
+            <a:r>
+              <a:rPr lang="pt-BR" dirty="0">
+                <a:latin typeface="+mj-lt"/>
+              </a:rPr>
+              <a:t>* [linhas];</a:t>
+            </a:r>
+          </a:p>
+        </p:txBody>
+      </p:sp>
+      <p:grpSp>
+        <p:nvGrpSpPr>
+          <p:cNvPr id="4" name="Agrupar 3">
+            <a:extLst>
+              <a:ext uri="{FF2B5EF4-FFF2-40B4-BE49-F238E27FC236}">
+                <a16:creationId xmlns:a16="http://schemas.microsoft.com/office/drawing/2014/main" id="{AAE46541-60A4-4E24-A3C2-01D271706C98}"/>
+              </a:ext>
+            </a:extLst>
+          </p:cNvPr>
+          <p:cNvGrpSpPr/>
+          <p:nvPr/>
+        </p:nvGrpSpPr>
+        <p:grpSpPr>
+          <a:xfrm>
+            <a:off x="1705223" y="3933056"/>
+            <a:ext cx="2404387" cy="2034192"/>
+            <a:chOff x="1705223" y="4251209"/>
+            <a:chExt cx="2404387" cy="2034192"/>
+          </a:xfrm>
+        </p:grpSpPr>
+        <p:sp>
+          <p:nvSpPr>
+            <p:cNvPr id="67" name="CaixaDeTexto 66"/>
+            <p:cNvSpPr txBox="1"/>
+            <p:nvPr/>
+          </p:nvSpPr>
+          <p:spPr>
+            <a:xfrm>
+              <a:off x="2679004" y="4251209"/>
+              <a:ext cx="269626" cy="276999"/>
+            </a:xfrm>
+            <a:prstGeom prst="rect">
+              <a:avLst/>
+            </a:prstGeom>
+            <a:noFill/>
+          </p:spPr>
+          <p:txBody>
+            <a:bodyPr wrap="none" rtlCol="0">
+              <a:spAutoFit/>
+            </a:bodyPr>
+            <a:lstStyle/>
+            <a:p>
+              <a:r>
+                <a:rPr lang="pt-BR" sz="1200" dirty="0">
+                  <a:latin typeface="+mj-lt"/>
+                </a:rPr>
+                <a:t>0</a:t>
+              </a:r>
+            </a:p>
+          </p:txBody>
+        </p:sp>
+        <p:sp>
+          <p:nvSpPr>
+            <p:cNvPr id="68" name="CaixaDeTexto 67"/>
+            <p:cNvSpPr txBox="1"/>
+            <p:nvPr/>
+          </p:nvSpPr>
+          <p:spPr>
+            <a:xfrm>
+              <a:off x="2953249" y="4251209"/>
+              <a:ext cx="269626" cy="276999"/>
+            </a:xfrm>
+            <a:prstGeom prst="rect">
+              <a:avLst/>
+            </a:prstGeom>
+            <a:noFill/>
+          </p:spPr>
+          <p:txBody>
+            <a:bodyPr wrap="none" rtlCol="0">
+              <a:spAutoFit/>
+            </a:bodyPr>
+            <a:lstStyle/>
+            <a:p>
+              <a:r>
+                <a:rPr lang="pt-BR" sz="1200" dirty="0">
+                  <a:latin typeface="+mj-lt"/>
+                </a:rPr>
+                <a:t>1</a:t>
+              </a:r>
+            </a:p>
+          </p:txBody>
+        </p:sp>
+        <p:sp>
+          <p:nvSpPr>
+            <p:cNvPr id="69" name="CaixaDeTexto 68"/>
+            <p:cNvSpPr txBox="1"/>
+            <p:nvPr/>
+          </p:nvSpPr>
+          <p:spPr>
+            <a:xfrm>
+              <a:off x="3235807" y="4251209"/>
+              <a:ext cx="269626" cy="276999"/>
+            </a:xfrm>
+            <a:prstGeom prst="rect">
+              <a:avLst/>
+            </a:prstGeom>
+            <a:noFill/>
+          </p:spPr>
+          <p:txBody>
+            <a:bodyPr wrap="none" rtlCol="0">
+              <a:spAutoFit/>
+            </a:bodyPr>
+            <a:lstStyle/>
+            <a:p>
+              <a:r>
+                <a:rPr lang="pt-BR" sz="1200" dirty="0">
+                  <a:latin typeface="+mj-lt"/>
+                </a:rPr>
+                <a:t>2</a:t>
+              </a:r>
+            </a:p>
+          </p:txBody>
+        </p:sp>
+        <p:sp>
+          <p:nvSpPr>
+            <p:cNvPr id="70" name="CaixaDeTexto 69"/>
+            <p:cNvSpPr txBox="1"/>
+            <p:nvPr/>
+          </p:nvSpPr>
+          <p:spPr>
+            <a:xfrm>
+              <a:off x="3549613" y="4251209"/>
+              <a:ext cx="269626" cy="276999"/>
+            </a:xfrm>
+            <a:prstGeom prst="rect">
+              <a:avLst/>
+            </a:prstGeom>
+            <a:noFill/>
+          </p:spPr>
+          <p:txBody>
+            <a:bodyPr wrap="none" rtlCol="0">
+              <a:spAutoFit/>
+            </a:bodyPr>
+            <a:lstStyle/>
+            <a:p>
+              <a:r>
+                <a:rPr lang="pt-BR" sz="1200" dirty="0">
+                  <a:latin typeface="+mj-lt"/>
+                </a:rPr>
+                <a:t>3</a:t>
+              </a:r>
+            </a:p>
+          </p:txBody>
+        </p:sp>
+        <p:sp>
+          <p:nvSpPr>
+            <p:cNvPr id="71" name="CaixaDeTexto 70"/>
+            <p:cNvSpPr txBox="1"/>
+            <p:nvPr/>
+          </p:nvSpPr>
+          <p:spPr>
+            <a:xfrm>
+              <a:off x="3823858" y="4260938"/>
+              <a:ext cx="269626" cy="276999"/>
+            </a:xfrm>
+            <a:prstGeom prst="rect">
+              <a:avLst/>
+            </a:prstGeom>
+            <a:noFill/>
+          </p:spPr>
+          <p:txBody>
+            <a:bodyPr wrap="none" rtlCol="0">
+              <a:spAutoFit/>
+            </a:bodyPr>
+            <a:lstStyle/>
+            <a:p>
+              <a:r>
+                <a:rPr lang="pt-BR" sz="1200" dirty="0">
+                  <a:latin typeface="+mj-lt"/>
+                </a:rPr>
+                <a:t>4</a:t>
+              </a:r>
+            </a:p>
+          </p:txBody>
+        </p:sp>
+        <p:sp>
+          <p:nvSpPr>
+            <p:cNvPr id="88" name="Retângulo 87"/>
+            <p:cNvSpPr/>
+            <p:nvPr/>
+          </p:nvSpPr>
+          <p:spPr>
+            <a:xfrm>
+              <a:off x="2680850" y="4608929"/>
+              <a:ext cx="285752" cy="357984"/>
+            </a:xfrm>
+            <a:prstGeom prst="rect">
+              <a:avLst/>
+            </a:prstGeom>
+            <a:solidFill>
+              <a:schemeClr val="accent3">
+                <a:lumMod val="75000"/>
+              </a:schemeClr>
+            </a:solidFill>
+            <a:ln>
+              <a:solidFill>
+                <a:schemeClr val="tx1"/>
+              </a:solidFill>
+            </a:ln>
+            <a:effectLst/>
+          </p:spPr>
+          <p:style>
+            <a:lnRef idx="2">
+              <a:schemeClr val="accent1">
+                <a:shade val="50000"/>
+              </a:schemeClr>
+            </a:lnRef>
+            <a:fillRef idx="1">
+              <a:schemeClr val="accent1"/>
+            </a:fillRef>
+            <a:effectRef idx="0">
+              <a:schemeClr val="accent1"/>
+            </a:effectRef>
+            <a:fontRef idx="minor">
+              <a:schemeClr val="lt1"/>
+            </a:fontRef>
+          </p:style>
+          <p:txBody>
+            <a:bodyPr rtlCol="0" anchor="ctr"/>
+            <a:lstStyle/>
+            <a:p>
+              <a:pPr algn="ctr"/>
+              <a:endParaRPr lang="pt-BR">
+                <a:solidFill>
+                  <a:schemeClr val="tx1"/>
+                </a:solidFill>
+              </a:endParaRPr>
+            </a:p>
+          </p:txBody>
+        </p:sp>
+        <p:sp>
+          <p:nvSpPr>
+            <p:cNvPr id="89" name="Retângulo 88"/>
+            <p:cNvSpPr/>
+            <p:nvPr/>
+          </p:nvSpPr>
+          <p:spPr>
+            <a:xfrm>
+              <a:off x="2966602" y="4608929"/>
+              <a:ext cx="285752" cy="357190"/>
+            </a:xfrm>
+            <a:prstGeom prst="rect">
+              <a:avLst/>
+            </a:prstGeom>
+            <a:solidFill>
+              <a:schemeClr val="accent3">
+                <a:lumMod val="75000"/>
+              </a:schemeClr>
+            </a:solidFill>
+            <a:ln>
+              <a:solidFill>
+                <a:schemeClr val="tx1"/>
+              </a:solidFill>
+            </a:ln>
+            <a:effectLst/>
+          </p:spPr>
+          <p:style>
+            <a:lnRef idx="2">
+              <a:schemeClr val="accent1">
+                <a:shade val="50000"/>
+              </a:schemeClr>
+            </a:lnRef>
+            <a:fillRef idx="1">
+              <a:schemeClr val="accent1"/>
+            </a:fillRef>
+            <a:effectRef idx="0">
+              <a:schemeClr val="accent1"/>
+            </a:effectRef>
+            <a:fontRef idx="minor">
+              <a:schemeClr val="lt1"/>
+            </a:fontRef>
+          </p:style>
+          <p:txBody>
+            <a:bodyPr rtlCol="0" anchor="ctr"/>
+            <a:lstStyle/>
+            <a:p>
+              <a:pPr algn="ctr"/>
+              <a:endParaRPr lang="pt-BR" sz="1600" dirty="0">
+                <a:solidFill>
+                  <a:schemeClr val="tx1"/>
+                </a:solidFill>
+                <a:latin typeface="+mj-lt"/>
+              </a:endParaRPr>
+            </a:p>
+          </p:txBody>
+        </p:sp>
+        <p:sp>
+          <p:nvSpPr>
+            <p:cNvPr id="90" name="Retângulo 89"/>
+            <p:cNvSpPr/>
+            <p:nvPr/>
+          </p:nvSpPr>
+          <p:spPr>
+            <a:xfrm>
+              <a:off x="3252354" y="4608929"/>
+              <a:ext cx="285752" cy="357190"/>
+            </a:xfrm>
+            <a:prstGeom prst="rect">
+              <a:avLst/>
+            </a:prstGeom>
+            <a:solidFill>
+              <a:schemeClr val="accent3">
+                <a:lumMod val="75000"/>
+              </a:schemeClr>
+            </a:solidFill>
+            <a:ln>
+              <a:solidFill>
+                <a:schemeClr val="tx1"/>
+              </a:solidFill>
+            </a:ln>
+            <a:effectLst/>
+          </p:spPr>
+          <p:style>
+            <a:lnRef idx="2">
+              <a:schemeClr val="accent1">
+                <a:shade val="50000"/>
+              </a:schemeClr>
+            </a:lnRef>
+            <a:fillRef idx="1">
+              <a:schemeClr val="accent1"/>
+            </a:fillRef>
+            <a:effectRef idx="0">
+              <a:schemeClr val="accent1"/>
+            </a:effectRef>
+            <a:fontRef idx="minor">
+              <a:schemeClr val="lt1"/>
+            </a:fontRef>
+          </p:style>
+          <p:txBody>
+            <a:bodyPr rtlCol="0" anchor="ctr"/>
+            <a:lstStyle/>
+            <a:p>
+              <a:pPr algn="ctr"/>
+              <a:endParaRPr lang="pt-BR">
+                <a:solidFill>
+                  <a:schemeClr val="tx1"/>
+                </a:solidFill>
+              </a:endParaRPr>
+            </a:p>
+          </p:txBody>
+        </p:sp>
+        <p:sp>
+          <p:nvSpPr>
+            <p:cNvPr id="91" name="Retângulo 90"/>
+            <p:cNvSpPr/>
+            <p:nvPr/>
+          </p:nvSpPr>
+          <p:spPr>
+            <a:xfrm>
+              <a:off x="3538106" y="4608929"/>
+              <a:ext cx="285752" cy="357190"/>
+            </a:xfrm>
+            <a:prstGeom prst="rect">
+              <a:avLst/>
+            </a:prstGeom>
+            <a:solidFill>
+              <a:schemeClr val="accent3">
+                <a:lumMod val="75000"/>
+              </a:schemeClr>
+            </a:solidFill>
+            <a:ln>
+              <a:solidFill>
+                <a:schemeClr val="tx1"/>
+              </a:solidFill>
+            </a:ln>
+            <a:effectLst/>
+          </p:spPr>
+          <p:style>
+            <a:lnRef idx="2">
+              <a:schemeClr val="accent1">
+                <a:shade val="50000"/>
+              </a:schemeClr>
+            </a:lnRef>
+            <a:fillRef idx="1">
+              <a:schemeClr val="accent1"/>
+            </a:fillRef>
+            <a:effectRef idx="0">
+              <a:schemeClr val="accent1"/>
+            </a:effectRef>
+            <a:fontRef idx="minor">
+              <a:schemeClr val="lt1"/>
+            </a:fontRef>
+          </p:style>
+          <p:txBody>
+            <a:bodyPr rtlCol="0" anchor="ctr"/>
+            <a:lstStyle/>
+            <a:p>
+              <a:pPr algn="ctr"/>
+              <a:endParaRPr lang="pt-BR">
+                <a:solidFill>
+                  <a:schemeClr val="tx1"/>
+                </a:solidFill>
+              </a:endParaRPr>
+            </a:p>
+          </p:txBody>
+        </p:sp>
+        <p:sp>
+          <p:nvSpPr>
+            <p:cNvPr id="126" name="Retângulo 125"/>
+            <p:cNvSpPr/>
+            <p:nvPr/>
+          </p:nvSpPr>
+          <p:spPr>
+            <a:xfrm>
+              <a:off x="3823858" y="4608929"/>
+              <a:ext cx="285752" cy="357190"/>
+            </a:xfrm>
+            <a:prstGeom prst="rect">
+              <a:avLst/>
+            </a:prstGeom>
+            <a:solidFill>
+              <a:schemeClr val="accent3">
+                <a:lumMod val="75000"/>
+              </a:schemeClr>
+            </a:solidFill>
+            <a:ln>
+              <a:solidFill>
+                <a:schemeClr val="tx1"/>
+              </a:solidFill>
+            </a:ln>
+            <a:effectLst/>
+          </p:spPr>
+          <p:style>
+            <a:lnRef idx="2">
+              <a:schemeClr val="accent1">
+                <a:shade val="50000"/>
+              </a:schemeClr>
+            </a:lnRef>
+            <a:fillRef idx="1">
+              <a:schemeClr val="accent1"/>
+            </a:fillRef>
+            <a:effectRef idx="0">
+              <a:schemeClr val="accent1"/>
+            </a:effectRef>
+            <a:fontRef idx="minor">
+              <a:schemeClr val="lt1"/>
+            </a:fontRef>
+          </p:style>
+          <p:txBody>
+            <a:bodyPr rtlCol="0" anchor="ctr"/>
+            <a:lstStyle/>
+            <a:p>
+              <a:pPr algn="ctr"/>
+              <a:endParaRPr lang="pt-BR">
+                <a:solidFill>
+                  <a:schemeClr val="tx1"/>
+                </a:solidFill>
+              </a:endParaRPr>
+            </a:p>
+          </p:txBody>
+        </p:sp>
+        <p:sp>
+          <p:nvSpPr>
+            <p:cNvPr id="134" name="Retângulo 133"/>
+            <p:cNvSpPr/>
+            <p:nvPr/>
+          </p:nvSpPr>
+          <p:spPr>
+            <a:xfrm>
+              <a:off x="1979819" y="5429779"/>
+              <a:ext cx="285752" cy="426668"/>
+            </a:xfrm>
+            <a:prstGeom prst="rect">
+              <a:avLst/>
+            </a:prstGeom>
+            <a:solidFill>
+              <a:schemeClr val="accent3">
+                <a:lumMod val="75000"/>
+              </a:schemeClr>
+            </a:solidFill>
+            <a:ln>
+              <a:noFill/>
+            </a:ln>
+            <a:effectLst>
+              <a:outerShdw blurRad="107950" dist="12700" dir="5400000" algn="ctr">
+                <a:srgbClr val="000000"/>
+              </a:outerShdw>
+            </a:effectLst>
+            <a:scene3d>
+              <a:camera prst="orthographicFront">
+                <a:rot lat="0" lon="0" rev="0"/>
+              </a:camera>
+              <a:lightRig rig="soft" dir="t">
+                <a:rot lat="0" lon="0" rev="0"/>
+              </a:lightRig>
+            </a:scene3d>
+            <a:sp3d contourW="44450" prstMaterial="matte">
+              <a:bevelT w="63500" h="63500" prst="artDeco"/>
+              <a:contourClr>
+                <a:srgbClr val="FFFFFF"/>
+              </a:contourClr>
+            </a:sp3d>
+          </p:spPr>
+          <p:style>
+            <a:lnRef idx="2">
+              <a:schemeClr val="accent1">
+                <a:shade val="50000"/>
+              </a:schemeClr>
+            </a:lnRef>
+            <a:fillRef idx="1">
+              <a:schemeClr val="accent1"/>
+            </a:fillRef>
+            <a:effectRef idx="0">
+              <a:schemeClr val="accent1"/>
+            </a:effectRef>
+            <a:fontRef idx="minor">
+              <a:schemeClr val="lt1"/>
+            </a:fontRef>
+          </p:style>
+          <p:txBody>
+            <a:bodyPr rtlCol="0" anchor="ctr"/>
+            <a:lstStyle/>
+            <a:p>
+              <a:pPr algn="ctr"/>
+              <a:endParaRPr lang="pt-BR">
+                <a:solidFill>
+                  <a:schemeClr val="tx1"/>
+                </a:solidFill>
+              </a:endParaRPr>
+            </a:p>
+          </p:txBody>
+        </p:sp>
+        <p:sp>
+          <p:nvSpPr>
+            <p:cNvPr id="135" name="Retângulo 134"/>
+            <p:cNvSpPr/>
+            <p:nvPr/>
+          </p:nvSpPr>
+          <p:spPr>
+            <a:xfrm>
+              <a:off x="1979819" y="4989464"/>
+              <a:ext cx="285752" cy="426668"/>
+            </a:xfrm>
+            <a:prstGeom prst="rect">
+              <a:avLst/>
+            </a:prstGeom>
+            <a:solidFill>
+              <a:schemeClr val="accent3">
+                <a:lumMod val="75000"/>
+              </a:schemeClr>
+            </a:solidFill>
+            <a:ln>
+              <a:noFill/>
+            </a:ln>
+            <a:effectLst>
+              <a:outerShdw blurRad="107950" dist="12700" dir="5400000" algn="ctr">
+                <a:srgbClr val="000000"/>
+              </a:outerShdw>
+            </a:effectLst>
+            <a:scene3d>
+              <a:camera prst="orthographicFront">
+                <a:rot lat="0" lon="0" rev="0"/>
+              </a:camera>
+              <a:lightRig rig="soft" dir="t">
+                <a:rot lat="0" lon="0" rev="0"/>
+              </a:lightRig>
+            </a:scene3d>
+            <a:sp3d contourW="44450" prstMaterial="matte">
+              <a:bevelT w="63500" h="63500" prst="artDeco"/>
+              <a:contourClr>
+                <a:srgbClr val="FFFFFF"/>
+              </a:contourClr>
+            </a:sp3d>
+          </p:spPr>
+          <p:style>
+            <a:lnRef idx="2">
+              <a:schemeClr val="accent1">
+                <a:shade val="50000"/>
+              </a:schemeClr>
+            </a:lnRef>
+            <a:fillRef idx="1">
+              <a:schemeClr val="accent1"/>
+            </a:fillRef>
+            <a:effectRef idx="0">
+              <a:schemeClr val="accent1"/>
+            </a:effectRef>
+            <a:fontRef idx="minor">
+              <a:schemeClr val="lt1"/>
+            </a:fontRef>
+          </p:style>
+          <p:txBody>
+            <a:bodyPr rtlCol="0" anchor="ctr"/>
+            <a:lstStyle/>
+            <a:p>
+              <a:pPr algn="ctr"/>
+              <a:endParaRPr lang="pt-BR" sz="1600" dirty="0">
+                <a:solidFill>
+                  <a:schemeClr val="tx1"/>
+                </a:solidFill>
+                <a:latin typeface="+mj-lt"/>
+              </a:endParaRPr>
+            </a:p>
+          </p:txBody>
+        </p:sp>
+        <p:sp>
+          <p:nvSpPr>
+            <p:cNvPr id="136" name="Retângulo 135"/>
+            <p:cNvSpPr/>
+            <p:nvPr/>
+          </p:nvSpPr>
+          <p:spPr>
+            <a:xfrm>
+              <a:off x="1979819" y="5858733"/>
+              <a:ext cx="285752" cy="426668"/>
+            </a:xfrm>
+            <a:prstGeom prst="rect">
+              <a:avLst/>
+            </a:prstGeom>
+            <a:solidFill>
+              <a:schemeClr val="accent3">
+                <a:lumMod val="75000"/>
+              </a:schemeClr>
+            </a:solidFill>
+            <a:ln>
+              <a:noFill/>
+            </a:ln>
+            <a:effectLst>
+              <a:outerShdw blurRad="107950" dist="12700" dir="5400000" algn="ctr">
+                <a:srgbClr val="000000"/>
+              </a:outerShdw>
+            </a:effectLst>
+            <a:scene3d>
+              <a:camera prst="orthographicFront">
+                <a:rot lat="0" lon="0" rev="0"/>
+              </a:camera>
+              <a:lightRig rig="soft" dir="t">
+                <a:rot lat="0" lon="0" rev="0"/>
+              </a:lightRig>
+            </a:scene3d>
+            <a:sp3d contourW="44450" prstMaterial="matte">
+              <a:bevelT w="63500" h="63500" prst="artDeco"/>
+              <a:contourClr>
+                <a:srgbClr val="FFFFFF"/>
+              </a:contourClr>
+            </a:sp3d>
+          </p:spPr>
+          <p:style>
+            <a:lnRef idx="2">
+              <a:schemeClr val="accent1">
+                <a:shade val="50000"/>
+              </a:schemeClr>
+            </a:lnRef>
+            <a:fillRef idx="1">
+              <a:schemeClr val="accent1"/>
+            </a:fillRef>
+            <a:effectRef idx="0">
+              <a:schemeClr val="accent1"/>
+            </a:effectRef>
+            <a:fontRef idx="minor">
+              <a:schemeClr val="lt1"/>
+            </a:fontRef>
+          </p:style>
+          <p:txBody>
+            <a:bodyPr rtlCol="0" anchor="ctr"/>
+            <a:lstStyle/>
+            <a:p>
+              <a:pPr algn="ctr"/>
+              <a:endParaRPr lang="pt-BR">
+                <a:solidFill>
+                  <a:schemeClr val="tx1"/>
+                </a:solidFill>
+              </a:endParaRPr>
+            </a:p>
+          </p:txBody>
+        </p:sp>
+        <p:sp>
+          <p:nvSpPr>
+            <p:cNvPr id="138" name="Retângulo 137"/>
+            <p:cNvSpPr/>
+            <p:nvPr/>
+          </p:nvSpPr>
+          <p:spPr>
+            <a:xfrm>
+              <a:off x="1979819" y="4571824"/>
+              <a:ext cx="285752" cy="426668"/>
+            </a:xfrm>
+            <a:prstGeom prst="rect">
+              <a:avLst/>
+            </a:prstGeom>
+            <a:solidFill>
+              <a:schemeClr val="accent3">
+                <a:lumMod val="75000"/>
+              </a:schemeClr>
+            </a:solidFill>
+            <a:ln>
+              <a:noFill/>
+            </a:ln>
+            <a:effectLst>
+              <a:outerShdw blurRad="107950" dist="12700" dir="5400000" algn="ctr">
+                <a:srgbClr val="000000"/>
+              </a:outerShdw>
+            </a:effectLst>
+            <a:scene3d>
+              <a:camera prst="orthographicFront">
+                <a:rot lat="0" lon="0" rev="0"/>
+              </a:camera>
+              <a:lightRig rig="soft" dir="t">
+                <a:rot lat="0" lon="0" rev="0"/>
+              </a:lightRig>
+            </a:scene3d>
+            <a:sp3d contourW="44450" prstMaterial="matte">
+              <a:bevelT w="63500" h="63500" prst="artDeco"/>
+              <a:contourClr>
+                <a:srgbClr val="FFFFFF"/>
+              </a:contourClr>
+            </a:sp3d>
+          </p:spPr>
+          <p:style>
+            <a:lnRef idx="2">
+              <a:schemeClr val="accent1">
+                <a:shade val="50000"/>
+              </a:schemeClr>
+            </a:lnRef>
+            <a:fillRef idx="1">
+              <a:schemeClr val="accent1"/>
+            </a:fillRef>
+            <a:effectRef idx="0">
+              <a:schemeClr val="accent1"/>
+            </a:effectRef>
+            <a:fontRef idx="minor">
+              <a:schemeClr val="lt1"/>
+            </a:fontRef>
+          </p:style>
+          <p:txBody>
+            <a:bodyPr rtlCol="0" anchor="ctr"/>
+            <a:lstStyle/>
+            <a:p>
+              <a:pPr algn="ctr"/>
+              <a:endParaRPr lang="pt-BR">
+                <a:solidFill>
+                  <a:schemeClr val="tx1"/>
+                </a:solidFill>
+              </a:endParaRPr>
+            </a:p>
+          </p:txBody>
+        </p:sp>
+        <p:cxnSp>
+          <p:nvCxnSpPr>
+            <p:cNvPr id="11" name="Conector de Seta Reta 10"/>
+            <p:cNvCxnSpPr>
+              <a:cxnSpLocks/>
+              <a:endCxn id="88" idx="1"/>
+            </p:cNvCxnSpPr>
+            <p:nvPr/>
+          </p:nvCxnSpPr>
+          <p:spPr>
+            <a:xfrm flipV="1">
+              <a:off x="2134950" y="4787921"/>
+              <a:ext cx="545900" cy="9435"/>
+            </a:xfrm>
+            <a:prstGeom prst="straightConnector1">
+              <a:avLst/>
+            </a:prstGeom>
+            <a:ln w="19050">
+              <a:solidFill>
+                <a:schemeClr val="tx1"/>
+              </a:solidFill>
+              <a:headEnd type="oval"/>
+              <a:tailEnd type="triangle" w="lg" len="med"/>
+            </a:ln>
+          </p:spPr>
+          <p:style>
+            <a:lnRef idx="1">
+              <a:schemeClr val="accent1"/>
+            </a:lnRef>
+            <a:fillRef idx="0">
+              <a:schemeClr val="accent1"/>
+            </a:fillRef>
+            <a:effectRef idx="0">
+              <a:schemeClr val="accent1"/>
+            </a:effectRef>
+            <a:fontRef idx="minor">
+              <a:schemeClr val="tx1"/>
+            </a:fontRef>
+          </p:style>
+        </p:cxnSp>
+        <p:sp>
+          <p:nvSpPr>
+            <p:cNvPr id="140" name="Retângulo 139"/>
+            <p:cNvSpPr/>
+            <p:nvPr/>
+          </p:nvSpPr>
+          <p:spPr>
+            <a:xfrm>
+              <a:off x="2680850" y="5025602"/>
+              <a:ext cx="285752" cy="357984"/>
+            </a:xfrm>
+            <a:prstGeom prst="rect">
+              <a:avLst/>
+            </a:prstGeom>
+            <a:solidFill>
+              <a:schemeClr val="accent3">
+                <a:lumMod val="75000"/>
+              </a:schemeClr>
+            </a:solidFill>
+            <a:ln>
+              <a:solidFill>
+                <a:schemeClr val="tx1"/>
+              </a:solidFill>
+            </a:ln>
+            <a:effectLst/>
+          </p:spPr>
+          <p:style>
+            <a:lnRef idx="2">
+              <a:schemeClr val="accent1">
+                <a:shade val="50000"/>
+              </a:schemeClr>
+            </a:lnRef>
+            <a:fillRef idx="1">
+              <a:schemeClr val="accent1"/>
+            </a:fillRef>
+            <a:effectRef idx="0">
+              <a:schemeClr val="accent1"/>
+            </a:effectRef>
+            <a:fontRef idx="minor">
+              <a:schemeClr val="lt1"/>
+            </a:fontRef>
+          </p:style>
+          <p:txBody>
+            <a:bodyPr rtlCol="0" anchor="ctr"/>
+            <a:lstStyle/>
+            <a:p>
+              <a:pPr algn="ctr"/>
+              <a:endParaRPr lang="pt-BR">
+                <a:solidFill>
+                  <a:schemeClr val="tx1"/>
+                </a:solidFill>
+              </a:endParaRPr>
+            </a:p>
+          </p:txBody>
+        </p:sp>
+        <p:sp>
+          <p:nvSpPr>
+            <p:cNvPr id="141" name="Retângulo 140"/>
+            <p:cNvSpPr/>
+            <p:nvPr/>
+          </p:nvSpPr>
+          <p:spPr>
+            <a:xfrm>
+              <a:off x="2966602" y="5025602"/>
+              <a:ext cx="285752" cy="357190"/>
+            </a:xfrm>
+            <a:prstGeom prst="rect">
+              <a:avLst/>
+            </a:prstGeom>
+            <a:solidFill>
+              <a:schemeClr val="accent3">
+                <a:lumMod val="75000"/>
+              </a:schemeClr>
+            </a:solidFill>
+            <a:ln>
+              <a:solidFill>
+                <a:schemeClr val="tx1"/>
+              </a:solidFill>
+            </a:ln>
+            <a:effectLst/>
+          </p:spPr>
+          <p:style>
+            <a:lnRef idx="2">
+              <a:schemeClr val="accent1">
+                <a:shade val="50000"/>
+              </a:schemeClr>
+            </a:lnRef>
+            <a:fillRef idx="1">
+              <a:schemeClr val="accent1"/>
+            </a:fillRef>
+            <a:effectRef idx="0">
+              <a:schemeClr val="accent1"/>
+            </a:effectRef>
+            <a:fontRef idx="minor">
+              <a:schemeClr val="lt1"/>
+            </a:fontRef>
+          </p:style>
+          <p:txBody>
+            <a:bodyPr rtlCol="0" anchor="ctr"/>
+            <a:lstStyle/>
+            <a:p>
+              <a:pPr algn="ctr"/>
+              <a:endParaRPr lang="pt-BR" sz="1600" dirty="0">
+                <a:solidFill>
+                  <a:schemeClr val="tx1"/>
+                </a:solidFill>
+                <a:latin typeface="+mj-lt"/>
+              </a:endParaRPr>
+            </a:p>
+          </p:txBody>
+        </p:sp>
+        <p:sp>
+          <p:nvSpPr>
+            <p:cNvPr id="142" name="Retângulo 141"/>
+            <p:cNvSpPr/>
+            <p:nvPr/>
+          </p:nvSpPr>
+          <p:spPr>
+            <a:xfrm>
+              <a:off x="3252354" y="5025602"/>
+              <a:ext cx="285752" cy="357190"/>
+            </a:xfrm>
+            <a:prstGeom prst="rect">
+              <a:avLst/>
+            </a:prstGeom>
+            <a:solidFill>
+              <a:schemeClr val="accent3">
+                <a:lumMod val="75000"/>
+              </a:schemeClr>
+            </a:solidFill>
+            <a:ln>
+              <a:solidFill>
+                <a:schemeClr val="tx1"/>
+              </a:solidFill>
+            </a:ln>
+            <a:effectLst/>
+          </p:spPr>
+          <p:style>
+            <a:lnRef idx="2">
+              <a:schemeClr val="accent1">
+                <a:shade val="50000"/>
+              </a:schemeClr>
+            </a:lnRef>
+            <a:fillRef idx="1">
+              <a:schemeClr val="accent1"/>
+            </a:fillRef>
+            <a:effectRef idx="0">
+              <a:schemeClr val="accent1"/>
+            </a:effectRef>
+            <a:fontRef idx="minor">
+              <a:schemeClr val="lt1"/>
+            </a:fontRef>
+          </p:style>
+          <p:txBody>
+            <a:bodyPr rtlCol="0" anchor="ctr"/>
+            <a:lstStyle/>
+            <a:p>
+              <a:pPr algn="ctr"/>
+              <a:endParaRPr lang="pt-BR">
+                <a:solidFill>
+                  <a:schemeClr val="tx1"/>
+                </a:solidFill>
+              </a:endParaRPr>
+            </a:p>
+          </p:txBody>
+        </p:sp>
+        <p:sp>
+          <p:nvSpPr>
+            <p:cNvPr id="143" name="Retângulo 142"/>
+            <p:cNvSpPr/>
+            <p:nvPr/>
+          </p:nvSpPr>
+          <p:spPr>
+            <a:xfrm>
+              <a:off x="3538106" y="5025602"/>
+              <a:ext cx="285752" cy="357190"/>
+            </a:xfrm>
+            <a:prstGeom prst="rect">
+              <a:avLst/>
+            </a:prstGeom>
+            <a:solidFill>
+              <a:schemeClr val="accent3">
+                <a:lumMod val="75000"/>
+              </a:schemeClr>
+            </a:solidFill>
+            <a:ln>
+              <a:solidFill>
+                <a:schemeClr val="tx1"/>
+              </a:solidFill>
+            </a:ln>
+            <a:effectLst/>
+          </p:spPr>
+          <p:style>
+            <a:lnRef idx="2">
+              <a:schemeClr val="accent1">
+                <a:shade val="50000"/>
+              </a:schemeClr>
+            </a:lnRef>
+            <a:fillRef idx="1">
+              <a:schemeClr val="accent1"/>
+            </a:fillRef>
+            <a:effectRef idx="0">
+              <a:schemeClr val="accent1"/>
+            </a:effectRef>
+            <a:fontRef idx="minor">
+              <a:schemeClr val="lt1"/>
+            </a:fontRef>
+          </p:style>
+          <p:txBody>
+            <a:bodyPr rtlCol="0" anchor="ctr"/>
+            <a:lstStyle/>
+            <a:p>
+              <a:pPr algn="ctr"/>
+              <a:endParaRPr lang="pt-BR" dirty="0">
+                <a:solidFill>
+                  <a:schemeClr val="tx1"/>
+                </a:solidFill>
+                <a:latin typeface="+mj-lt"/>
+              </a:endParaRPr>
+            </a:p>
+          </p:txBody>
+        </p:sp>
+        <p:sp>
+          <p:nvSpPr>
+            <p:cNvPr id="144" name="Retângulo 143"/>
+            <p:cNvSpPr/>
+            <p:nvPr/>
+          </p:nvSpPr>
+          <p:spPr>
+            <a:xfrm>
+              <a:off x="3823858" y="5025602"/>
+              <a:ext cx="285752" cy="357190"/>
+            </a:xfrm>
+            <a:prstGeom prst="rect">
+              <a:avLst/>
+            </a:prstGeom>
+            <a:solidFill>
+              <a:schemeClr val="accent3">
+                <a:lumMod val="75000"/>
+              </a:schemeClr>
+            </a:solidFill>
+            <a:ln>
+              <a:solidFill>
+                <a:schemeClr val="tx1"/>
+              </a:solidFill>
+            </a:ln>
+            <a:effectLst/>
+          </p:spPr>
+          <p:style>
+            <a:lnRef idx="2">
+              <a:schemeClr val="accent1">
+                <a:shade val="50000"/>
+              </a:schemeClr>
+            </a:lnRef>
+            <a:fillRef idx="1">
+              <a:schemeClr val="accent1"/>
+            </a:fillRef>
+            <a:effectRef idx="0">
+              <a:schemeClr val="accent1"/>
+            </a:effectRef>
+            <a:fontRef idx="minor">
+              <a:schemeClr val="lt1"/>
+            </a:fontRef>
+          </p:style>
+          <p:txBody>
+            <a:bodyPr rtlCol="0" anchor="ctr"/>
+            <a:lstStyle/>
+            <a:p>
+              <a:pPr algn="ctr"/>
+              <a:endParaRPr lang="pt-BR">
+                <a:solidFill>
+                  <a:schemeClr val="tx1"/>
+                </a:solidFill>
+              </a:endParaRPr>
+            </a:p>
+          </p:txBody>
+        </p:sp>
+        <p:cxnSp>
+          <p:nvCxnSpPr>
+            <p:cNvPr id="145" name="Conector de Seta Reta 144"/>
+            <p:cNvCxnSpPr>
+              <a:cxnSpLocks/>
+              <a:endCxn id="140" idx="1"/>
+            </p:cNvCxnSpPr>
+            <p:nvPr/>
+          </p:nvCxnSpPr>
+          <p:spPr>
+            <a:xfrm>
+              <a:off x="2134950" y="5204594"/>
+              <a:ext cx="545900" cy="0"/>
+            </a:xfrm>
+            <a:prstGeom prst="straightConnector1">
+              <a:avLst/>
+            </a:prstGeom>
+            <a:ln w="19050">
+              <a:solidFill>
+                <a:schemeClr val="tx1"/>
+              </a:solidFill>
+              <a:headEnd type="oval"/>
+              <a:tailEnd type="triangle" w="lg" len="med"/>
+            </a:ln>
+          </p:spPr>
+          <p:style>
+            <a:lnRef idx="1">
+              <a:schemeClr val="accent1"/>
+            </a:lnRef>
+            <a:fillRef idx="0">
+              <a:schemeClr val="accent1"/>
+            </a:fillRef>
+            <a:effectRef idx="0">
+              <a:schemeClr val="accent1"/>
+            </a:effectRef>
+            <a:fontRef idx="minor">
+              <a:schemeClr val="tx1"/>
+            </a:fontRef>
+          </p:style>
+        </p:cxnSp>
+        <p:sp>
+          <p:nvSpPr>
+            <p:cNvPr id="147" name="Retângulo 146"/>
+            <p:cNvSpPr/>
+            <p:nvPr/>
+          </p:nvSpPr>
+          <p:spPr>
+            <a:xfrm>
+              <a:off x="2680850" y="5453784"/>
+              <a:ext cx="285752" cy="357984"/>
+            </a:xfrm>
+            <a:prstGeom prst="rect">
+              <a:avLst/>
+            </a:prstGeom>
+            <a:solidFill>
+              <a:schemeClr val="accent3">
+                <a:lumMod val="75000"/>
+              </a:schemeClr>
+            </a:solidFill>
+            <a:ln>
+              <a:solidFill>
+                <a:schemeClr val="tx1"/>
+              </a:solidFill>
+            </a:ln>
+            <a:effectLst/>
+          </p:spPr>
+          <p:style>
+            <a:lnRef idx="2">
+              <a:schemeClr val="accent1">
+                <a:shade val="50000"/>
+              </a:schemeClr>
+            </a:lnRef>
+            <a:fillRef idx="1">
+              <a:schemeClr val="accent1"/>
+            </a:fillRef>
+            <a:effectRef idx="0">
+              <a:schemeClr val="accent1"/>
+            </a:effectRef>
+            <a:fontRef idx="minor">
+              <a:schemeClr val="lt1"/>
+            </a:fontRef>
+          </p:style>
+          <p:txBody>
+            <a:bodyPr rtlCol="0" anchor="ctr"/>
+            <a:lstStyle/>
+            <a:p>
+              <a:pPr algn="ctr"/>
+              <a:endParaRPr lang="pt-BR">
+                <a:solidFill>
+                  <a:schemeClr val="tx1"/>
+                </a:solidFill>
+              </a:endParaRPr>
+            </a:p>
+          </p:txBody>
+        </p:sp>
+        <p:sp>
+          <p:nvSpPr>
+            <p:cNvPr id="148" name="Retângulo 147"/>
+            <p:cNvSpPr/>
+            <p:nvPr/>
+          </p:nvSpPr>
+          <p:spPr>
+            <a:xfrm>
+              <a:off x="2966602" y="5453784"/>
+              <a:ext cx="285752" cy="357190"/>
+            </a:xfrm>
+            <a:prstGeom prst="rect">
+              <a:avLst/>
+            </a:prstGeom>
+            <a:solidFill>
+              <a:schemeClr val="accent3">
+                <a:lumMod val="75000"/>
+              </a:schemeClr>
+            </a:solidFill>
+            <a:ln>
+              <a:solidFill>
+                <a:schemeClr val="tx1"/>
+              </a:solidFill>
+            </a:ln>
+            <a:effectLst/>
+          </p:spPr>
+          <p:style>
+            <a:lnRef idx="2">
+              <a:schemeClr val="accent1">
+                <a:shade val="50000"/>
+              </a:schemeClr>
+            </a:lnRef>
+            <a:fillRef idx="1">
+              <a:schemeClr val="accent1"/>
+            </a:fillRef>
+            <a:effectRef idx="0">
+              <a:schemeClr val="accent1"/>
+            </a:effectRef>
+            <a:fontRef idx="minor">
+              <a:schemeClr val="lt1"/>
+            </a:fontRef>
+          </p:style>
+          <p:txBody>
+            <a:bodyPr rtlCol="0" anchor="ctr"/>
+            <a:lstStyle/>
+            <a:p>
+              <a:pPr algn="ctr"/>
+              <a:endParaRPr lang="pt-BR" sz="1600" dirty="0">
+                <a:solidFill>
+                  <a:schemeClr val="tx1"/>
+                </a:solidFill>
+                <a:latin typeface="+mj-lt"/>
+              </a:endParaRPr>
+            </a:p>
+          </p:txBody>
+        </p:sp>
+        <p:sp>
+          <p:nvSpPr>
+            <p:cNvPr id="149" name="Retângulo 148"/>
+            <p:cNvSpPr/>
+            <p:nvPr/>
+          </p:nvSpPr>
+          <p:spPr>
+            <a:xfrm>
+              <a:off x="3252354" y="5453784"/>
+              <a:ext cx="285752" cy="357190"/>
+            </a:xfrm>
+            <a:prstGeom prst="rect">
+              <a:avLst/>
+            </a:prstGeom>
+            <a:solidFill>
+              <a:schemeClr val="accent3">
+                <a:lumMod val="75000"/>
+              </a:schemeClr>
+            </a:solidFill>
+            <a:ln>
+              <a:solidFill>
+                <a:schemeClr val="tx1"/>
+              </a:solidFill>
+            </a:ln>
+            <a:effectLst/>
+          </p:spPr>
+          <p:style>
+            <a:lnRef idx="2">
+              <a:schemeClr val="accent1">
+                <a:shade val="50000"/>
+              </a:schemeClr>
+            </a:lnRef>
+            <a:fillRef idx="1">
+              <a:schemeClr val="accent1"/>
+            </a:fillRef>
+            <a:effectRef idx="0">
+              <a:schemeClr val="accent1"/>
+            </a:effectRef>
+            <a:fontRef idx="minor">
+              <a:schemeClr val="lt1"/>
+            </a:fontRef>
+          </p:style>
+          <p:txBody>
+            <a:bodyPr rtlCol="0" anchor="ctr"/>
+            <a:lstStyle/>
+            <a:p>
+              <a:pPr algn="ctr"/>
+              <a:endParaRPr lang="pt-BR">
+                <a:solidFill>
+                  <a:schemeClr val="tx1"/>
+                </a:solidFill>
+              </a:endParaRPr>
+            </a:p>
+          </p:txBody>
+        </p:sp>
+        <p:sp>
+          <p:nvSpPr>
+            <p:cNvPr id="150" name="Retângulo 149"/>
+            <p:cNvSpPr/>
+            <p:nvPr/>
+          </p:nvSpPr>
+          <p:spPr>
+            <a:xfrm>
+              <a:off x="3538106" y="5453784"/>
+              <a:ext cx="285752" cy="357190"/>
+            </a:xfrm>
+            <a:prstGeom prst="rect">
+              <a:avLst/>
+            </a:prstGeom>
+            <a:solidFill>
+              <a:schemeClr val="accent3">
+                <a:lumMod val="75000"/>
+              </a:schemeClr>
+            </a:solidFill>
+            <a:ln>
+              <a:solidFill>
+                <a:schemeClr val="tx1"/>
+              </a:solidFill>
+            </a:ln>
+            <a:effectLst/>
+          </p:spPr>
+          <p:style>
+            <a:lnRef idx="2">
+              <a:schemeClr val="accent1">
+                <a:shade val="50000"/>
+              </a:schemeClr>
+            </a:lnRef>
+            <a:fillRef idx="1">
+              <a:schemeClr val="accent1"/>
+            </a:fillRef>
+            <a:effectRef idx="0">
+              <a:schemeClr val="accent1"/>
+            </a:effectRef>
+            <a:fontRef idx="minor">
+              <a:schemeClr val="lt1"/>
+            </a:fontRef>
+          </p:style>
+          <p:txBody>
+            <a:bodyPr rtlCol="0" anchor="ctr"/>
+            <a:lstStyle/>
+            <a:p>
+              <a:pPr algn="ctr"/>
+              <a:endParaRPr lang="pt-BR">
+                <a:solidFill>
+                  <a:schemeClr val="tx1"/>
+                </a:solidFill>
+              </a:endParaRPr>
+            </a:p>
+          </p:txBody>
+        </p:sp>
+        <p:sp>
+          <p:nvSpPr>
+            <p:cNvPr id="151" name="Retângulo 150"/>
+            <p:cNvSpPr/>
+            <p:nvPr/>
+          </p:nvSpPr>
+          <p:spPr>
+            <a:xfrm>
+              <a:off x="3823858" y="5453784"/>
+              <a:ext cx="285752" cy="357190"/>
+            </a:xfrm>
+            <a:prstGeom prst="rect">
+              <a:avLst/>
+            </a:prstGeom>
+            <a:solidFill>
+              <a:schemeClr val="accent3">
+                <a:lumMod val="75000"/>
+              </a:schemeClr>
+            </a:solidFill>
+            <a:ln>
+              <a:solidFill>
+                <a:schemeClr val="tx1"/>
+              </a:solidFill>
+            </a:ln>
+            <a:effectLst/>
+          </p:spPr>
+          <p:style>
+            <a:lnRef idx="2">
+              <a:schemeClr val="accent1">
+                <a:shade val="50000"/>
+              </a:schemeClr>
+            </a:lnRef>
+            <a:fillRef idx="1">
+              <a:schemeClr val="accent1"/>
+            </a:fillRef>
+            <a:effectRef idx="0">
+              <a:schemeClr val="accent1"/>
+            </a:effectRef>
+            <a:fontRef idx="minor">
+              <a:schemeClr val="lt1"/>
+            </a:fontRef>
+          </p:style>
+          <p:txBody>
+            <a:bodyPr rtlCol="0" anchor="ctr"/>
+            <a:lstStyle/>
+            <a:p>
+              <a:pPr algn="ctr"/>
+              <a:endParaRPr lang="pt-BR">
+                <a:solidFill>
+                  <a:schemeClr val="tx1"/>
+                </a:solidFill>
+              </a:endParaRPr>
+            </a:p>
+          </p:txBody>
+        </p:sp>
+        <p:cxnSp>
+          <p:nvCxnSpPr>
+            <p:cNvPr id="152" name="Conector de Seta Reta 151"/>
+            <p:cNvCxnSpPr>
+              <a:cxnSpLocks/>
+              <a:endCxn id="147" idx="1"/>
+            </p:cNvCxnSpPr>
+            <p:nvPr/>
+          </p:nvCxnSpPr>
+          <p:spPr>
+            <a:xfrm flipV="1">
+              <a:off x="2134950" y="5632776"/>
+              <a:ext cx="545900" cy="7577"/>
+            </a:xfrm>
+            <a:prstGeom prst="straightConnector1">
+              <a:avLst/>
+            </a:prstGeom>
+            <a:ln w="19050">
+              <a:solidFill>
+                <a:schemeClr val="tx1"/>
+              </a:solidFill>
+              <a:headEnd type="oval"/>
+              <a:tailEnd type="triangle" w="lg" len="med"/>
+            </a:ln>
+          </p:spPr>
+          <p:style>
+            <a:lnRef idx="1">
+              <a:schemeClr val="accent1"/>
+            </a:lnRef>
+            <a:fillRef idx="0">
+              <a:schemeClr val="accent1"/>
+            </a:fillRef>
+            <a:effectRef idx="0">
+              <a:schemeClr val="accent1"/>
+            </a:effectRef>
+            <a:fontRef idx="minor">
+              <a:schemeClr val="tx1"/>
+            </a:fontRef>
+          </p:style>
+        </p:cxnSp>
+        <p:sp>
+          <p:nvSpPr>
+            <p:cNvPr id="154" name="Retângulo 153"/>
+            <p:cNvSpPr/>
+            <p:nvPr/>
+          </p:nvSpPr>
+          <p:spPr>
+            <a:xfrm>
+              <a:off x="2680850" y="5879328"/>
+              <a:ext cx="285752" cy="357984"/>
+            </a:xfrm>
+            <a:prstGeom prst="rect">
+              <a:avLst/>
+            </a:prstGeom>
+            <a:solidFill>
+              <a:schemeClr val="accent3">
+                <a:lumMod val="75000"/>
+              </a:schemeClr>
+            </a:solidFill>
+            <a:ln>
+              <a:solidFill>
+                <a:schemeClr val="tx1"/>
+              </a:solidFill>
+            </a:ln>
+            <a:effectLst/>
+          </p:spPr>
+          <p:style>
+            <a:lnRef idx="2">
+              <a:schemeClr val="accent1">
+                <a:shade val="50000"/>
+              </a:schemeClr>
+            </a:lnRef>
+            <a:fillRef idx="1">
+              <a:schemeClr val="accent1"/>
+            </a:fillRef>
+            <a:effectRef idx="0">
+              <a:schemeClr val="accent1"/>
+            </a:effectRef>
+            <a:fontRef idx="minor">
+              <a:schemeClr val="lt1"/>
+            </a:fontRef>
+          </p:style>
+          <p:txBody>
+            <a:bodyPr rtlCol="0" anchor="ctr"/>
+            <a:lstStyle/>
+            <a:p>
+              <a:pPr algn="ctr"/>
+              <a:endParaRPr lang="pt-BR">
+                <a:solidFill>
+                  <a:schemeClr val="tx1"/>
+                </a:solidFill>
+              </a:endParaRPr>
+            </a:p>
+          </p:txBody>
+        </p:sp>
+        <p:sp>
+          <p:nvSpPr>
+            <p:cNvPr id="155" name="Retângulo 154"/>
+            <p:cNvSpPr/>
+            <p:nvPr/>
+          </p:nvSpPr>
+          <p:spPr>
+            <a:xfrm>
+              <a:off x="2966602" y="5879328"/>
+              <a:ext cx="285752" cy="357190"/>
+            </a:xfrm>
+            <a:prstGeom prst="rect">
+              <a:avLst/>
+            </a:prstGeom>
+            <a:solidFill>
+              <a:schemeClr val="accent3">
+                <a:lumMod val="75000"/>
+              </a:schemeClr>
+            </a:solidFill>
+            <a:ln>
+              <a:solidFill>
+                <a:schemeClr val="tx1"/>
+              </a:solidFill>
+            </a:ln>
+            <a:effectLst/>
+          </p:spPr>
+          <p:style>
+            <a:lnRef idx="2">
+              <a:schemeClr val="accent1">
+                <a:shade val="50000"/>
+              </a:schemeClr>
+            </a:lnRef>
+            <a:fillRef idx="1">
+              <a:schemeClr val="accent1"/>
+            </a:fillRef>
+            <a:effectRef idx="0">
+              <a:schemeClr val="accent1"/>
+            </a:effectRef>
+            <a:fontRef idx="minor">
+              <a:schemeClr val="lt1"/>
+            </a:fontRef>
+          </p:style>
+          <p:txBody>
+            <a:bodyPr rtlCol="0" anchor="ctr"/>
+            <a:lstStyle/>
+            <a:p>
+              <a:pPr algn="ctr"/>
+              <a:endParaRPr lang="pt-BR" sz="1600" dirty="0">
+                <a:solidFill>
+                  <a:schemeClr val="tx1"/>
+                </a:solidFill>
+                <a:latin typeface="+mj-lt"/>
+              </a:endParaRPr>
+            </a:p>
+          </p:txBody>
+        </p:sp>
+        <p:sp>
+          <p:nvSpPr>
+            <p:cNvPr id="156" name="Retângulo 155"/>
+            <p:cNvSpPr/>
+            <p:nvPr/>
+          </p:nvSpPr>
+          <p:spPr>
+            <a:xfrm>
+              <a:off x="3252354" y="5879328"/>
+              <a:ext cx="285752" cy="357190"/>
+            </a:xfrm>
+            <a:prstGeom prst="rect">
+              <a:avLst/>
+            </a:prstGeom>
+            <a:solidFill>
+              <a:schemeClr val="accent3">
+                <a:lumMod val="75000"/>
+              </a:schemeClr>
+            </a:solidFill>
+            <a:ln>
+              <a:solidFill>
+                <a:schemeClr val="tx1"/>
+              </a:solidFill>
+            </a:ln>
+            <a:effectLst/>
+          </p:spPr>
+          <p:style>
+            <a:lnRef idx="2">
+              <a:schemeClr val="accent1">
+                <a:shade val="50000"/>
+              </a:schemeClr>
+            </a:lnRef>
+            <a:fillRef idx="1">
+              <a:schemeClr val="accent1"/>
+            </a:fillRef>
+            <a:effectRef idx="0">
+              <a:schemeClr val="accent1"/>
+            </a:effectRef>
+            <a:fontRef idx="minor">
+              <a:schemeClr val="lt1"/>
+            </a:fontRef>
+          </p:style>
+          <p:txBody>
+            <a:bodyPr rtlCol="0" anchor="ctr"/>
+            <a:lstStyle/>
+            <a:p>
+              <a:pPr algn="ctr"/>
+              <a:endParaRPr lang="pt-BR" dirty="0">
+                <a:solidFill>
+                  <a:schemeClr val="tx1"/>
+                </a:solidFill>
+                <a:latin typeface="+mj-lt"/>
+              </a:endParaRPr>
+            </a:p>
+          </p:txBody>
+        </p:sp>
+        <p:sp>
+          <p:nvSpPr>
+            <p:cNvPr id="157" name="Retângulo 156"/>
+            <p:cNvSpPr/>
+            <p:nvPr/>
+          </p:nvSpPr>
+          <p:spPr>
+            <a:xfrm>
+              <a:off x="3538106" y="5879328"/>
+              <a:ext cx="285752" cy="357190"/>
+            </a:xfrm>
+            <a:prstGeom prst="rect">
+              <a:avLst/>
+            </a:prstGeom>
+            <a:solidFill>
+              <a:schemeClr val="accent3">
+                <a:lumMod val="75000"/>
+              </a:schemeClr>
+            </a:solidFill>
+            <a:ln>
+              <a:solidFill>
+                <a:schemeClr val="tx1"/>
+              </a:solidFill>
+            </a:ln>
+            <a:effectLst/>
+          </p:spPr>
+          <p:style>
+            <a:lnRef idx="2">
+              <a:schemeClr val="accent1">
+                <a:shade val="50000"/>
+              </a:schemeClr>
+            </a:lnRef>
+            <a:fillRef idx="1">
+              <a:schemeClr val="accent1"/>
+            </a:fillRef>
+            <a:effectRef idx="0">
+              <a:schemeClr val="accent1"/>
+            </a:effectRef>
+            <a:fontRef idx="minor">
+              <a:schemeClr val="lt1"/>
+            </a:fontRef>
+          </p:style>
+          <p:txBody>
+            <a:bodyPr rtlCol="0" anchor="ctr"/>
+            <a:lstStyle/>
+            <a:p>
+              <a:pPr algn="ctr"/>
+              <a:endParaRPr lang="pt-BR">
+                <a:solidFill>
+                  <a:schemeClr val="tx1"/>
+                </a:solidFill>
+              </a:endParaRPr>
+            </a:p>
+          </p:txBody>
+        </p:sp>
+        <p:sp>
+          <p:nvSpPr>
+            <p:cNvPr id="158" name="Retângulo 157"/>
+            <p:cNvSpPr/>
+            <p:nvPr/>
+          </p:nvSpPr>
+          <p:spPr>
+            <a:xfrm>
+              <a:off x="3823858" y="5879328"/>
+              <a:ext cx="285752" cy="357190"/>
+            </a:xfrm>
+            <a:prstGeom prst="rect">
+              <a:avLst/>
+            </a:prstGeom>
+            <a:solidFill>
+              <a:schemeClr val="accent3">
+                <a:lumMod val="75000"/>
+              </a:schemeClr>
+            </a:solidFill>
+            <a:ln>
+              <a:solidFill>
+                <a:schemeClr val="tx1"/>
+              </a:solidFill>
+            </a:ln>
+            <a:effectLst/>
+          </p:spPr>
+          <p:style>
+            <a:lnRef idx="2">
+              <a:schemeClr val="accent1">
+                <a:shade val="50000"/>
+              </a:schemeClr>
+            </a:lnRef>
+            <a:fillRef idx="1">
+              <a:schemeClr val="accent1"/>
+            </a:fillRef>
+            <a:effectRef idx="0">
+              <a:schemeClr val="accent1"/>
+            </a:effectRef>
+            <a:fontRef idx="minor">
+              <a:schemeClr val="lt1"/>
+            </a:fontRef>
+          </p:style>
+          <p:txBody>
+            <a:bodyPr rtlCol="0" anchor="ctr"/>
+            <a:lstStyle/>
+            <a:p>
+              <a:pPr algn="ctr"/>
+              <a:endParaRPr lang="pt-BR">
+                <a:solidFill>
+                  <a:schemeClr val="tx1"/>
+                </a:solidFill>
+              </a:endParaRPr>
+            </a:p>
+          </p:txBody>
+        </p:sp>
+        <p:cxnSp>
+          <p:nvCxnSpPr>
+            <p:cNvPr id="159" name="Conector de Seta Reta 158"/>
+            <p:cNvCxnSpPr>
+              <a:cxnSpLocks/>
+              <a:endCxn id="154" idx="1"/>
+            </p:cNvCxnSpPr>
+            <p:nvPr/>
+          </p:nvCxnSpPr>
+          <p:spPr>
+            <a:xfrm>
+              <a:off x="2134950" y="6058320"/>
+              <a:ext cx="545900" cy="0"/>
+            </a:xfrm>
+            <a:prstGeom prst="straightConnector1">
+              <a:avLst/>
+            </a:prstGeom>
+            <a:ln w="19050">
+              <a:solidFill>
+                <a:schemeClr val="tx1"/>
+              </a:solidFill>
+              <a:headEnd type="oval"/>
+              <a:tailEnd type="triangle" w="lg" len="med"/>
+            </a:ln>
+          </p:spPr>
+          <p:style>
+            <a:lnRef idx="1">
+              <a:schemeClr val="accent1"/>
+            </a:lnRef>
+            <a:fillRef idx="0">
+              <a:schemeClr val="accent1"/>
+            </a:fillRef>
+            <a:effectRef idx="0">
+              <a:schemeClr val="accent1"/>
+            </a:effectRef>
+            <a:fontRef idx="minor">
+              <a:schemeClr val="tx1"/>
+            </a:fontRef>
+          </p:style>
+        </p:cxnSp>
+        <p:sp>
+          <p:nvSpPr>
+            <p:cNvPr id="167" name="CaixaDeTexto 166"/>
+            <p:cNvSpPr txBox="1"/>
+            <p:nvPr/>
+          </p:nvSpPr>
+          <p:spPr>
+            <a:xfrm>
+              <a:off x="1705223" y="4666281"/>
+              <a:ext cx="269626" cy="276999"/>
+            </a:xfrm>
+            <a:prstGeom prst="rect">
+              <a:avLst/>
+            </a:prstGeom>
+            <a:noFill/>
+          </p:spPr>
+          <p:txBody>
+            <a:bodyPr wrap="none" rtlCol="0">
+              <a:spAutoFit/>
+            </a:bodyPr>
+            <a:lstStyle/>
+            <a:p>
+              <a:r>
+                <a:rPr lang="pt-BR" sz="1200" dirty="0">
+                  <a:latin typeface="+mj-lt"/>
+                </a:rPr>
+                <a:t>0</a:t>
+              </a:r>
+            </a:p>
+          </p:txBody>
+        </p:sp>
+        <p:sp>
+          <p:nvSpPr>
+            <p:cNvPr id="168" name="CaixaDeTexto 167"/>
+            <p:cNvSpPr txBox="1"/>
+            <p:nvPr/>
+          </p:nvSpPr>
+          <p:spPr>
+            <a:xfrm>
+              <a:off x="1705223" y="5102853"/>
+              <a:ext cx="269626" cy="276999"/>
+            </a:xfrm>
+            <a:prstGeom prst="rect">
+              <a:avLst/>
+            </a:prstGeom>
+            <a:noFill/>
+          </p:spPr>
+          <p:txBody>
+            <a:bodyPr wrap="none" rtlCol="0">
+              <a:spAutoFit/>
+            </a:bodyPr>
+            <a:lstStyle/>
+            <a:p>
+              <a:r>
+                <a:rPr lang="pt-BR" sz="1200" dirty="0">
+                  <a:latin typeface="+mj-lt"/>
+                </a:rPr>
+                <a:t>1</a:t>
+              </a:r>
+            </a:p>
+          </p:txBody>
+        </p:sp>
+        <p:sp>
+          <p:nvSpPr>
+            <p:cNvPr id="169" name="CaixaDeTexto 168"/>
+            <p:cNvSpPr txBox="1"/>
+            <p:nvPr/>
+          </p:nvSpPr>
+          <p:spPr>
+            <a:xfrm>
+              <a:off x="1705223" y="5509739"/>
+              <a:ext cx="269626" cy="276999"/>
+            </a:xfrm>
+            <a:prstGeom prst="rect">
+              <a:avLst/>
+            </a:prstGeom>
+            <a:noFill/>
+          </p:spPr>
+          <p:txBody>
+            <a:bodyPr wrap="none" rtlCol="0">
+              <a:spAutoFit/>
+            </a:bodyPr>
+            <a:lstStyle/>
+            <a:p>
+              <a:r>
+                <a:rPr lang="pt-BR" sz="1200" dirty="0">
+                  <a:latin typeface="+mj-lt"/>
+                </a:rPr>
+                <a:t>2</a:t>
+              </a:r>
+            </a:p>
+          </p:txBody>
+        </p:sp>
+        <p:sp>
+          <p:nvSpPr>
+            <p:cNvPr id="170" name="CaixaDeTexto 169"/>
+            <p:cNvSpPr txBox="1"/>
+            <p:nvPr/>
+          </p:nvSpPr>
+          <p:spPr>
+            <a:xfrm>
+              <a:off x="1706511" y="5907165"/>
+              <a:ext cx="269626" cy="276999"/>
+            </a:xfrm>
+            <a:prstGeom prst="rect">
+              <a:avLst/>
+            </a:prstGeom>
+            <a:noFill/>
+          </p:spPr>
+          <p:txBody>
+            <a:bodyPr wrap="none" rtlCol="0">
+              <a:spAutoFit/>
+            </a:bodyPr>
+            <a:lstStyle/>
+            <a:p>
+              <a:r>
+                <a:rPr lang="pt-BR" sz="1200" dirty="0">
+                  <a:latin typeface="+mj-lt"/>
+                </a:rPr>
+                <a:t>3</a:t>
+              </a:r>
+            </a:p>
+          </p:txBody>
+        </p:sp>
+      </p:grpSp>
+      <p:sp>
+        <p:nvSpPr>
+          <p:cNvPr id="79" name="CaixaDeTexto 78">
+            <a:extLst>
+              <a:ext uri="{FF2B5EF4-FFF2-40B4-BE49-F238E27FC236}">
+                <a16:creationId xmlns:a16="http://schemas.microsoft.com/office/drawing/2014/main" id="{637D1E0B-F1EA-426E-ABD5-349C7AC12896}"/>
+              </a:ext>
+            </a:extLst>
+          </p:cNvPr>
+          <p:cNvSpPr txBox="1"/>
+          <p:nvPr/>
+        </p:nvSpPr>
+        <p:spPr>
+          <a:xfrm>
+            <a:off x="5303912" y="4571824"/>
+            <a:ext cx="4208832" cy="369332"/>
+          </a:xfrm>
+          <a:prstGeom prst="rect">
+            <a:avLst/>
+          </a:prstGeom>
+          <a:noFill/>
+        </p:spPr>
+        <p:txBody>
+          <a:bodyPr wrap="square">
+            <a:spAutoFit/>
+          </a:bodyPr>
+          <a:lstStyle/>
+          <a:p>
+            <a:r>
+              <a:rPr lang="pt-BR" dirty="0" err="1">
+                <a:solidFill>
+                  <a:schemeClr val="accent3">
+                    <a:lumMod val="75000"/>
+                  </a:schemeClr>
+                </a:solidFill>
+                <a:latin typeface="+mj-lt"/>
+              </a:rPr>
+              <a:t>int</a:t>
+            </a:r>
+            <a:r>
+              <a:rPr lang="pt-BR" dirty="0">
+                <a:latin typeface="+mj-lt"/>
+              </a:rPr>
+              <a:t>*  * </a:t>
+            </a:r>
+            <a:r>
+              <a:rPr lang="pt-BR" dirty="0" err="1">
+                <a:latin typeface="+mj-lt"/>
+              </a:rPr>
+              <a:t>mat</a:t>
+            </a:r>
+            <a:r>
+              <a:rPr lang="pt-BR" dirty="0">
+                <a:latin typeface="+mj-lt"/>
+              </a:rPr>
+              <a:t> = </a:t>
+            </a:r>
+            <a:r>
+              <a:rPr lang="pt-BR" dirty="0">
+                <a:solidFill>
+                  <a:schemeClr val="accent3">
+                    <a:lumMod val="75000"/>
+                  </a:schemeClr>
+                </a:solidFill>
+                <a:latin typeface="+mj-lt"/>
+              </a:rPr>
+              <a:t>new</a:t>
+            </a:r>
+            <a:r>
+              <a:rPr lang="pt-BR" dirty="0">
+                <a:latin typeface="+mj-lt"/>
+              </a:rPr>
+              <a:t> </a:t>
+            </a:r>
+            <a:r>
+              <a:rPr lang="pt-BR" dirty="0" err="1">
+                <a:solidFill>
+                  <a:schemeClr val="accent3">
+                    <a:lumMod val="75000"/>
+                  </a:schemeClr>
+                </a:solidFill>
+                <a:latin typeface="+mj-lt"/>
+              </a:rPr>
+              <a:t>int</a:t>
+            </a:r>
+            <a:r>
+              <a:rPr lang="pt-BR" dirty="0">
+                <a:latin typeface="+mj-lt"/>
+              </a:rPr>
+              <a:t>* [linhas];</a:t>
+            </a:r>
+            <a:endParaRPr lang="pt-BR" dirty="0"/>
+          </a:p>
+        </p:txBody>
+      </p:sp>
+      <p:sp>
+        <p:nvSpPr>
+          <p:cNvPr id="7" name="CaixaDeTexto 6">
+            <a:extLst>
+              <a:ext uri="{FF2B5EF4-FFF2-40B4-BE49-F238E27FC236}">
+                <a16:creationId xmlns:a16="http://schemas.microsoft.com/office/drawing/2014/main" id="{C9919A3A-5053-42BA-A2A3-1E4C91E97ED9}"/>
+              </a:ext>
+            </a:extLst>
+          </p:cNvPr>
+          <p:cNvSpPr txBox="1"/>
+          <p:nvPr/>
+        </p:nvSpPr>
+        <p:spPr>
+          <a:xfrm>
+            <a:off x="6097593" y="3763624"/>
+            <a:ext cx="4939173" cy="369332"/>
+          </a:xfrm>
+          <a:prstGeom prst="rect">
+            <a:avLst/>
+          </a:prstGeom>
+          <a:noFill/>
+        </p:spPr>
+        <p:txBody>
+          <a:bodyPr wrap="none" rtlCol="0">
+            <a:spAutoFit/>
+          </a:bodyPr>
+          <a:lstStyle/>
+          <a:p>
+            <a:r>
+              <a:rPr lang="pt-BR" dirty="0">
+                <a:solidFill>
+                  <a:schemeClr val="accent3">
+                    <a:lumMod val="60000"/>
+                    <a:lumOff val="40000"/>
+                  </a:schemeClr>
+                </a:solidFill>
+              </a:rPr>
+              <a:t>Matriz Dinâmica</a:t>
+            </a:r>
+            <a:r>
+              <a:rPr lang="pt-BR" dirty="0"/>
+              <a:t> é um vetor dinâmico de ponteiros</a:t>
+            </a:r>
+          </a:p>
+        </p:txBody>
+      </p:sp>
+      <p:cxnSp>
+        <p:nvCxnSpPr>
+          <p:cNvPr id="9" name="Conector reto 8">
+            <a:extLst>
+              <a:ext uri="{FF2B5EF4-FFF2-40B4-BE49-F238E27FC236}">
+                <a16:creationId xmlns:a16="http://schemas.microsoft.com/office/drawing/2014/main" id="{90D79E66-2A36-4F1D-8750-37BDB8534EA2}"/>
+              </a:ext>
+            </a:extLst>
+          </p:cNvPr>
+          <p:cNvCxnSpPr/>
+          <p:nvPr/>
+        </p:nvCxnSpPr>
+        <p:spPr>
+          <a:xfrm>
+            <a:off x="6529641" y="4127332"/>
+            <a:ext cx="0" cy="444492"/>
+          </a:xfrm>
+          <a:prstGeom prst="line">
+            <a:avLst/>
+          </a:prstGeom>
+          <a:ln>
+            <a:solidFill>
+              <a:schemeClr val="tx1"/>
+            </a:solidFill>
+          </a:ln>
+        </p:spPr>
+        <p:style>
+          <a:lnRef idx="1">
+            <a:schemeClr val="accent1"/>
+          </a:lnRef>
+          <a:fillRef idx="0">
+            <a:schemeClr val="accent1"/>
+          </a:fillRef>
+          <a:effectRef idx="0">
+            <a:schemeClr val="accent1"/>
+          </a:effectRef>
+          <a:fontRef idx="minor">
+            <a:schemeClr val="tx1"/>
+          </a:fontRef>
+        </p:style>
+      </p:cxnSp>
+      <p:sp>
+        <p:nvSpPr>
+          <p:cNvPr id="85" name="CaixaDeTexto 84">
+            <a:extLst>
+              <a:ext uri="{FF2B5EF4-FFF2-40B4-BE49-F238E27FC236}">
+                <a16:creationId xmlns:a16="http://schemas.microsoft.com/office/drawing/2014/main" id="{FA0F80CD-F567-4317-B6AF-E46E19AB0349}"/>
+              </a:ext>
+            </a:extLst>
+          </p:cNvPr>
+          <p:cNvSpPr txBox="1"/>
+          <p:nvPr/>
+        </p:nvSpPr>
+        <p:spPr>
+          <a:xfrm>
+            <a:off x="5303912" y="5116496"/>
+            <a:ext cx="4682113" cy="369332"/>
+          </a:xfrm>
+          <a:prstGeom prst="rect">
+            <a:avLst/>
+          </a:prstGeom>
+          <a:noFill/>
+        </p:spPr>
+        <p:txBody>
+          <a:bodyPr wrap="square">
+            <a:spAutoFit/>
+          </a:bodyPr>
+          <a:lstStyle/>
+          <a:p>
+            <a:r>
+              <a:rPr lang="pt-BR" dirty="0" err="1">
+                <a:solidFill>
+                  <a:schemeClr val="accent3">
+                    <a:lumMod val="75000"/>
+                  </a:schemeClr>
+                </a:solidFill>
+                <a:latin typeface="+mj-lt"/>
+              </a:rPr>
+              <a:t>int</a:t>
+            </a:r>
+            <a:r>
+              <a:rPr lang="pt-BR" dirty="0">
+                <a:solidFill>
+                  <a:schemeClr val="accent3">
+                    <a:lumMod val="75000"/>
+                  </a:schemeClr>
+                </a:solidFill>
+                <a:latin typeface="+mj-lt"/>
+              </a:rPr>
+              <a:t>   </a:t>
+            </a:r>
+            <a:r>
+              <a:rPr lang="pt-BR" dirty="0">
+                <a:latin typeface="+mj-lt"/>
+              </a:rPr>
+              <a:t>* </a:t>
+            </a:r>
+            <a:r>
+              <a:rPr lang="pt-BR" dirty="0" err="1">
+                <a:latin typeface="+mj-lt"/>
+              </a:rPr>
+              <a:t>vet</a:t>
+            </a:r>
+            <a:r>
+              <a:rPr lang="pt-BR" dirty="0">
+                <a:latin typeface="+mj-lt"/>
+              </a:rPr>
+              <a:t> = </a:t>
+            </a:r>
+            <a:r>
+              <a:rPr lang="pt-BR" dirty="0">
+                <a:solidFill>
+                  <a:schemeClr val="accent3">
+                    <a:lumMod val="75000"/>
+                  </a:schemeClr>
+                </a:solidFill>
+                <a:latin typeface="+mj-lt"/>
+              </a:rPr>
+              <a:t>new</a:t>
+            </a:r>
+            <a:r>
+              <a:rPr lang="pt-BR" dirty="0">
+                <a:latin typeface="+mj-lt"/>
+              </a:rPr>
+              <a:t> </a:t>
+            </a:r>
+            <a:r>
+              <a:rPr lang="pt-BR" dirty="0" err="1">
+                <a:solidFill>
+                  <a:schemeClr val="accent3">
+                    <a:lumMod val="75000"/>
+                  </a:schemeClr>
+                </a:solidFill>
+                <a:latin typeface="+mj-lt"/>
+              </a:rPr>
+              <a:t>int</a:t>
+            </a:r>
+            <a:r>
+              <a:rPr lang="pt-BR" dirty="0">
+                <a:solidFill>
+                  <a:schemeClr val="accent3">
+                    <a:lumMod val="75000"/>
+                  </a:schemeClr>
+                </a:solidFill>
+                <a:latin typeface="+mj-lt"/>
+              </a:rPr>
+              <a:t> </a:t>
+            </a:r>
+            <a:r>
+              <a:rPr lang="pt-BR" dirty="0">
+                <a:latin typeface="+mj-lt"/>
+              </a:rPr>
+              <a:t> [linhas];</a:t>
+            </a:r>
+            <a:endParaRPr lang="pt-BR" dirty="0"/>
+          </a:p>
+        </p:txBody>
+      </p:sp>
+      <p:sp>
+        <p:nvSpPr>
+          <p:cNvPr id="98" name="CaixaDeTexto 97">
+            <a:extLst>
+              <a:ext uri="{FF2B5EF4-FFF2-40B4-BE49-F238E27FC236}">
+                <a16:creationId xmlns:a16="http://schemas.microsoft.com/office/drawing/2014/main" id="{CC9CEC4F-D605-4661-A7BA-17D74F17E448}"/>
+              </a:ext>
+            </a:extLst>
+          </p:cNvPr>
+          <p:cNvSpPr txBox="1"/>
+          <p:nvPr/>
+        </p:nvSpPr>
+        <p:spPr>
+          <a:xfrm>
+            <a:off x="6238217" y="5988814"/>
+            <a:ext cx="2717988" cy="369332"/>
+          </a:xfrm>
+          <a:prstGeom prst="rect">
+            <a:avLst/>
+          </a:prstGeom>
+          <a:noFill/>
+        </p:spPr>
+        <p:txBody>
+          <a:bodyPr wrap="none" rtlCol="0">
+            <a:spAutoFit/>
+          </a:bodyPr>
+          <a:lstStyle/>
+          <a:p>
+            <a:r>
+              <a:rPr lang="pt-BR" dirty="0">
+                <a:solidFill>
+                  <a:schemeClr val="accent3">
+                    <a:lumMod val="60000"/>
+                    <a:lumOff val="40000"/>
+                  </a:schemeClr>
+                </a:solidFill>
+              </a:rPr>
+              <a:t>Vetor Dinâmico </a:t>
+            </a:r>
+            <a:r>
+              <a:rPr lang="pt-BR" dirty="0"/>
+              <a:t>de inteiros</a:t>
+            </a:r>
+          </a:p>
+        </p:txBody>
+      </p:sp>
+      <p:cxnSp>
+        <p:nvCxnSpPr>
+          <p:cNvPr id="99" name="Conector reto 98">
+            <a:extLst>
+              <a:ext uri="{FF2B5EF4-FFF2-40B4-BE49-F238E27FC236}">
+                <a16:creationId xmlns:a16="http://schemas.microsoft.com/office/drawing/2014/main" id="{5AD7E6B3-2ACD-47A6-8EAB-92FF996A74C7}"/>
+              </a:ext>
+            </a:extLst>
+          </p:cNvPr>
+          <p:cNvCxnSpPr/>
+          <p:nvPr/>
+        </p:nvCxnSpPr>
+        <p:spPr>
+          <a:xfrm>
+            <a:off x="6601649" y="5509970"/>
+            <a:ext cx="0" cy="444492"/>
+          </a:xfrm>
+          <a:prstGeom prst="line">
+            <a:avLst/>
+          </a:prstGeom>
+          <a:ln>
+            <a:solidFill>
+              <a:schemeClr val="tx1"/>
+            </a:solidFill>
+          </a:ln>
+        </p:spPr>
+        <p:style>
+          <a:lnRef idx="1">
+            <a:schemeClr val="accent1"/>
+          </a:lnRef>
+          <a:fillRef idx="0">
+            <a:schemeClr val="accent1"/>
+          </a:fillRef>
+          <a:effectRef idx="0">
+            <a:schemeClr val="accent1"/>
+          </a:effectRef>
+          <a:fontRef idx="minor">
+            <a:schemeClr val="tx1"/>
+          </a:fontRef>
+        </p:style>
+      </p:cxnSp>
+    </p:spTree>
+    <p:extLst>
+      <p:ext uri="{BB962C8B-B14F-4D97-AF65-F5344CB8AC3E}">
+        <p14:creationId xmlns:p14="http://schemas.microsoft.com/office/powerpoint/2010/main" val="1559971395"/>
+      </p:ext>
+    </p:extLst>
+  </p:cSld>
+  <p:clrMapOvr>
+    <a:masterClrMapping/>
+  </p:clrMapOvr>
+</p:sld>
+</file>
+
+<file path=ppt/slides/slide23.xml><?xml version="1.0" encoding="utf-8"?>
 <p:sld xmlns:a="http://schemas.openxmlformats.org/drawingml/2006/main" xmlns:r="http://schemas.openxmlformats.org/officeDocument/2006/relationships" xmlns:p="http://schemas.openxmlformats.org/presentationml/2006/main">
   <p:cSld>
     <p:spTree>
@@ -26410,7 +30112,7 @@
     </p:spTree>
     <p:extLst>
       <p:ext uri="{BB962C8B-B14F-4D97-AF65-F5344CB8AC3E}">
-        <p14:creationId xmlns:p14="http://schemas.microsoft.com/office/powerpoint/2010/main" val="1559971395"/>
+        <p14:creationId xmlns:p14="http://schemas.microsoft.com/office/powerpoint/2010/main" val="4152736563"/>
       </p:ext>
     </p:extLst>
   </p:cSld>
@@ -26420,7 +30122,7 @@
 </p:sld>
 </file>
 
-<file path=ppt/slides/slide23.xml><?xml version="1.0" encoding="utf-8"?>
+<file path=ppt/slides/slide24.xml><?xml version="1.0" encoding="utf-8"?>
 <p:sld xmlns:a="http://schemas.openxmlformats.org/drawingml/2006/main" xmlns:r="http://schemas.openxmlformats.org/officeDocument/2006/relationships" xmlns:p="http://schemas.openxmlformats.org/presentationml/2006/main">
   <p:cSld>
     <p:spTree>
@@ -27406,6 +31108,48 @@
           </a:fontRef>
         </p:style>
       </p:cxnSp>
+      <p:sp>
+        <p:nvSpPr>
+          <p:cNvPr id="7" name="CaixaDeTexto 6">
+            <a:extLst>
+              <a:ext uri="{FF2B5EF4-FFF2-40B4-BE49-F238E27FC236}">
+                <a16:creationId xmlns:a16="http://schemas.microsoft.com/office/drawing/2014/main" id="{1EF03072-9230-4EEE-A5FD-C8D57B6D4BB2}"/>
+              </a:ext>
+            </a:extLst>
+          </p:cNvPr>
+          <p:cNvSpPr txBox="1"/>
+          <p:nvPr/>
+        </p:nvSpPr>
+        <p:spPr>
+          <a:xfrm rot="16200000">
+            <a:off x="-714272" y="5774776"/>
+            <a:ext cx="1800200" cy="276999"/>
+          </a:xfrm>
+          <a:prstGeom prst="rect">
+            <a:avLst/>
+          </a:prstGeom>
+          <a:noFill/>
+        </p:spPr>
+        <p:txBody>
+          <a:bodyPr wrap="square" rtlCol="0">
+            <a:spAutoFit/>
+          </a:bodyPr>
+          <a:lstStyle/>
+          <a:p>
+            <a:r>
+              <a:rPr lang="pt-BR" sz="1200" dirty="0">
+                <a:solidFill>
+                  <a:schemeClr val="bg2">
+                    <a:lumMod val="50000"/>
+                  </a:schemeClr>
+                </a:solidFill>
+                <a:latin typeface="+mj-lt"/>
+              </a:rPr>
+              <a:t>// Matriz.cpp</a:t>
+            </a:r>
+          </a:p>
+        </p:txBody>
+      </p:sp>
     </p:spTree>
     <p:extLst>
       <p:ext uri="{BB962C8B-B14F-4D97-AF65-F5344CB8AC3E}">
@@ -27419,7 +31163,7 @@
 </p:sld>
 </file>
 
-<file path=ppt/slides/slide24.xml><?xml version="1.0" encoding="utf-8"?>
+<file path=ppt/slides/slide25.xml><?xml version="1.0" encoding="utf-8"?>
 <p:sld xmlns:a="http://schemas.openxmlformats.org/drawingml/2006/main" xmlns:r="http://schemas.openxmlformats.org/officeDocument/2006/relationships" xmlns:p="http://schemas.openxmlformats.org/presentationml/2006/main">
   <p:cSld>
     <p:spTree>
@@ -27746,61 +31490,28 @@
             <a:pPr lvl="1"/>
             <a:r>
               <a:rPr lang="pt-BR" dirty="0"/>
-              <a:t>Alguns exemplos:</a:t>
+              <a:t>Como por exemplo:</a:t>
             </a:r>
           </a:p>
           <a:p>
             <a:pPr lvl="2"/>
             <a:r>
               <a:rPr lang="pt-BR" dirty="0"/>
-              <a:t>Processamento de </a:t>
-            </a:r>
-            <a:r>
-              <a:rPr lang="pt-BR" dirty="0">
-                <a:solidFill>
-                  <a:schemeClr val="accent3">
-                    <a:lumMod val="60000"/>
-                    <a:lumOff val="40000"/>
-                  </a:schemeClr>
-                </a:solidFill>
-              </a:rPr>
-              <a:t>vetores</a:t>
+              <a:t>Leitura e exibição de vetores</a:t>
             </a:r>
           </a:p>
           <a:p>
             <a:pPr lvl="2"/>
             <a:r>
               <a:rPr lang="pt-BR" dirty="0"/>
-              <a:t>Processamento de </a:t>
-            </a:r>
-            <a:r>
-              <a:rPr lang="pt-BR" dirty="0">
-                <a:solidFill>
-                  <a:schemeClr val="accent3">
-                    <a:lumMod val="60000"/>
-                    <a:lumOff val="40000"/>
-                  </a:schemeClr>
-                </a:solidFill>
-              </a:rPr>
-              <a:t>strings</a:t>
+              <a:t>Tratamento de strings</a:t>
             </a:r>
           </a:p>
           <a:p>
             <a:pPr lvl="2"/>
             <a:r>
-              <a:rPr lang="pt-BR" dirty="0">
-                <a:solidFill>
-                  <a:schemeClr val="accent3">
-                    <a:lumMod val="60000"/>
-                    <a:lumOff val="40000"/>
-                  </a:schemeClr>
-                </a:solidFill>
-              </a:rPr>
-              <a:t>Acumular e somar </a:t>
-            </a:r>
-            <a:r>
               <a:rPr lang="pt-BR" dirty="0"/>
-              <a:t>valores</a:t>
+              <a:t>Acúmulo e soma de valores</a:t>
             </a:r>
           </a:p>
           <a:p>
@@ -28477,6 +32188,48 @@
           </a:p>
         </p:txBody>
       </p:sp>
+      <p:sp>
+        <p:nvSpPr>
+          <p:cNvPr id="5" name="CaixaDeTexto 4">
+            <a:extLst>
+              <a:ext uri="{FF2B5EF4-FFF2-40B4-BE49-F238E27FC236}">
+                <a16:creationId xmlns:a16="http://schemas.microsoft.com/office/drawing/2014/main" id="{85D68CB0-4C4C-480A-B258-A394E517EFF5}"/>
+              </a:ext>
+            </a:extLst>
+          </p:cNvPr>
+          <p:cNvSpPr txBox="1"/>
+          <p:nvPr/>
+        </p:nvSpPr>
+        <p:spPr>
+          <a:xfrm rot="16200000">
+            <a:off x="-714272" y="5774776"/>
+            <a:ext cx="1800200" cy="276999"/>
+          </a:xfrm>
+          <a:prstGeom prst="rect">
+            <a:avLst/>
+          </a:prstGeom>
+          <a:noFill/>
+        </p:spPr>
+        <p:txBody>
+          <a:bodyPr wrap="square" rtlCol="0">
+            <a:spAutoFit/>
+          </a:bodyPr>
+          <a:lstStyle/>
+          <a:p>
+            <a:r>
+              <a:rPr lang="pt-BR" sz="1200" dirty="0">
+                <a:solidFill>
+                  <a:schemeClr val="bg2">
+                    <a:lumMod val="50000"/>
+                  </a:schemeClr>
+                </a:solidFill>
+                <a:latin typeface="+mj-lt"/>
+              </a:rPr>
+              <a:t>// Repete1.cpp</a:t>
+            </a:r>
+          </a:p>
+        </p:txBody>
+      </p:sp>
     </p:spTree>
   </p:cSld>
   <p:clrMapOvr>
@@ -28556,9 +32309,9 @@
             <a:endParaRPr lang="pt-BR" dirty="0"/>
           </a:p>
           <a:p>
-            <a:endParaRPr lang="pt-BR" dirty="0"/>
-          </a:p>
-          <a:p>
+            <a:pPr marL="68580" indent="0">
+              <a:buNone/>
+            </a:pPr>
             <a:endParaRPr lang="pt-BR" dirty="0"/>
           </a:p>
           <a:p>
@@ -28738,6 +32491,11 @@
           </a:bodyPr>
           <a:lstStyle/>
           <a:p>
+            <a:pPr>
+              <a:spcAft>
+                <a:spcPts val="1800"/>
+              </a:spcAft>
+            </a:pPr>
             <a:r>
               <a:rPr lang="pt-BR" dirty="0"/>
               <a:t>Normalmente, programas que </a:t>
@@ -28754,7 +32512,14 @@
             </a:r>
             <a:r>
               <a:rPr lang="pt-BR" dirty="0"/>
-              <a:t>caractere a caractere precisam examinar </a:t>
+              <a:t>caractere </a:t>
+            </a:r>
+            <a:br>
+              <a:rPr lang="pt-BR" dirty="0"/>
+            </a:br>
+            <a:r>
+              <a:rPr lang="pt-BR" dirty="0"/>
+              <a:t>a caractere precisam examinar </a:t>
             </a:r>
             <a:r>
               <a:rPr lang="pt-BR" dirty="0">
@@ -28766,13 +32531,26 @@
               </a:rPr>
               <a:t>todos os caracteres </a:t>
             </a:r>
+            <a:br>
+              <a:rPr lang="pt-BR" dirty="0">
+                <a:solidFill>
+                  <a:schemeClr val="accent3">
+                    <a:lumMod val="75000"/>
+                  </a:schemeClr>
+                </a:solidFill>
+              </a:rPr>
+            </a:br>
             <a:r>
               <a:rPr lang="pt-BR" dirty="0"/>
-              <a:t>incluindo espaços, tabulações e novas linhas:</a:t>
-            </a:r>
-          </a:p>
-          <a:p>
-            <a:pPr lvl="1"/>
+              <a:t>(incluindo espaços, tabulações e novas linhas):</a:t>
+            </a:r>
+          </a:p>
+          <a:p>
+            <a:pPr lvl="1">
+              <a:spcAft>
+                <a:spcPts val="1200"/>
+              </a:spcAft>
+            </a:pPr>
             <a:r>
               <a:rPr lang="pt-BR" dirty="0"/>
               <a:t>A função </a:t>
@@ -28819,7 +32597,14 @@
             </a:r>
             <a:r>
               <a:rPr lang="pt-BR" dirty="0"/>
-              <a:t> lê o próximo caractere da entrada e o atribui a variável </a:t>
+              <a:t> lê o próximo caractere </a:t>
+            </a:r>
+            <a:br>
+              <a:rPr lang="pt-BR" dirty="0"/>
+            </a:br>
+            <a:r>
+              <a:rPr lang="pt-BR" dirty="0"/>
+              <a:t>da entrada e o atribui a variável </a:t>
             </a:r>
             <a:r>
               <a:rPr lang="pt-BR" dirty="0" err="1"/>
@@ -28839,7 +32624,14 @@
             </a:r>
             <a:r>
               <a:rPr lang="pt-BR" dirty="0"/>
-              <a:t>() ainda usa um buffer, assim </a:t>
+              <a:t>() também usa um buffer, </a:t>
+            </a:r>
+            <a:br>
+              <a:rPr lang="pt-BR" dirty="0"/>
+            </a:br>
+            <a:r>
+              <a:rPr lang="pt-BR" dirty="0"/>
+              <a:t>ainda </a:t>
             </a:r>
             <a:r>
               <a:rPr lang="pt-BR" dirty="0">
@@ -28862,7 +32654,7 @@
         </p:nvSpPr>
         <p:spPr>
           <a:xfrm>
-            <a:off x="1991544" y="5085184"/>
+            <a:off x="1991544" y="5445224"/>
             <a:ext cx="1704313" cy="646331"/>
           </a:xfrm>
           <a:prstGeom prst="rect">
@@ -29565,6 +33357,48 @@
           </a:p>
         </p:txBody>
       </p:sp>
+      <p:sp>
+        <p:nvSpPr>
+          <p:cNvPr id="5" name="CaixaDeTexto 4">
+            <a:extLst>
+              <a:ext uri="{FF2B5EF4-FFF2-40B4-BE49-F238E27FC236}">
+                <a16:creationId xmlns:a16="http://schemas.microsoft.com/office/drawing/2014/main" id="{041B476C-6245-44E3-9688-1F6D8610FDDA}"/>
+              </a:ext>
+            </a:extLst>
+          </p:cNvPr>
+          <p:cNvSpPr txBox="1"/>
+          <p:nvPr/>
+        </p:nvSpPr>
+        <p:spPr>
+          <a:xfrm rot="16200000">
+            <a:off x="-714272" y="5774776"/>
+            <a:ext cx="1800200" cy="276999"/>
+          </a:xfrm>
+          <a:prstGeom prst="rect">
+            <a:avLst/>
+          </a:prstGeom>
+          <a:noFill/>
+        </p:spPr>
+        <p:txBody>
+          <a:bodyPr wrap="square" rtlCol="0">
+            <a:spAutoFit/>
+          </a:bodyPr>
+          <a:lstStyle/>
+          <a:p>
+            <a:r>
+              <a:rPr lang="pt-BR" sz="1200" dirty="0">
+                <a:solidFill>
+                  <a:schemeClr val="bg2">
+                    <a:lumMod val="50000"/>
+                  </a:schemeClr>
+                </a:solidFill>
+                <a:latin typeface="+mj-lt"/>
+              </a:rPr>
+              <a:t>// Repete2.cpp</a:t>
+            </a:r>
+          </a:p>
+        </p:txBody>
+      </p:sp>
     </p:spTree>
   </p:cSld>
   <p:clrMapOvr>
@@ -30465,6 +34299,48 @@
                 <a:latin typeface="+mj-lt"/>
               </a:rPr>
               <a:t>}</a:t>
+            </a:r>
+          </a:p>
+        </p:txBody>
+      </p:sp>
+      <p:sp>
+        <p:nvSpPr>
+          <p:cNvPr id="5" name="CaixaDeTexto 4">
+            <a:extLst>
+              <a:ext uri="{FF2B5EF4-FFF2-40B4-BE49-F238E27FC236}">
+                <a16:creationId xmlns:a16="http://schemas.microsoft.com/office/drawing/2014/main" id="{DAF4E85D-F095-4F6C-A090-815EFDCCDE35}"/>
+              </a:ext>
+            </a:extLst>
+          </p:cNvPr>
+          <p:cNvSpPr txBox="1"/>
+          <p:nvPr/>
+        </p:nvSpPr>
+        <p:spPr>
+          <a:xfrm rot="16200000">
+            <a:off x="-714272" y="5774776"/>
+            <a:ext cx="1800200" cy="276999"/>
+          </a:xfrm>
+          <a:prstGeom prst="rect">
+            <a:avLst/>
+          </a:prstGeom>
+          <a:noFill/>
+        </p:spPr>
+        <p:txBody>
+          <a:bodyPr wrap="square" rtlCol="0">
+            <a:spAutoFit/>
+          </a:bodyPr>
+          <a:lstStyle/>
+          <a:p>
+            <a:r>
+              <a:rPr lang="pt-BR" sz="1200" dirty="0">
+                <a:solidFill>
+                  <a:schemeClr val="bg2">
+                    <a:lumMod val="50000"/>
+                  </a:schemeClr>
+                </a:solidFill>
+                <a:latin typeface="+mj-lt"/>
+              </a:rPr>
+              <a:t>// Repete3.cpp</a:t>
             </a:r>
           </a:p>
         </p:txBody>
